--- a/FinalPresentation_LE.pptx
+++ b/FinalPresentation_LE.pptx
@@ -5,7 +5,7 @@
     <p:sldMasterId id="2147483648" r:id="rId1"/>
   </p:sldMasterIdLst>
   <p:notesMasterIdLst>
-    <p:notesMasterId r:id="rId18"/>
+    <p:notesMasterId r:id="rId25"/>
   </p:notesMasterIdLst>
   <p:sldIdLst>
     <p:sldId id="256" r:id="rId2"/>
@@ -19,11 +19,18 @@
     <p:sldId id="259" r:id="rId10"/>
     <p:sldId id="268" r:id="rId11"/>
     <p:sldId id="260" r:id="rId12"/>
-    <p:sldId id="261" r:id="rId13"/>
-    <p:sldId id="262" r:id="rId14"/>
-    <p:sldId id="263" r:id="rId15"/>
-    <p:sldId id="264" r:id="rId16"/>
-    <p:sldId id="265" r:id="rId17"/>
+    <p:sldId id="262" r:id="rId13"/>
+    <p:sldId id="272" r:id="rId14"/>
+    <p:sldId id="273" r:id="rId15"/>
+    <p:sldId id="274" r:id="rId16"/>
+    <p:sldId id="275" r:id="rId17"/>
+    <p:sldId id="276" r:id="rId18"/>
+    <p:sldId id="277" r:id="rId19"/>
+    <p:sldId id="278" r:id="rId20"/>
+    <p:sldId id="261" r:id="rId21"/>
+    <p:sldId id="263" r:id="rId22"/>
+    <p:sldId id="264" r:id="rId23"/>
+    <p:sldId id="265" r:id="rId24"/>
   </p:sldIdLst>
   <p:sldSz cx="12192000" cy="6858000"/>
   <p:notesSz cx="6858000" cy="9144000"/>
@@ -122,6 +129,11 @@
       </a:defRPr>
     </a:lvl9pPr>
   </p:defaultTextStyle>
+  <p:extLst>
+    <p:ext uri="{EFAFB233-063F-42B5-8137-9DF3F51BA10A}">
+      <p15:sldGuideLst xmlns:p15="http://schemas.microsoft.com/office/powerpoint/2012/main"/>
+    </p:ext>
+  </p:extLst>
 </p:presentation>
 </file>
 
@@ -207,7 +219,7 @@
           <a:p>
             <a:fld id="{11D63A53-12F1-455E-818C-D992A80074D3}" type="datetimeFigureOut">
               <a:rPr lang="de-AT" smtClean="0"/>
-              <a:t>03.06.2025</a:t>
+              <a:t>04.06.2025</a:t>
             </a:fld>
             <a:endParaRPr lang="de-AT"/>
           </a:p>
@@ -583,6 +595,594 @@
 </p:notes>
 </file>
 
+<file path=ppt/notesSlides/notesSlide10.xml><?xml version="1.0" encoding="utf-8"?>
+<p:notes xmlns:a="http://schemas.openxmlformats.org/drawingml/2006/main" xmlns:r="http://schemas.openxmlformats.org/officeDocument/2006/relationships" xmlns:p="http://schemas.openxmlformats.org/presentationml/2006/main">
+  <p:cSld>
+    <p:spTree>
+      <p:nvGrpSpPr>
+        <p:cNvPr id="1" name=""/>
+        <p:cNvGrpSpPr/>
+        <p:nvPr/>
+      </p:nvGrpSpPr>
+      <p:grpSpPr>
+        <a:xfrm>
+          <a:off x="0" y="0"/>
+          <a:ext cx="0" cy="0"/>
+          <a:chOff x="0" y="0"/>
+          <a:chExt cx="0" cy="0"/>
+        </a:xfrm>
+      </p:grpSpPr>
+      <p:sp>
+        <p:nvSpPr>
+          <p:cNvPr id="2" name="Folienbildplatzhalter 1"/>
+          <p:cNvSpPr>
+            <a:spLocks noGrp="1" noRot="1" noChangeAspect="1"/>
+          </p:cNvSpPr>
+          <p:nvPr>
+            <p:ph type="sldImg"/>
+          </p:nvPr>
+        </p:nvSpPr>
+        <p:spPr/>
+      </p:sp>
+      <p:sp>
+        <p:nvSpPr>
+          <p:cNvPr id="3" name="Notizenplatzhalter 2"/>
+          <p:cNvSpPr>
+            <a:spLocks noGrp="1"/>
+          </p:cNvSpPr>
+          <p:nvPr>
+            <p:ph type="body" idx="1"/>
+          </p:nvPr>
+        </p:nvSpPr>
+        <p:spPr/>
+        <p:txBody>
+          <a:bodyPr/>
+          <a:lstStyle/>
+          <a:p>
+            <a:endParaRPr lang="de-AT" dirty="0"/>
+          </a:p>
+        </p:txBody>
+      </p:sp>
+      <p:sp>
+        <p:nvSpPr>
+          <p:cNvPr id="4" name="Foliennummernplatzhalter 3"/>
+          <p:cNvSpPr>
+            <a:spLocks noGrp="1"/>
+          </p:cNvSpPr>
+          <p:nvPr>
+            <p:ph type="sldNum" sz="quarter" idx="5"/>
+          </p:nvPr>
+        </p:nvSpPr>
+        <p:spPr/>
+        <p:txBody>
+          <a:bodyPr/>
+          <a:lstStyle/>
+          <a:p>
+            <a:fld id="{518D9287-5E3E-4798-9EC8-F0BA4AB97AA3}" type="slidenum">
+              <a:rPr lang="de-AT" smtClean="0"/>
+              <a:t>13</a:t>
+            </a:fld>
+            <a:endParaRPr lang="de-AT"/>
+          </a:p>
+        </p:txBody>
+      </p:sp>
+    </p:spTree>
+    <p:extLst>
+      <p:ext uri="{BB962C8B-B14F-4D97-AF65-F5344CB8AC3E}">
+        <p14:creationId xmlns:p14="http://schemas.microsoft.com/office/powerpoint/2010/main" val="2081164533"/>
+      </p:ext>
+    </p:extLst>
+  </p:cSld>
+  <p:clrMapOvr>
+    <a:masterClrMapping/>
+  </p:clrMapOvr>
+</p:notes>
+</file>
+
+<file path=ppt/notesSlides/notesSlide11.xml><?xml version="1.0" encoding="utf-8"?>
+<p:notes xmlns:a="http://schemas.openxmlformats.org/drawingml/2006/main" xmlns:r="http://schemas.openxmlformats.org/officeDocument/2006/relationships" xmlns:p="http://schemas.openxmlformats.org/presentationml/2006/main">
+  <p:cSld>
+    <p:spTree>
+      <p:nvGrpSpPr>
+        <p:cNvPr id="1" name=""/>
+        <p:cNvGrpSpPr/>
+        <p:nvPr/>
+      </p:nvGrpSpPr>
+      <p:grpSpPr>
+        <a:xfrm>
+          <a:off x="0" y="0"/>
+          <a:ext cx="0" cy="0"/>
+          <a:chOff x="0" y="0"/>
+          <a:chExt cx="0" cy="0"/>
+        </a:xfrm>
+      </p:grpSpPr>
+      <p:sp>
+        <p:nvSpPr>
+          <p:cNvPr id="2" name="Folienbildplatzhalter 1"/>
+          <p:cNvSpPr>
+            <a:spLocks noGrp="1" noRot="1" noChangeAspect="1"/>
+          </p:cNvSpPr>
+          <p:nvPr>
+            <p:ph type="sldImg"/>
+          </p:nvPr>
+        </p:nvSpPr>
+        <p:spPr/>
+      </p:sp>
+      <p:sp>
+        <p:nvSpPr>
+          <p:cNvPr id="3" name="Notizenplatzhalter 2"/>
+          <p:cNvSpPr>
+            <a:spLocks noGrp="1"/>
+          </p:cNvSpPr>
+          <p:nvPr>
+            <p:ph type="body" idx="1"/>
+          </p:nvPr>
+        </p:nvSpPr>
+        <p:spPr/>
+        <p:txBody>
+          <a:bodyPr/>
+          <a:lstStyle/>
+          <a:p>
+            <a:endParaRPr lang="de-AT" dirty="0"/>
+          </a:p>
+        </p:txBody>
+      </p:sp>
+      <p:sp>
+        <p:nvSpPr>
+          <p:cNvPr id="4" name="Foliennummernplatzhalter 3"/>
+          <p:cNvSpPr>
+            <a:spLocks noGrp="1"/>
+          </p:cNvSpPr>
+          <p:nvPr>
+            <p:ph type="sldNum" sz="quarter" idx="5"/>
+          </p:nvPr>
+        </p:nvSpPr>
+        <p:spPr/>
+        <p:txBody>
+          <a:bodyPr/>
+          <a:lstStyle/>
+          <a:p>
+            <a:fld id="{518D9287-5E3E-4798-9EC8-F0BA4AB97AA3}" type="slidenum">
+              <a:rPr lang="de-AT" smtClean="0"/>
+              <a:t>14</a:t>
+            </a:fld>
+            <a:endParaRPr lang="de-AT"/>
+          </a:p>
+        </p:txBody>
+      </p:sp>
+    </p:spTree>
+    <p:extLst>
+      <p:ext uri="{BB962C8B-B14F-4D97-AF65-F5344CB8AC3E}">
+        <p14:creationId xmlns:p14="http://schemas.microsoft.com/office/powerpoint/2010/main" val="3980971592"/>
+      </p:ext>
+    </p:extLst>
+  </p:cSld>
+  <p:clrMapOvr>
+    <a:masterClrMapping/>
+  </p:clrMapOvr>
+</p:notes>
+</file>
+
+<file path=ppt/notesSlides/notesSlide12.xml><?xml version="1.0" encoding="utf-8"?>
+<p:notes xmlns:a="http://schemas.openxmlformats.org/drawingml/2006/main" xmlns:r="http://schemas.openxmlformats.org/officeDocument/2006/relationships" xmlns:p="http://schemas.openxmlformats.org/presentationml/2006/main">
+  <p:cSld>
+    <p:spTree>
+      <p:nvGrpSpPr>
+        <p:cNvPr id="1" name=""/>
+        <p:cNvGrpSpPr/>
+        <p:nvPr/>
+      </p:nvGrpSpPr>
+      <p:grpSpPr>
+        <a:xfrm>
+          <a:off x="0" y="0"/>
+          <a:ext cx="0" cy="0"/>
+          <a:chOff x="0" y="0"/>
+          <a:chExt cx="0" cy="0"/>
+        </a:xfrm>
+      </p:grpSpPr>
+      <p:sp>
+        <p:nvSpPr>
+          <p:cNvPr id="2" name="Folienbildplatzhalter 1"/>
+          <p:cNvSpPr>
+            <a:spLocks noGrp="1" noRot="1" noChangeAspect="1"/>
+          </p:cNvSpPr>
+          <p:nvPr>
+            <p:ph type="sldImg"/>
+          </p:nvPr>
+        </p:nvSpPr>
+        <p:spPr/>
+      </p:sp>
+      <p:sp>
+        <p:nvSpPr>
+          <p:cNvPr id="3" name="Notizenplatzhalter 2"/>
+          <p:cNvSpPr>
+            <a:spLocks noGrp="1"/>
+          </p:cNvSpPr>
+          <p:nvPr>
+            <p:ph type="body" idx="1"/>
+          </p:nvPr>
+        </p:nvSpPr>
+        <p:spPr/>
+        <p:txBody>
+          <a:bodyPr/>
+          <a:lstStyle/>
+          <a:p>
+            <a:endParaRPr lang="de-AT" dirty="0"/>
+          </a:p>
+        </p:txBody>
+      </p:sp>
+      <p:sp>
+        <p:nvSpPr>
+          <p:cNvPr id="4" name="Foliennummernplatzhalter 3"/>
+          <p:cNvSpPr>
+            <a:spLocks noGrp="1"/>
+          </p:cNvSpPr>
+          <p:nvPr>
+            <p:ph type="sldNum" sz="quarter" idx="5"/>
+          </p:nvPr>
+        </p:nvSpPr>
+        <p:spPr/>
+        <p:txBody>
+          <a:bodyPr/>
+          <a:lstStyle/>
+          <a:p>
+            <a:fld id="{518D9287-5E3E-4798-9EC8-F0BA4AB97AA3}" type="slidenum">
+              <a:rPr lang="de-AT" smtClean="0"/>
+              <a:t>15</a:t>
+            </a:fld>
+            <a:endParaRPr lang="de-AT"/>
+          </a:p>
+        </p:txBody>
+      </p:sp>
+    </p:spTree>
+    <p:extLst>
+      <p:ext uri="{BB962C8B-B14F-4D97-AF65-F5344CB8AC3E}">
+        <p14:creationId xmlns:p14="http://schemas.microsoft.com/office/powerpoint/2010/main" val="2869550607"/>
+      </p:ext>
+    </p:extLst>
+  </p:cSld>
+  <p:clrMapOvr>
+    <a:masterClrMapping/>
+  </p:clrMapOvr>
+</p:notes>
+</file>
+
+<file path=ppt/notesSlides/notesSlide13.xml><?xml version="1.0" encoding="utf-8"?>
+<p:notes xmlns:a="http://schemas.openxmlformats.org/drawingml/2006/main" xmlns:r="http://schemas.openxmlformats.org/officeDocument/2006/relationships" xmlns:p="http://schemas.openxmlformats.org/presentationml/2006/main">
+  <p:cSld>
+    <p:spTree>
+      <p:nvGrpSpPr>
+        <p:cNvPr id="1" name=""/>
+        <p:cNvGrpSpPr/>
+        <p:nvPr/>
+      </p:nvGrpSpPr>
+      <p:grpSpPr>
+        <a:xfrm>
+          <a:off x="0" y="0"/>
+          <a:ext cx="0" cy="0"/>
+          <a:chOff x="0" y="0"/>
+          <a:chExt cx="0" cy="0"/>
+        </a:xfrm>
+      </p:grpSpPr>
+      <p:sp>
+        <p:nvSpPr>
+          <p:cNvPr id="2" name="Folienbildplatzhalter 1"/>
+          <p:cNvSpPr>
+            <a:spLocks noGrp="1" noRot="1" noChangeAspect="1"/>
+          </p:cNvSpPr>
+          <p:nvPr>
+            <p:ph type="sldImg"/>
+          </p:nvPr>
+        </p:nvSpPr>
+        <p:spPr/>
+      </p:sp>
+      <p:sp>
+        <p:nvSpPr>
+          <p:cNvPr id="3" name="Notizenplatzhalter 2"/>
+          <p:cNvSpPr>
+            <a:spLocks noGrp="1"/>
+          </p:cNvSpPr>
+          <p:nvPr>
+            <p:ph type="body" idx="1"/>
+          </p:nvPr>
+        </p:nvSpPr>
+        <p:spPr/>
+        <p:txBody>
+          <a:bodyPr/>
+          <a:lstStyle/>
+          <a:p>
+            <a:endParaRPr lang="de-AT" dirty="0"/>
+          </a:p>
+        </p:txBody>
+      </p:sp>
+      <p:sp>
+        <p:nvSpPr>
+          <p:cNvPr id="4" name="Foliennummernplatzhalter 3"/>
+          <p:cNvSpPr>
+            <a:spLocks noGrp="1"/>
+          </p:cNvSpPr>
+          <p:nvPr>
+            <p:ph type="sldNum" sz="quarter" idx="5"/>
+          </p:nvPr>
+        </p:nvSpPr>
+        <p:spPr/>
+        <p:txBody>
+          <a:bodyPr/>
+          <a:lstStyle/>
+          <a:p>
+            <a:fld id="{518D9287-5E3E-4798-9EC8-F0BA4AB97AA3}" type="slidenum">
+              <a:rPr lang="de-AT" smtClean="0"/>
+              <a:t>16</a:t>
+            </a:fld>
+            <a:endParaRPr lang="de-AT"/>
+          </a:p>
+        </p:txBody>
+      </p:sp>
+    </p:spTree>
+    <p:extLst>
+      <p:ext uri="{BB962C8B-B14F-4D97-AF65-F5344CB8AC3E}">
+        <p14:creationId xmlns:p14="http://schemas.microsoft.com/office/powerpoint/2010/main" val="314772731"/>
+      </p:ext>
+    </p:extLst>
+  </p:cSld>
+  <p:clrMapOvr>
+    <a:masterClrMapping/>
+  </p:clrMapOvr>
+</p:notes>
+</file>
+
+<file path=ppt/notesSlides/notesSlide14.xml><?xml version="1.0" encoding="utf-8"?>
+<p:notes xmlns:a="http://schemas.openxmlformats.org/drawingml/2006/main" xmlns:r="http://schemas.openxmlformats.org/officeDocument/2006/relationships" xmlns:p="http://schemas.openxmlformats.org/presentationml/2006/main">
+  <p:cSld>
+    <p:spTree>
+      <p:nvGrpSpPr>
+        <p:cNvPr id="1" name=""/>
+        <p:cNvGrpSpPr/>
+        <p:nvPr/>
+      </p:nvGrpSpPr>
+      <p:grpSpPr>
+        <a:xfrm>
+          <a:off x="0" y="0"/>
+          <a:ext cx="0" cy="0"/>
+          <a:chOff x="0" y="0"/>
+          <a:chExt cx="0" cy="0"/>
+        </a:xfrm>
+      </p:grpSpPr>
+      <p:sp>
+        <p:nvSpPr>
+          <p:cNvPr id="2" name="Folienbildplatzhalter 1"/>
+          <p:cNvSpPr>
+            <a:spLocks noGrp="1" noRot="1" noChangeAspect="1"/>
+          </p:cNvSpPr>
+          <p:nvPr>
+            <p:ph type="sldImg"/>
+          </p:nvPr>
+        </p:nvSpPr>
+        <p:spPr/>
+      </p:sp>
+      <p:sp>
+        <p:nvSpPr>
+          <p:cNvPr id="3" name="Notizenplatzhalter 2"/>
+          <p:cNvSpPr>
+            <a:spLocks noGrp="1"/>
+          </p:cNvSpPr>
+          <p:nvPr>
+            <p:ph type="body" idx="1"/>
+          </p:nvPr>
+        </p:nvSpPr>
+        <p:spPr/>
+        <p:txBody>
+          <a:bodyPr/>
+          <a:lstStyle/>
+          <a:p>
+            <a:endParaRPr lang="de-AT" dirty="0"/>
+          </a:p>
+        </p:txBody>
+      </p:sp>
+      <p:sp>
+        <p:nvSpPr>
+          <p:cNvPr id="4" name="Foliennummernplatzhalter 3"/>
+          <p:cNvSpPr>
+            <a:spLocks noGrp="1"/>
+          </p:cNvSpPr>
+          <p:nvPr>
+            <p:ph type="sldNum" sz="quarter" idx="5"/>
+          </p:nvPr>
+        </p:nvSpPr>
+        <p:spPr/>
+        <p:txBody>
+          <a:bodyPr/>
+          <a:lstStyle/>
+          <a:p>
+            <a:fld id="{518D9287-5E3E-4798-9EC8-F0BA4AB97AA3}" type="slidenum">
+              <a:rPr lang="de-AT" smtClean="0"/>
+              <a:t>17</a:t>
+            </a:fld>
+            <a:endParaRPr lang="de-AT"/>
+          </a:p>
+        </p:txBody>
+      </p:sp>
+    </p:spTree>
+    <p:extLst>
+      <p:ext uri="{BB962C8B-B14F-4D97-AF65-F5344CB8AC3E}">
+        <p14:creationId xmlns:p14="http://schemas.microsoft.com/office/powerpoint/2010/main" val="3602962865"/>
+      </p:ext>
+    </p:extLst>
+  </p:cSld>
+  <p:clrMapOvr>
+    <a:masterClrMapping/>
+  </p:clrMapOvr>
+</p:notes>
+</file>
+
+<file path=ppt/notesSlides/notesSlide15.xml><?xml version="1.0" encoding="utf-8"?>
+<p:notes xmlns:a="http://schemas.openxmlformats.org/drawingml/2006/main" xmlns:r="http://schemas.openxmlformats.org/officeDocument/2006/relationships" xmlns:p="http://schemas.openxmlformats.org/presentationml/2006/main">
+  <p:cSld>
+    <p:spTree>
+      <p:nvGrpSpPr>
+        <p:cNvPr id="1" name=""/>
+        <p:cNvGrpSpPr/>
+        <p:nvPr/>
+      </p:nvGrpSpPr>
+      <p:grpSpPr>
+        <a:xfrm>
+          <a:off x="0" y="0"/>
+          <a:ext cx="0" cy="0"/>
+          <a:chOff x="0" y="0"/>
+          <a:chExt cx="0" cy="0"/>
+        </a:xfrm>
+      </p:grpSpPr>
+      <p:sp>
+        <p:nvSpPr>
+          <p:cNvPr id="2" name="Folienbildplatzhalter 1"/>
+          <p:cNvSpPr>
+            <a:spLocks noGrp="1" noRot="1" noChangeAspect="1"/>
+          </p:cNvSpPr>
+          <p:nvPr>
+            <p:ph type="sldImg"/>
+          </p:nvPr>
+        </p:nvSpPr>
+        <p:spPr/>
+      </p:sp>
+      <p:sp>
+        <p:nvSpPr>
+          <p:cNvPr id="3" name="Notizenplatzhalter 2"/>
+          <p:cNvSpPr>
+            <a:spLocks noGrp="1"/>
+          </p:cNvSpPr>
+          <p:nvPr>
+            <p:ph type="body" idx="1"/>
+          </p:nvPr>
+        </p:nvSpPr>
+        <p:spPr/>
+        <p:txBody>
+          <a:bodyPr/>
+          <a:lstStyle/>
+          <a:p>
+            <a:endParaRPr lang="de-AT" dirty="0"/>
+          </a:p>
+        </p:txBody>
+      </p:sp>
+      <p:sp>
+        <p:nvSpPr>
+          <p:cNvPr id="4" name="Foliennummernplatzhalter 3"/>
+          <p:cNvSpPr>
+            <a:spLocks noGrp="1"/>
+          </p:cNvSpPr>
+          <p:nvPr>
+            <p:ph type="sldNum" sz="quarter" idx="5"/>
+          </p:nvPr>
+        </p:nvSpPr>
+        <p:spPr/>
+        <p:txBody>
+          <a:bodyPr/>
+          <a:lstStyle/>
+          <a:p>
+            <a:fld id="{518D9287-5E3E-4798-9EC8-F0BA4AB97AA3}" type="slidenum">
+              <a:rPr lang="de-AT" smtClean="0"/>
+              <a:t>18</a:t>
+            </a:fld>
+            <a:endParaRPr lang="de-AT"/>
+          </a:p>
+        </p:txBody>
+      </p:sp>
+    </p:spTree>
+    <p:extLst>
+      <p:ext uri="{BB962C8B-B14F-4D97-AF65-F5344CB8AC3E}">
+        <p14:creationId xmlns:p14="http://schemas.microsoft.com/office/powerpoint/2010/main" val="1685786182"/>
+      </p:ext>
+    </p:extLst>
+  </p:cSld>
+  <p:clrMapOvr>
+    <a:masterClrMapping/>
+  </p:clrMapOvr>
+</p:notes>
+</file>
+
+<file path=ppt/notesSlides/notesSlide16.xml><?xml version="1.0" encoding="utf-8"?>
+<p:notes xmlns:a="http://schemas.openxmlformats.org/drawingml/2006/main" xmlns:r="http://schemas.openxmlformats.org/officeDocument/2006/relationships" xmlns:p="http://schemas.openxmlformats.org/presentationml/2006/main">
+  <p:cSld>
+    <p:spTree>
+      <p:nvGrpSpPr>
+        <p:cNvPr id="1" name=""/>
+        <p:cNvGrpSpPr/>
+        <p:nvPr/>
+      </p:nvGrpSpPr>
+      <p:grpSpPr>
+        <a:xfrm>
+          <a:off x="0" y="0"/>
+          <a:ext cx="0" cy="0"/>
+          <a:chOff x="0" y="0"/>
+          <a:chExt cx="0" cy="0"/>
+        </a:xfrm>
+      </p:grpSpPr>
+      <p:sp>
+        <p:nvSpPr>
+          <p:cNvPr id="2" name="Folienbildplatzhalter 1"/>
+          <p:cNvSpPr>
+            <a:spLocks noGrp="1" noRot="1" noChangeAspect="1"/>
+          </p:cNvSpPr>
+          <p:nvPr>
+            <p:ph type="sldImg"/>
+          </p:nvPr>
+        </p:nvSpPr>
+        <p:spPr/>
+      </p:sp>
+      <p:sp>
+        <p:nvSpPr>
+          <p:cNvPr id="3" name="Notizenplatzhalter 2"/>
+          <p:cNvSpPr>
+            <a:spLocks noGrp="1"/>
+          </p:cNvSpPr>
+          <p:nvPr>
+            <p:ph type="body" idx="1"/>
+          </p:nvPr>
+        </p:nvSpPr>
+        <p:spPr/>
+        <p:txBody>
+          <a:bodyPr/>
+          <a:lstStyle/>
+          <a:p>
+            <a:endParaRPr lang="de-AT" dirty="0"/>
+          </a:p>
+        </p:txBody>
+      </p:sp>
+      <p:sp>
+        <p:nvSpPr>
+          <p:cNvPr id="4" name="Foliennummernplatzhalter 3"/>
+          <p:cNvSpPr>
+            <a:spLocks noGrp="1"/>
+          </p:cNvSpPr>
+          <p:nvPr>
+            <p:ph type="sldNum" sz="quarter" idx="5"/>
+          </p:nvPr>
+        </p:nvSpPr>
+        <p:spPr/>
+        <p:txBody>
+          <a:bodyPr/>
+          <a:lstStyle/>
+          <a:p>
+            <a:fld id="{518D9287-5E3E-4798-9EC8-F0BA4AB97AA3}" type="slidenum">
+              <a:rPr lang="de-AT" smtClean="0"/>
+              <a:t>19</a:t>
+            </a:fld>
+            <a:endParaRPr lang="de-AT"/>
+          </a:p>
+        </p:txBody>
+      </p:sp>
+    </p:spTree>
+    <p:extLst>
+      <p:ext uri="{BB962C8B-B14F-4D97-AF65-F5344CB8AC3E}">
+        <p14:creationId xmlns:p14="http://schemas.microsoft.com/office/powerpoint/2010/main" val="3042111658"/>
+      </p:ext>
+    </p:extLst>
+  </p:cSld>
+  <p:clrMapOvr>
+    <a:masterClrMapping/>
+  </p:clrMapOvr>
+</p:notes>
+</file>
+
 <file path=ppt/notesSlides/notesSlide2.xml><?xml version="1.0" encoding="utf-8"?>
 <p:notes xmlns:a="http://schemas.openxmlformats.org/drawingml/2006/main" xmlns:r="http://schemas.openxmlformats.org/officeDocument/2006/relationships" xmlns:p="http://schemas.openxmlformats.org/presentationml/2006/main">
   <p:cSld>
@@ -1646,6 +2246,90 @@
     <p:extLst>
       <p:ext uri="{BB962C8B-B14F-4D97-AF65-F5344CB8AC3E}">
         <p14:creationId xmlns:p14="http://schemas.microsoft.com/office/powerpoint/2010/main" val="882790581"/>
+      </p:ext>
+    </p:extLst>
+  </p:cSld>
+  <p:clrMapOvr>
+    <a:masterClrMapping/>
+  </p:clrMapOvr>
+</p:notes>
+</file>
+
+<file path=ppt/notesSlides/notesSlide9.xml><?xml version="1.0" encoding="utf-8"?>
+<p:notes xmlns:a="http://schemas.openxmlformats.org/drawingml/2006/main" xmlns:r="http://schemas.openxmlformats.org/officeDocument/2006/relationships" xmlns:p="http://schemas.openxmlformats.org/presentationml/2006/main">
+  <p:cSld>
+    <p:spTree>
+      <p:nvGrpSpPr>
+        <p:cNvPr id="1" name=""/>
+        <p:cNvGrpSpPr/>
+        <p:nvPr/>
+      </p:nvGrpSpPr>
+      <p:grpSpPr>
+        <a:xfrm>
+          <a:off x="0" y="0"/>
+          <a:ext cx="0" cy="0"/>
+          <a:chOff x="0" y="0"/>
+          <a:chExt cx="0" cy="0"/>
+        </a:xfrm>
+      </p:grpSpPr>
+      <p:sp>
+        <p:nvSpPr>
+          <p:cNvPr id="2" name="Folienbildplatzhalter 1"/>
+          <p:cNvSpPr>
+            <a:spLocks noGrp="1" noRot="1" noChangeAspect="1"/>
+          </p:cNvSpPr>
+          <p:nvPr>
+            <p:ph type="sldImg"/>
+          </p:nvPr>
+        </p:nvSpPr>
+        <p:spPr/>
+      </p:sp>
+      <p:sp>
+        <p:nvSpPr>
+          <p:cNvPr id="3" name="Notizenplatzhalter 2"/>
+          <p:cNvSpPr>
+            <a:spLocks noGrp="1"/>
+          </p:cNvSpPr>
+          <p:nvPr>
+            <p:ph type="body" idx="1"/>
+          </p:nvPr>
+        </p:nvSpPr>
+        <p:spPr/>
+        <p:txBody>
+          <a:bodyPr/>
+          <a:lstStyle/>
+          <a:p>
+            <a:endParaRPr lang="de-AT" dirty="0"/>
+          </a:p>
+        </p:txBody>
+      </p:sp>
+      <p:sp>
+        <p:nvSpPr>
+          <p:cNvPr id="4" name="Foliennummernplatzhalter 3"/>
+          <p:cNvSpPr>
+            <a:spLocks noGrp="1"/>
+          </p:cNvSpPr>
+          <p:nvPr>
+            <p:ph type="sldNum" sz="quarter" idx="5"/>
+          </p:nvPr>
+        </p:nvSpPr>
+        <p:spPr/>
+        <p:txBody>
+          <a:bodyPr/>
+          <a:lstStyle/>
+          <a:p>
+            <a:fld id="{518D9287-5E3E-4798-9EC8-F0BA4AB97AA3}" type="slidenum">
+              <a:rPr lang="de-AT" smtClean="0"/>
+              <a:t>12</a:t>
+            </a:fld>
+            <a:endParaRPr lang="de-AT"/>
+          </a:p>
+        </p:txBody>
+      </p:sp>
+    </p:spTree>
+    <p:extLst>
+      <p:ext uri="{BB962C8B-B14F-4D97-AF65-F5344CB8AC3E}">
+        <p14:creationId xmlns:p14="http://schemas.microsoft.com/office/powerpoint/2010/main" val="1963439125"/>
       </p:ext>
     </p:extLst>
   </p:cSld>
@@ -1804,7 +2488,7 @@
           <a:p>
             <a:fld id="{BE535EDF-0F33-4B59-912F-68761F335446}" type="datetimeFigureOut">
               <a:rPr lang="de-AT" smtClean="0"/>
-              <a:t>03.06.2025</a:t>
+              <a:t>04.06.2025</a:t>
             </a:fld>
             <a:endParaRPr lang="de-AT"/>
           </a:p>
@@ -2004,7 +2688,7 @@
           <a:p>
             <a:fld id="{BE535EDF-0F33-4B59-912F-68761F335446}" type="datetimeFigureOut">
               <a:rPr lang="de-AT" smtClean="0"/>
-              <a:t>03.06.2025</a:t>
+              <a:t>04.06.2025</a:t>
             </a:fld>
             <a:endParaRPr lang="de-AT"/>
           </a:p>
@@ -2214,7 +2898,7 @@
           <a:p>
             <a:fld id="{BE535EDF-0F33-4B59-912F-68761F335446}" type="datetimeFigureOut">
               <a:rPr lang="de-AT" smtClean="0"/>
-              <a:t>03.06.2025</a:t>
+              <a:t>04.06.2025</a:t>
             </a:fld>
             <a:endParaRPr lang="de-AT"/>
           </a:p>
@@ -2414,7 +3098,7 @@
           <a:p>
             <a:fld id="{BE535EDF-0F33-4B59-912F-68761F335446}" type="datetimeFigureOut">
               <a:rPr lang="de-AT" smtClean="0"/>
-              <a:t>03.06.2025</a:t>
+              <a:t>04.06.2025</a:t>
             </a:fld>
             <a:endParaRPr lang="de-AT"/>
           </a:p>
@@ -2690,7 +3374,7 @@
           <a:p>
             <a:fld id="{BE535EDF-0F33-4B59-912F-68761F335446}" type="datetimeFigureOut">
               <a:rPr lang="de-AT" smtClean="0"/>
-              <a:t>03.06.2025</a:t>
+              <a:t>04.06.2025</a:t>
             </a:fld>
             <a:endParaRPr lang="de-AT"/>
           </a:p>
@@ -2958,7 +3642,7 @@
           <a:p>
             <a:fld id="{BE535EDF-0F33-4B59-912F-68761F335446}" type="datetimeFigureOut">
               <a:rPr lang="de-AT" smtClean="0"/>
-              <a:t>03.06.2025</a:t>
+              <a:t>04.06.2025</a:t>
             </a:fld>
             <a:endParaRPr lang="de-AT"/>
           </a:p>
@@ -3373,7 +4057,7 @@
           <a:p>
             <a:fld id="{BE535EDF-0F33-4B59-912F-68761F335446}" type="datetimeFigureOut">
               <a:rPr lang="de-AT" smtClean="0"/>
-              <a:t>03.06.2025</a:t>
+              <a:t>04.06.2025</a:t>
             </a:fld>
             <a:endParaRPr lang="de-AT"/>
           </a:p>
@@ -3515,7 +4199,7 @@
           <a:p>
             <a:fld id="{BE535EDF-0F33-4B59-912F-68761F335446}" type="datetimeFigureOut">
               <a:rPr lang="de-AT" smtClean="0"/>
-              <a:t>03.06.2025</a:t>
+              <a:t>04.06.2025</a:t>
             </a:fld>
             <a:endParaRPr lang="de-AT"/>
           </a:p>
@@ -3628,7 +4312,7 @@
           <a:p>
             <a:fld id="{BE535EDF-0F33-4B59-912F-68761F335446}" type="datetimeFigureOut">
               <a:rPr lang="de-AT" smtClean="0"/>
-              <a:t>03.06.2025</a:t>
+              <a:t>04.06.2025</a:t>
             </a:fld>
             <a:endParaRPr lang="de-AT"/>
           </a:p>
@@ -3941,7 +4625,7 @@
           <a:p>
             <a:fld id="{BE535EDF-0F33-4B59-912F-68761F335446}" type="datetimeFigureOut">
               <a:rPr lang="de-AT" smtClean="0"/>
-              <a:t>03.06.2025</a:t>
+              <a:t>04.06.2025</a:t>
             </a:fld>
             <a:endParaRPr lang="de-AT"/>
           </a:p>
@@ -4230,7 +4914,7 @@
           <a:p>
             <a:fld id="{BE535EDF-0F33-4B59-912F-68761F335446}" type="datetimeFigureOut">
               <a:rPr lang="de-AT" smtClean="0"/>
-              <a:t>03.06.2025</a:t>
+              <a:t>04.06.2025</a:t>
             </a:fld>
             <a:endParaRPr lang="de-AT"/>
           </a:p>
@@ -4473,7 +5157,7 @@
           <a:p>
             <a:fld id="{BE535EDF-0F33-4B59-912F-68761F335446}" type="datetimeFigureOut">
               <a:rPr lang="de-AT" smtClean="0"/>
-              <a:t>03.06.2025</a:t>
+              <a:t>04.06.2025</a:t>
             </a:fld>
             <a:endParaRPr lang="de-AT"/>
           </a:p>
@@ -5180,10 +5864,87 @@
         </p:nvSpPr>
         <p:spPr/>
         <p:txBody>
-          <a:bodyPr/>
-          <a:lstStyle/>
-          <a:p>
-            <a:endParaRPr lang="de-AT"/>
+          <a:bodyPr>
+            <a:normAutofit lnSpcReduction="10000"/>
+          </a:bodyPr>
+          <a:lstStyle/>
+          <a:p>
+            <a:r>
+              <a:rPr lang="de-DE" dirty="0"/>
+              <a:t>K-</a:t>
+            </a:r>
+            <a:r>
+              <a:rPr lang="de-DE" dirty="0" err="1"/>
+              <a:t>Nearest</a:t>
+            </a:r>
+            <a:r>
+              <a:rPr lang="de-DE" dirty="0"/>
+              <a:t>-</a:t>
+            </a:r>
+            <a:r>
+              <a:rPr lang="de-DE" dirty="0" err="1"/>
+              <a:t>Neighbour</a:t>
+            </a:r>
+            <a:r>
+              <a:rPr lang="de-DE" dirty="0"/>
+              <a:t>:</a:t>
+            </a:r>
+          </a:p>
+          <a:p>
+            <a:pPr lvl="1"/>
+            <a:endParaRPr lang="de-DE" dirty="0"/>
+          </a:p>
+          <a:p>
+            <a:endParaRPr lang="de-DE" dirty="0"/>
+          </a:p>
+          <a:p>
+            <a:r>
+              <a:rPr lang="de-DE" dirty="0" err="1"/>
+              <a:t>Decision</a:t>
+            </a:r>
+            <a:r>
+              <a:rPr lang="de-DE" dirty="0"/>
+              <a:t> </a:t>
+            </a:r>
+            <a:r>
+              <a:rPr lang="de-DE" dirty="0" err="1"/>
+              <a:t>Tree</a:t>
+            </a:r>
+            <a:r>
+              <a:rPr lang="de-DE" dirty="0"/>
+              <a:t>:</a:t>
+            </a:r>
+          </a:p>
+          <a:p>
+            <a:endParaRPr lang="de-DE" dirty="0"/>
+          </a:p>
+          <a:p>
+            <a:endParaRPr lang="de-DE" dirty="0"/>
+          </a:p>
+          <a:p>
+            <a:r>
+              <a:rPr lang="de-DE" dirty="0"/>
+              <a:t>Clustering:</a:t>
+            </a:r>
+          </a:p>
+          <a:p>
+            <a:pPr marL="0" indent="0">
+              <a:buNone/>
+            </a:pPr>
+            <a:endParaRPr lang="de-DE" dirty="0"/>
+          </a:p>
+          <a:p>
+            <a:pPr lvl="1"/>
+            <a:endParaRPr lang="de-DE" dirty="0"/>
+          </a:p>
+          <a:p>
+            <a:pPr marL="457200" lvl="1" indent="0">
+              <a:buNone/>
+            </a:pPr>
+            <a:r>
+              <a:rPr lang="de-DE" dirty="0"/>
+              <a:t>		</a:t>
+            </a:r>
           </a:p>
         </p:txBody>
       </p:sp>
@@ -5201,104 +5962,6 @@
 </file>
 
 <file path=ppt/slides/slide12.xml><?xml version="1.0" encoding="utf-8"?>
-<p:sld xmlns:a="http://schemas.openxmlformats.org/drawingml/2006/main" xmlns:r="http://schemas.openxmlformats.org/officeDocument/2006/relationships" xmlns:p="http://schemas.openxmlformats.org/presentationml/2006/main">
-  <p:cSld>
-    <p:spTree>
-      <p:nvGrpSpPr>
-        <p:cNvPr id="1" name="">
-          <a:extLst>
-            <a:ext uri="{FF2B5EF4-FFF2-40B4-BE49-F238E27FC236}">
-              <a16:creationId xmlns:a16="http://schemas.microsoft.com/office/drawing/2014/main" id="{6B5D8510-F580-0A79-1D03-A8574EA7D708}"/>
-            </a:ext>
-          </a:extLst>
-        </p:cNvPr>
-        <p:cNvGrpSpPr/>
-        <p:nvPr/>
-      </p:nvGrpSpPr>
-      <p:grpSpPr>
-        <a:xfrm>
-          <a:off x="0" y="0"/>
-          <a:ext cx="0" cy="0"/>
-          <a:chOff x="0" y="0"/>
-          <a:chExt cx="0" cy="0"/>
-        </a:xfrm>
-      </p:grpSpPr>
-      <p:sp>
-        <p:nvSpPr>
-          <p:cNvPr id="2" name="Titel 1">
-            <a:extLst>
-              <a:ext uri="{FF2B5EF4-FFF2-40B4-BE49-F238E27FC236}">
-                <a16:creationId xmlns:a16="http://schemas.microsoft.com/office/drawing/2014/main" id="{5C06ADAA-117F-3C72-AE0B-3EA3E8E736AE}"/>
-              </a:ext>
-            </a:extLst>
-          </p:cNvPr>
-          <p:cNvSpPr>
-            <a:spLocks noGrp="1"/>
-          </p:cNvSpPr>
-          <p:nvPr>
-            <p:ph type="title"/>
-          </p:nvPr>
-        </p:nvSpPr>
-        <p:spPr/>
-        <p:txBody>
-          <a:bodyPr/>
-          <a:lstStyle/>
-          <a:p>
-            <a:r>
-              <a:rPr lang="de-AT" dirty="0" err="1"/>
-              <a:t>Decision</a:t>
-            </a:r>
-            <a:r>
-              <a:rPr lang="de-AT" dirty="0"/>
-              <a:t> </a:t>
-            </a:r>
-            <a:r>
-              <a:rPr lang="de-AT" dirty="0" err="1"/>
-              <a:t>Tree</a:t>
-            </a:r>
-            <a:endParaRPr lang="de-AT" dirty="0"/>
-          </a:p>
-        </p:txBody>
-      </p:sp>
-      <p:sp>
-        <p:nvSpPr>
-          <p:cNvPr id="3" name="Inhaltsplatzhalter 2">
-            <a:extLst>
-              <a:ext uri="{FF2B5EF4-FFF2-40B4-BE49-F238E27FC236}">
-                <a16:creationId xmlns:a16="http://schemas.microsoft.com/office/drawing/2014/main" id="{3649568B-9FA9-57D9-444E-7D90E3D7D097}"/>
-              </a:ext>
-            </a:extLst>
-          </p:cNvPr>
-          <p:cNvSpPr>
-            <a:spLocks noGrp="1"/>
-          </p:cNvSpPr>
-          <p:nvPr>
-            <p:ph idx="1"/>
-          </p:nvPr>
-        </p:nvSpPr>
-        <p:spPr/>
-        <p:txBody>
-          <a:bodyPr/>
-          <a:lstStyle/>
-          <a:p>
-            <a:endParaRPr lang="de-AT"/>
-          </a:p>
-        </p:txBody>
-      </p:sp>
-    </p:spTree>
-    <p:extLst>
-      <p:ext uri="{BB962C8B-B14F-4D97-AF65-F5344CB8AC3E}">
-        <p14:creationId xmlns:p14="http://schemas.microsoft.com/office/powerpoint/2010/main" val="3045874594"/>
-      </p:ext>
-    </p:extLst>
-  </p:cSld>
-  <p:clrMapOvr>
-    <a:masterClrMapping/>
-  </p:clrMapOvr>
-</p:sld>
-</file>
-
-<file path=ppt/slides/slide13.xml><?xml version="1.0" encoding="utf-8"?>
 <p:sld xmlns:a="http://schemas.openxmlformats.org/drawingml/2006/main" xmlns:r="http://schemas.openxmlformats.org/officeDocument/2006/relationships" xmlns:p="http://schemas.openxmlformats.org/presentationml/2006/main">
   <p:cSld>
     <p:spTree>
@@ -5349,35 +6012,177 @@
           </a:p>
         </p:txBody>
       </p:sp>
-      <p:sp>
-        <p:nvSpPr>
-          <p:cNvPr id="3" name="Inhaltsplatzhalter 2">
-            <a:extLst>
-              <a:ext uri="{FF2B5EF4-FFF2-40B4-BE49-F238E27FC236}">
-                <a16:creationId xmlns:a16="http://schemas.microsoft.com/office/drawing/2014/main" id="{E2B84972-5D28-69A5-186E-F874DB042EE0}"/>
-              </a:ext>
-            </a:extLst>
-          </p:cNvPr>
-          <p:cNvSpPr>
-            <a:spLocks noGrp="1"/>
-          </p:cNvSpPr>
+      <p:pic>
+        <p:nvPicPr>
+          <p:cNvPr id="1026" name="Picture 2" descr="Using K Nearest Neighbours algorithm in scenario tuning - SAS Users">
+            <a:extLst>
+              <a:ext uri="{FF2B5EF4-FFF2-40B4-BE49-F238E27FC236}">
+                <a16:creationId xmlns:a16="http://schemas.microsoft.com/office/drawing/2014/main" id="{6663ED2A-0E66-5F1A-5C91-747EF4E9B2D5}"/>
+              </a:ext>
+            </a:extLst>
+          </p:cNvPr>
+          <p:cNvPicPr>
+            <a:picLocks noGrp="1" noChangeAspect="1" noChangeArrowheads="1"/>
+          </p:cNvPicPr>
           <p:nvPr>
             <p:ph idx="1"/>
           </p:nvPr>
-        </p:nvSpPr>
-        <p:spPr/>
-        <p:txBody>
-          <a:bodyPr/>
-          <a:lstStyle/>
-          <a:p>
-            <a:endParaRPr lang="de-AT"/>
-          </a:p>
-        </p:txBody>
-      </p:sp>
+        </p:nvPicPr>
+        <p:blipFill>
+          <a:blip r:embed="rId3">
+            <a:extLst>
+              <a:ext uri="{28A0092B-C50C-407E-A947-70E740481C1C}">
+                <a14:useLocalDpi xmlns:a14="http://schemas.microsoft.com/office/drawing/2010/main" val="0"/>
+              </a:ext>
+            </a:extLst>
+          </a:blip>
+          <a:srcRect/>
+          <a:stretch>
+            <a:fillRect/>
+          </a:stretch>
+        </p:blipFill>
+        <p:spPr bwMode="auto">
+          <a:xfrm>
+            <a:off x="1949430" y="1448224"/>
+            <a:ext cx="9105665" cy="5044651"/>
+          </a:xfrm>
+          <a:prstGeom prst="rect">
+            <a:avLst/>
+          </a:prstGeom>
+          <a:noFill/>
+          <a:extLst>
+            <a:ext uri="{909E8E84-426E-40DD-AFC4-6F175D3DCCD1}">
+              <a14:hiddenFill xmlns:a14="http://schemas.microsoft.com/office/drawing/2010/main">
+                <a:solidFill>
+                  <a:srgbClr val="FFFFFF"/>
+                </a:solidFill>
+              </a14:hiddenFill>
+            </a:ext>
+          </a:extLst>
+        </p:spPr>
+      </p:pic>
     </p:spTree>
     <p:extLst>
       <p:ext uri="{BB962C8B-B14F-4D97-AF65-F5344CB8AC3E}">
         <p14:creationId xmlns:p14="http://schemas.microsoft.com/office/powerpoint/2010/main" val="1556808652"/>
+      </p:ext>
+    </p:extLst>
+  </p:cSld>
+  <p:clrMapOvr>
+    <a:masterClrMapping/>
+  </p:clrMapOvr>
+</p:sld>
+</file>
+
+<file path=ppt/slides/slide13.xml><?xml version="1.0" encoding="utf-8"?>
+<p:sld xmlns:a="http://schemas.openxmlformats.org/drawingml/2006/main" xmlns:r="http://schemas.openxmlformats.org/officeDocument/2006/relationships" xmlns:p="http://schemas.openxmlformats.org/presentationml/2006/main">
+  <p:cSld>
+    <p:spTree>
+      <p:nvGrpSpPr>
+        <p:cNvPr id="1" name=""/>
+        <p:cNvGrpSpPr/>
+        <p:nvPr/>
+      </p:nvGrpSpPr>
+      <p:grpSpPr>
+        <a:xfrm>
+          <a:off x="0" y="0"/>
+          <a:ext cx="0" cy="0"/>
+          <a:chOff x="0" y="0"/>
+          <a:chExt cx="0" cy="0"/>
+        </a:xfrm>
+      </p:grpSpPr>
+      <p:sp>
+        <p:nvSpPr>
+          <p:cNvPr id="2" name="Titel 1">
+            <a:extLst>
+              <a:ext uri="{FF2B5EF4-FFF2-40B4-BE49-F238E27FC236}">
+                <a16:creationId xmlns:a16="http://schemas.microsoft.com/office/drawing/2014/main" id="{25AB7F69-8FED-6347-6655-85401120EC3A}"/>
+              </a:ext>
+            </a:extLst>
+          </p:cNvPr>
+          <p:cNvSpPr>
+            <a:spLocks noGrp="1"/>
+          </p:cNvSpPr>
+          <p:nvPr>
+            <p:ph type="title"/>
+          </p:nvPr>
+        </p:nvSpPr>
+        <p:spPr/>
+        <p:txBody>
+          <a:bodyPr/>
+          <a:lstStyle/>
+          <a:p>
+            <a:r>
+              <a:rPr lang="de-DE" dirty="0"/>
+              <a:t>Distribution </a:t>
+            </a:r>
+            <a:r>
+              <a:rPr lang="de-DE" dirty="0" err="1"/>
+              <a:t>of</a:t>
+            </a:r>
+            <a:r>
+              <a:rPr lang="de-DE" dirty="0"/>
+              <a:t> </a:t>
+            </a:r>
+            <a:r>
+              <a:rPr lang="de-DE" dirty="0" err="1"/>
+              <a:t>the</a:t>
+            </a:r>
+            <a:r>
+              <a:rPr lang="de-DE" dirty="0"/>
+              <a:t> </a:t>
+            </a:r>
+            <a:r>
+              <a:rPr lang="de-DE" dirty="0" err="1"/>
+              <a:t>target</a:t>
+            </a:r>
+            <a:r>
+              <a:rPr lang="de-DE" dirty="0"/>
+              <a:t> variable (Region)</a:t>
+            </a:r>
+            <a:endParaRPr lang="de-AT" dirty="0"/>
+          </a:p>
+        </p:txBody>
+      </p:sp>
+      <p:pic>
+        <p:nvPicPr>
+          <p:cNvPr id="6" name="Inhaltsplatzhalter 5" descr="Ein Bild, das Text, Screenshot, Diagramm, Schrift enthält.&#10;&#10;KI-generierte Inhalte können fehlerhaft sein.">
+            <a:extLst>
+              <a:ext uri="{FF2B5EF4-FFF2-40B4-BE49-F238E27FC236}">
+                <a16:creationId xmlns:a16="http://schemas.microsoft.com/office/drawing/2014/main" id="{61F36BD5-B0ED-E958-5386-10A54D5149E5}"/>
+              </a:ext>
+            </a:extLst>
+          </p:cNvPr>
+          <p:cNvPicPr>
+            <a:picLocks noGrp="1" noChangeAspect="1"/>
+          </p:cNvPicPr>
+          <p:nvPr>
+            <p:ph idx="1"/>
+          </p:nvPr>
+        </p:nvPicPr>
+        <p:blipFill>
+          <a:blip r:embed="rId3">
+            <a:extLst>
+              <a:ext uri="{28A0092B-C50C-407E-A947-70E740481C1C}">
+                <a14:useLocalDpi xmlns:a14="http://schemas.microsoft.com/office/drawing/2010/main" val="0"/>
+              </a:ext>
+            </a:extLst>
+          </a:blip>
+          <a:stretch>
+            <a:fillRect/>
+          </a:stretch>
+        </p:blipFill>
+        <p:spPr>
+          <a:xfrm>
+            <a:off x="1347618" y="1405000"/>
+            <a:ext cx="8856684" cy="5453000"/>
+          </a:xfrm>
+        </p:spPr>
+      </p:pic>
+    </p:spTree>
+    <p:extLst>
+      <p:ext uri="{BB962C8B-B14F-4D97-AF65-F5344CB8AC3E}">
+        <p14:creationId xmlns:p14="http://schemas.microsoft.com/office/powerpoint/2010/main" val="3270406556"/>
       </p:ext>
     </p:extLst>
   </p:cSld>
@@ -5392,13 +6197,7 @@
   <p:cSld>
     <p:spTree>
       <p:nvGrpSpPr>
-        <p:cNvPr id="1" name="">
-          <a:extLst>
-            <a:ext uri="{FF2B5EF4-FFF2-40B4-BE49-F238E27FC236}">
-              <a16:creationId xmlns:a16="http://schemas.microsoft.com/office/drawing/2014/main" id="{27CFBF8F-7015-D778-89D8-89248E9F4844}"/>
-            </a:ext>
-          </a:extLst>
-        </p:cNvPr>
+        <p:cNvPr id="1" name=""/>
         <p:cNvGrpSpPr/>
         <p:nvPr/>
       </p:nvGrpSpPr>
@@ -5415,7 +6214,7 @@
           <p:cNvPr id="2" name="Titel 1">
             <a:extLst>
               <a:ext uri="{FF2B5EF4-FFF2-40B4-BE49-F238E27FC236}">
-                <a16:creationId xmlns:a16="http://schemas.microsoft.com/office/drawing/2014/main" id="{C7E3E6E2-45DD-9A23-6CF1-0558B9A44BFE}"/>
+                <a16:creationId xmlns:a16="http://schemas.microsoft.com/office/drawing/2014/main" id="{A443E462-9390-6196-CE0B-A684860A646C}"/>
               </a:ext>
             </a:extLst>
           </p:cNvPr>
@@ -5432,41 +6231,61 @@
           <a:lstStyle/>
           <a:p>
             <a:r>
-              <a:rPr lang="de-AT" dirty="0"/>
-              <a:t>Clustering</a:t>
-            </a:r>
-          </a:p>
-        </p:txBody>
-      </p:sp>
-      <p:sp>
-        <p:nvSpPr>
-          <p:cNvPr id="3" name="Inhaltsplatzhalter 2">
-            <a:extLst>
-              <a:ext uri="{FF2B5EF4-FFF2-40B4-BE49-F238E27FC236}">
-                <a16:creationId xmlns:a16="http://schemas.microsoft.com/office/drawing/2014/main" id="{D17AB9E0-B6DF-64CE-E427-F4DB4DE62D7F}"/>
-              </a:ext>
-            </a:extLst>
-          </p:cNvPr>
-          <p:cNvSpPr>
-            <a:spLocks noGrp="1"/>
-          </p:cNvSpPr>
-          <p:nvPr>
-            <p:ph idx="1"/>
-          </p:nvPr>
-        </p:nvSpPr>
-        <p:spPr/>
-        <p:txBody>
-          <a:bodyPr/>
-          <a:lstStyle/>
-          <a:p>
-            <a:endParaRPr lang="de-AT"/>
-          </a:p>
-        </p:txBody>
-      </p:sp>
+              <a:rPr lang="de-DE" dirty="0"/>
+              <a:t>Picking </a:t>
+            </a:r>
+            <a:r>
+              <a:rPr lang="de-DE" dirty="0" err="1"/>
+              <a:t>hyperparameter</a:t>
+            </a:r>
+            <a:r>
+              <a:rPr lang="de-DE" dirty="0"/>
+              <a:t> k</a:t>
+            </a:r>
+            <a:endParaRPr lang="de-AT" dirty="0"/>
+          </a:p>
+        </p:txBody>
+      </p:sp>
+      <p:pic>
+        <p:nvPicPr>
+          <p:cNvPr id="5" name="Grafik 4" descr="Ein Bild, das Text, Reihe, Diagramm, Zahl enthält.&#10;&#10;KI-generierte Inhalte können fehlerhaft sein.">
+            <a:extLst>
+              <a:ext uri="{FF2B5EF4-FFF2-40B4-BE49-F238E27FC236}">
+                <a16:creationId xmlns:a16="http://schemas.microsoft.com/office/drawing/2014/main" id="{9FB09C96-41F4-BAE2-5883-768BB61F3BD0}"/>
+              </a:ext>
+            </a:extLst>
+          </p:cNvPr>
+          <p:cNvPicPr>
+            <a:picLocks noChangeAspect="1"/>
+          </p:cNvPicPr>
+          <p:nvPr/>
+        </p:nvPicPr>
+        <p:blipFill>
+          <a:blip r:embed="rId3">
+            <a:extLst>
+              <a:ext uri="{28A0092B-C50C-407E-A947-70E740481C1C}">
+                <a14:useLocalDpi xmlns:a14="http://schemas.microsoft.com/office/drawing/2010/main" val="0"/>
+              </a:ext>
+            </a:extLst>
+          </a:blip>
+          <a:stretch>
+            <a:fillRect/>
+          </a:stretch>
+        </p:blipFill>
+        <p:spPr>
+          <a:xfrm>
+            <a:off x="2298192" y="1371600"/>
+            <a:ext cx="7595616" cy="5486400"/>
+          </a:xfrm>
+          <a:prstGeom prst="rect">
+            <a:avLst/>
+          </a:prstGeom>
+        </p:spPr>
+      </p:pic>
     </p:spTree>
     <p:extLst>
       <p:ext uri="{BB962C8B-B14F-4D97-AF65-F5344CB8AC3E}">
-        <p14:creationId xmlns:p14="http://schemas.microsoft.com/office/powerpoint/2010/main" val="1252316802"/>
+        <p14:creationId xmlns:p14="http://schemas.microsoft.com/office/powerpoint/2010/main" val="1807018085"/>
       </p:ext>
     </p:extLst>
   </p:cSld>
@@ -5481,13 +6300,7 @@
   <p:cSld>
     <p:spTree>
       <p:nvGrpSpPr>
-        <p:cNvPr id="1" name="">
-          <a:extLst>
-            <a:ext uri="{FF2B5EF4-FFF2-40B4-BE49-F238E27FC236}">
-              <a16:creationId xmlns:a16="http://schemas.microsoft.com/office/drawing/2014/main" id="{4B18B721-9BFC-744E-883E-B3E32E8BE4C3}"/>
-            </a:ext>
-          </a:extLst>
-        </p:cNvPr>
+        <p:cNvPr id="1" name=""/>
         <p:cNvGrpSpPr/>
         <p:nvPr/>
       </p:nvGrpSpPr>
@@ -5504,7 +6317,7 @@
           <p:cNvPr id="2" name="Titel 1">
             <a:extLst>
               <a:ext uri="{FF2B5EF4-FFF2-40B4-BE49-F238E27FC236}">
-                <a16:creationId xmlns:a16="http://schemas.microsoft.com/office/drawing/2014/main" id="{CB24CB05-1090-5927-4CE5-D110E26AF0E5}"/>
+                <a16:creationId xmlns:a16="http://schemas.microsoft.com/office/drawing/2014/main" id="{AD0EC3B0-7751-FB12-0400-C57D845E5EE6}"/>
               </a:ext>
             </a:extLst>
           </p:cNvPr>
@@ -5521,49 +6334,69 @@
           <a:lstStyle/>
           <a:p>
             <a:r>
-              <a:rPr lang="de-AT" dirty="0"/>
-              <a:t>Key </a:t>
-            </a:r>
-            <a:r>
-              <a:rPr lang="de-AT" dirty="0" err="1"/>
-              <a:t>Insights</a:t>
-            </a:r>
-            <a:r>
-              <a:rPr lang="de-AT" dirty="0"/>
-              <a:t> </a:t>
-            </a:r>
-          </a:p>
-        </p:txBody>
-      </p:sp>
-      <p:sp>
-        <p:nvSpPr>
-          <p:cNvPr id="3" name="Inhaltsplatzhalter 2">
-            <a:extLst>
-              <a:ext uri="{FF2B5EF4-FFF2-40B4-BE49-F238E27FC236}">
-                <a16:creationId xmlns:a16="http://schemas.microsoft.com/office/drawing/2014/main" id="{C6EA153C-E240-6400-81EF-0691E0D47AD5}"/>
-              </a:ext>
-            </a:extLst>
-          </p:cNvPr>
-          <p:cNvSpPr>
-            <a:spLocks noGrp="1"/>
-          </p:cNvSpPr>
-          <p:nvPr>
-            <p:ph idx="1"/>
-          </p:nvPr>
-        </p:nvSpPr>
-        <p:spPr/>
-        <p:txBody>
-          <a:bodyPr/>
-          <a:lstStyle/>
-          <a:p>
-            <a:endParaRPr lang="de-AT"/>
-          </a:p>
-        </p:txBody>
-      </p:sp>
+              <a:rPr lang="de-DE" dirty="0"/>
+              <a:t>Overall </a:t>
+            </a:r>
+            <a:r>
+              <a:rPr lang="de-DE" dirty="0" err="1"/>
+              <a:t>accuracy</a:t>
+            </a:r>
+            <a:r>
+              <a:rPr lang="de-DE" dirty="0"/>
+              <a:t> and </a:t>
+            </a:r>
+            <a:r>
+              <a:rPr lang="de-DE" dirty="0" err="1"/>
+              <a:t>Confusion</a:t>
+            </a:r>
+            <a:r>
+              <a:rPr lang="de-DE" dirty="0"/>
+              <a:t> Matrix</a:t>
+            </a:r>
+            <a:endParaRPr lang="de-AT" dirty="0"/>
+          </a:p>
+        </p:txBody>
+      </p:sp>
+      <p:pic>
+        <p:nvPicPr>
+          <p:cNvPr id="5" name="Grafik 4" descr="Ein Bild, das Text, Screenshot, Diagramm, parallel enthält.&#10;&#10;KI-generierte Inhalte können fehlerhaft sein.">
+            <a:extLst>
+              <a:ext uri="{FF2B5EF4-FFF2-40B4-BE49-F238E27FC236}">
+                <a16:creationId xmlns:a16="http://schemas.microsoft.com/office/drawing/2014/main" id="{2E3C45CD-2456-1AAA-EBE4-EC695E154D2C}"/>
+              </a:ext>
+            </a:extLst>
+          </p:cNvPr>
+          <p:cNvPicPr>
+            <a:picLocks noChangeAspect="1"/>
+          </p:cNvPicPr>
+          <p:nvPr/>
+        </p:nvPicPr>
+        <p:blipFill>
+          <a:blip r:embed="rId3">
+            <a:extLst>
+              <a:ext uri="{28A0092B-C50C-407E-A947-70E740481C1C}">
+                <a14:useLocalDpi xmlns:a14="http://schemas.microsoft.com/office/drawing/2010/main" val="0"/>
+              </a:ext>
+            </a:extLst>
+          </a:blip>
+          <a:stretch>
+            <a:fillRect/>
+          </a:stretch>
+        </p:blipFill>
+        <p:spPr>
+          <a:xfrm>
+            <a:off x="1781556" y="1256538"/>
+            <a:ext cx="8002089" cy="5601462"/>
+          </a:xfrm>
+          <a:prstGeom prst="rect">
+            <a:avLst/>
+          </a:prstGeom>
+        </p:spPr>
+      </p:pic>
     </p:spTree>
     <p:extLst>
       <p:ext uri="{BB962C8B-B14F-4D97-AF65-F5344CB8AC3E}">
-        <p14:creationId xmlns:p14="http://schemas.microsoft.com/office/powerpoint/2010/main" val="3862909979"/>
+        <p14:creationId xmlns:p14="http://schemas.microsoft.com/office/powerpoint/2010/main" val="893672967"/>
       </p:ext>
     </p:extLst>
   </p:cSld>
@@ -5578,13 +6411,7 @@
   <p:cSld>
     <p:spTree>
       <p:nvGrpSpPr>
-        <p:cNvPr id="1" name="">
-          <a:extLst>
-            <a:ext uri="{FF2B5EF4-FFF2-40B4-BE49-F238E27FC236}">
-              <a16:creationId xmlns:a16="http://schemas.microsoft.com/office/drawing/2014/main" id="{54CF0727-A68F-DC52-1AC0-BD99A086DFC0}"/>
-            </a:ext>
-          </a:extLst>
-        </p:cNvPr>
+        <p:cNvPr id="1" name=""/>
         <p:cNvGrpSpPr/>
         <p:nvPr/>
       </p:nvGrpSpPr>
@@ -5601,7 +6428,7 @@
           <p:cNvPr id="2" name="Titel 1">
             <a:extLst>
               <a:ext uri="{FF2B5EF4-FFF2-40B4-BE49-F238E27FC236}">
-                <a16:creationId xmlns:a16="http://schemas.microsoft.com/office/drawing/2014/main" id="{718B29EA-A57D-6C69-0CB4-339430472808}"/>
+                <a16:creationId xmlns:a16="http://schemas.microsoft.com/office/drawing/2014/main" id="{74BE26F0-F7D9-27DF-3BF5-207FA0086809}"/>
               </a:ext>
             </a:extLst>
           </p:cNvPr>
@@ -5618,46 +6445,344 @@
           <a:lstStyle/>
           <a:p>
             <a:r>
-              <a:rPr lang="de-AT" dirty="0"/>
-              <a:t>Wrap-Up &amp; </a:t>
-            </a:r>
-            <a:r>
-              <a:rPr lang="de-AT" dirty="0" err="1"/>
-              <a:t>Discussion</a:t>
+              <a:rPr lang="de-DE" dirty="0"/>
+              <a:t>Class </a:t>
+            </a:r>
+            <a:r>
+              <a:rPr lang="de-DE" dirty="0" err="1"/>
+              <a:t>distributions</a:t>
             </a:r>
             <a:endParaRPr lang="de-AT" dirty="0"/>
           </a:p>
         </p:txBody>
       </p:sp>
-      <p:sp>
-        <p:nvSpPr>
-          <p:cNvPr id="3" name="Inhaltsplatzhalter 2">
-            <a:extLst>
-              <a:ext uri="{FF2B5EF4-FFF2-40B4-BE49-F238E27FC236}">
-                <a16:creationId xmlns:a16="http://schemas.microsoft.com/office/drawing/2014/main" id="{F34A59FC-7C4F-B703-E613-487FC430C069}"/>
-              </a:ext>
-            </a:extLst>
-          </p:cNvPr>
-          <p:cNvSpPr>
-            <a:spLocks noGrp="1"/>
-          </p:cNvSpPr>
-          <p:nvPr>
-            <p:ph idx="1"/>
-          </p:nvPr>
-        </p:nvSpPr>
-        <p:spPr/>
-        <p:txBody>
-          <a:bodyPr/>
-          <a:lstStyle/>
-          <a:p>
-            <a:endParaRPr lang="de-AT"/>
-          </a:p>
-        </p:txBody>
-      </p:sp>
+      <p:pic>
+        <p:nvPicPr>
+          <p:cNvPr id="7" name="Grafik 6" descr="Ein Bild, das Text, Screenshot, Diagramm, Schrift enthält.&#10;&#10;KI-generierte Inhalte können fehlerhaft sein.">
+            <a:extLst>
+              <a:ext uri="{FF2B5EF4-FFF2-40B4-BE49-F238E27FC236}">
+                <a16:creationId xmlns:a16="http://schemas.microsoft.com/office/drawing/2014/main" id="{80180956-1944-C2C1-D03A-46D9E64E7CAE}"/>
+              </a:ext>
+            </a:extLst>
+          </p:cNvPr>
+          <p:cNvPicPr>
+            <a:picLocks noChangeAspect="1"/>
+          </p:cNvPicPr>
+          <p:nvPr/>
+        </p:nvPicPr>
+        <p:blipFill>
+          <a:blip r:embed="rId3">
+            <a:extLst>
+              <a:ext uri="{28A0092B-C50C-407E-A947-70E740481C1C}">
+                <a14:useLocalDpi xmlns:a14="http://schemas.microsoft.com/office/drawing/2010/main" val="0"/>
+              </a:ext>
+            </a:extLst>
+          </a:blip>
+          <a:stretch>
+            <a:fillRect/>
+          </a:stretch>
+        </p:blipFill>
+        <p:spPr>
+          <a:xfrm>
+            <a:off x="2469642" y="1309370"/>
+            <a:ext cx="7252716" cy="5439537"/>
+          </a:xfrm>
+          <a:prstGeom prst="rect">
+            <a:avLst/>
+          </a:prstGeom>
+        </p:spPr>
+      </p:pic>
     </p:spTree>
     <p:extLst>
       <p:ext uri="{BB962C8B-B14F-4D97-AF65-F5344CB8AC3E}">
-        <p14:creationId xmlns:p14="http://schemas.microsoft.com/office/powerpoint/2010/main" val="1028775870"/>
+        <p14:creationId xmlns:p14="http://schemas.microsoft.com/office/powerpoint/2010/main" val="4161260107"/>
+      </p:ext>
+    </p:extLst>
+  </p:cSld>
+  <p:clrMapOvr>
+    <a:masterClrMapping/>
+  </p:clrMapOvr>
+</p:sld>
+</file>
+
+<file path=ppt/slides/slide17.xml><?xml version="1.0" encoding="utf-8"?>
+<p:sld xmlns:a="http://schemas.openxmlformats.org/drawingml/2006/main" xmlns:r="http://schemas.openxmlformats.org/officeDocument/2006/relationships" xmlns:p="http://schemas.openxmlformats.org/presentationml/2006/main">
+  <p:cSld>
+    <p:spTree>
+      <p:nvGrpSpPr>
+        <p:cNvPr id="1" name=""/>
+        <p:cNvGrpSpPr/>
+        <p:nvPr/>
+      </p:nvGrpSpPr>
+      <p:grpSpPr>
+        <a:xfrm>
+          <a:off x="0" y="0"/>
+          <a:ext cx="0" cy="0"/>
+          <a:chOff x="0" y="0"/>
+          <a:chExt cx="0" cy="0"/>
+        </a:xfrm>
+      </p:grpSpPr>
+      <p:sp>
+        <p:nvSpPr>
+          <p:cNvPr id="2" name="Titel 1">
+            <a:extLst>
+              <a:ext uri="{FF2B5EF4-FFF2-40B4-BE49-F238E27FC236}">
+                <a16:creationId xmlns:a16="http://schemas.microsoft.com/office/drawing/2014/main" id="{12AD0614-4350-9646-EFBE-DC814321F8C8}"/>
+              </a:ext>
+            </a:extLst>
+          </p:cNvPr>
+          <p:cNvSpPr>
+            <a:spLocks noGrp="1"/>
+          </p:cNvSpPr>
+          <p:nvPr>
+            <p:ph type="title"/>
+          </p:nvPr>
+        </p:nvSpPr>
+        <p:spPr/>
+        <p:txBody>
+          <a:bodyPr/>
+          <a:lstStyle/>
+          <a:p>
+            <a:r>
+              <a:rPr lang="de-DE" dirty="0"/>
+              <a:t>Classification Report</a:t>
+            </a:r>
+            <a:endParaRPr lang="de-AT" dirty="0"/>
+          </a:p>
+        </p:txBody>
+      </p:sp>
+      <p:pic>
+        <p:nvPicPr>
+          <p:cNvPr id="5" name="Grafik 4">
+            <a:extLst>
+              <a:ext uri="{FF2B5EF4-FFF2-40B4-BE49-F238E27FC236}">
+                <a16:creationId xmlns:a16="http://schemas.microsoft.com/office/drawing/2014/main" id="{E1759777-F1D1-D5DA-A379-2BFACD52142B}"/>
+              </a:ext>
+            </a:extLst>
+          </p:cNvPr>
+          <p:cNvPicPr>
+            <a:picLocks noChangeAspect="1"/>
+          </p:cNvPicPr>
+          <p:nvPr/>
+        </p:nvPicPr>
+        <p:blipFill>
+          <a:blip r:embed="rId3"/>
+          <a:stretch>
+            <a:fillRect/>
+          </a:stretch>
+        </p:blipFill>
+        <p:spPr>
+          <a:xfrm>
+            <a:off x="2190205" y="1499058"/>
+            <a:ext cx="7811590" cy="5268060"/>
+          </a:xfrm>
+          <a:prstGeom prst="rect">
+            <a:avLst/>
+          </a:prstGeom>
+        </p:spPr>
+      </p:pic>
+    </p:spTree>
+    <p:extLst>
+      <p:ext uri="{BB962C8B-B14F-4D97-AF65-F5344CB8AC3E}">
+        <p14:creationId xmlns:p14="http://schemas.microsoft.com/office/powerpoint/2010/main" val="197449117"/>
+      </p:ext>
+    </p:extLst>
+  </p:cSld>
+  <p:clrMapOvr>
+    <a:masterClrMapping/>
+  </p:clrMapOvr>
+</p:sld>
+</file>
+
+<file path=ppt/slides/slide18.xml><?xml version="1.0" encoding="utf-8"?>
+<p:sld xmlns:a="http://schemas.openxmlformats.org/drawingml/2006/main" xmlns:r="http://schemas.openxmlformats.org/officeDocument/2006/relationships" xmlns:p="http://schemas.openxmlformats.org/presentationml/2006/main">
+  <p:cSld>
+    <p:spTree>
+      <p:nvGrpSpPr>
+        <p:cNvPr id="1" name=""/>
+        <p:cNvGrpSpPr/>
+        <p:nvPr/>
+      </p:nvGrpSpPr>
+      <p:grpSpPr>
+        <a:xfrm>
+          <a:off x="0" y="0"/>
+          <a:ext cx="0" cy="0"/>
+          <a:chOff x="0" y="0"/>
+          <a:chExt cx="0" cy="0"/>
+        </a:xfrm>
+      </p:grpSpPr>
+      <p:sp>
+        <p:nvSpPr>
+          <p:cNvPr id="2" name="Titel 1">
+            <a:extLst>
+              <a:ext uri="{FF2B5EF4-FFF2-40B4-BE49-F238E27FC236}">
+                <a16:creationId xmlns:a16="http://schemas.microsoft.com/office/drawing/2014/main" id="{4797C1E0-B24C-22ED-3E3A-68C4952B7ACD}"/>
+              </a:ext>
+            </a:extLst>
+          </p:cNvPr>
+          <p:cNvSpPr>
+            <a:spLocks noGrp="1"/>
+          </p:cNvSpPr>
+          <p:nvPr>
+            <p:ph type="title"/>
+          </p:nvPr>
+        </p:nvSpPr>
+        <p:spPr/>
+        <p:txBody>
+          <a:bodyPr/>
+          <a:lstStyle/>
+          <a:p>
+            <a:r>
+              <a:rPr lang="de-DE" dirty="0"/>
+              <a:t>Feature </a:t>
+            </a:r>
+            <a:r>
+              <a:rPr lang="de-DE" dirty="0" err="1"/>
+              <a:t>Importance</a:t>
+            </a:r>
+            <a:endParaRPr lang="de-AT" dirty="0"/>
+          </a:p>
+        </p:txBody>
+      </p:sp>
+      <p:pic>
+        <p:nvPicPr>
+          <p:cNvPr id="5" name="Grafik 4" descr="Ein Bild, das Text, Screenshot, Diagramm, Schrift enthält.&#10;&#10;KI-generierte Inhalte können fehlerhaft sein.">
+            <a:extLst>
+              <a:ext uri="{FF2B5EF4-FFF2-40B4-BE49-F238E27FC236}">
+                <a16:creationId xmlns:a16="http://schemas.microsoft.com/office/drawing/2014/main" id="{28F5ADB1-9C2D-4A9D-C5B0-146A516E3B81}"/>
+              </a:ext>
+            </a:extLst>
+          </p:cNvPr>
+          <p:cNvPicPr>
+            <a:picLocks noChangeAspect="1"/>
+          </p:cNvPicPr>
+          <p:nvPr/>
+        </p:nvPicPr>
+        <p:blipFill>
+          <a:blip r:embed="rId3">
+            <a:extLst>
+              <a:ext uri="{28A0092B-C50C-407E-A947-70E740481C1C}">
+                <a14:useLocalDpi xmlns:a14="http://schemas.microsoft.com/office/drawing/2010/main" val="0"/>
+              </a:ext>
+            </a:extLst>
+          </a:blip>
+          <a:stretch>
+            <a:fillRect/>
+          </a:stretch>
+        </p:blipFill>
+        <p:spPr>
+          <a:xfrm>
+            <a:off x="2300478" y="1384554"/>
+            <a:ext cx="7591044" cy="5313731"/>
+          </a:xfrm>
+          <a:prstGeom prst="rect">
+            <a:avLst/>
+          </a:prstGeom>
+        </p:spPr>
+      </p:pic>
+    </p:spTree>
+    <p:extLst>
+      <p:ext uri="{BB962C8B-B14F-4D97-AF65-F5344CB8AC3E}">
+        <p14:creationId xmlns:p14="http://schemas.microsoft.com/office/powerpoint/2010/main" val="2637746734"/>
+      </p:ext>
+    </p:extLst>
+  </p:cSld>
+  <p:clrMapOvr>
+    <a:masterClrMapping/>
+  </p:clrMapOvr>
+</p:sld>
+</file>
+
+<file path=ppt/slides/slide19.xml><?xml version="1.0" encoding="utf-8"?>
+<p:sld xmlns:a="http://schemas.openxmlformats.org/drawingml/2006/main" xmlns:r="http://schemas.openxmlformats.org/officeDocument/2006/relationships" xmlns:p="http://schemas.openxmlformats.org/presentationml/2006/main">
+  <p:cSld>
+    <p:spTree>
+      <p:nvGrpSpPr>
+        <p:cNvPr id="1" name=""/>
+        <p:cNvGrpSpPr/>
+        <p:nvPr/>
+      </p:nvGrpSpPr>
+      <p:grpSpPr>
+        <a:xfrm>
+          <a:off x="0" y="0"/>
+          <a:ext cx="0" cy="0"/>
+          <a:chOff x="0" y="0"/>
+          <a:chExt cx="0" cy="0"/>
+        </a:xfrm>
+      </p:grpSpPr>
+      <p:sp>
+        <p:nvSpPr>
+          <p:cNvPr id="2" name="Titel 1">
+            <a:extLst>
+              <a:ext uri="{FF2B5EF4-FFF2-40B4-BE49-F238E27FC236}">
+                <a16:creationId xmlns:a16="http://schemas.microsoft.com/office/drawing/2014/main" id="{47431B65-2008-FAF1-2434-9601923DCEAE}"/>
+              </a:ext>
+            </a:extLst>
+          </p:cNvPr>
+          <p:cNvSpPr>
+            <a:spLocks noGrp="1"/>
+          </p:cNvSpPr>
+          <p:nvPr>
+            <p:ph type="title"/>
+          </p:nvPr>
+        </p:nvSpPr>
+        <p:spPr/>
+        <p:txBody>
+          <a:bodyPr/>
+          <a:lstStyle/>
+          <a:p>
+            <a:r>
+              <a:rPr lang="de-DE" dirty="0"/>
+              <a:t>T-SNE </a:t>
+            </a:r>
+            <a:r>
+              <a:rPr lang="de-DE" dirty="0" err="1"/>
+              <a:t>Visualization</a:t>
+            </a:r>
+            <a:endParaRPr lang="de-AT" dirty="0"/>
+          </a:p>
+        </p:txBody>
+      </p:sp>
+      <p:pic>
+        <p:nvPicPr>
+          <p:cNvPr id="5" name="Grafik 4" descr="Ein Bild, das Text, Screenshot, Diagramm, Karte enthält.&#10;&#10;KI-generierte Inhalte können fehlerhaft sein.">
+            <a:extLst>
+              <a:ext uri="{FF2B5EF4-FFF2-40B4-BE49-F238E27FC236}">
+                <a16:creationId xmlns:a16="http://schemas.microsoft.com/office/drawing/2014/main" id="{8ECB87BF-9D69-48BD-4015-42A3BC0A15B4}"/>
+              </a:ext>
+            </a:extLst>
+          </p:cNvPr>
+          <p:cNvPicPr>
+            <a:picLocks noChangeAspect="1"/>
+          </p:cNvPicPr>
+          <p:nvPr/>
+        </p:nvPicPr>
+        <p:blipFill>
+          <a:blip r:embed="rId3">
+            <a:extLst>
+              <a:ext uri="{28A0092B-C50C-407E-A947-70E740481C1C}">
+                <a14:useLocalDpi xmlns:a14="http://schemas.microsoft.com/office/drawing/2010/main" val="0"/>
+              </a:ext>
+            </a:extLst>
+          </a:blip>
+          <a:stretch>
+            <a:fillRect/>
+          </a:stretch>
+        </p:blipFill>
+        <p:spPr>
+          <a:xfrm>
+            <a:off x="2345245" y="1252728"/>
+            <a:ext cx="7501509" cy="5413858"/>
+          </a:xfrm>
+          <a:prstGeom prst="rect">
+            <a:avLst/>
+          </a:prstGeom>
+        </p:spPr>
+      </p:pic>
+    </p:spTree>
+    <p:extLst>
+      <p:ext uri="{BB962C8B-B14F-4D97-AF65-F5344CB8AC3E}">
+        <p14:creationId xmlns:p14="http://schemas.microsoft.com/office/powerpoint/2010/main" val="1471698923"/>
       </p:ext>
     </p:extLst>
   </p:cSld>
@@ -5713,43 +6838,418 @@
           </a:p>
         </p:txBody>
       </p:sp>
-      <p:sp>
-        <p:nvSpPr>
-          <p:cNvPr id="3" name="Inhaltsplatzhalter 2">
-            <a:extLst>
-              <a:ext uri="{FF2B5EF4-FFF2-40B4-BE49-F238E27FC236}">
-                <a16:creationId xmlns:a16="http://schemas.microsoft.com/office/drawing/2014/main" id="{65FB57A6-3EA7-A487-69FF-3BD947D2C341}"/>
-              </a:ext>
-            </a:extLst>
-          </p:cNvPr>
-          <p:cNvSpPr>
-            <a:spLocks noGrp="1"/>
-          </p:cNvSpPr>
-          <p:nvPr>
-            <p:ph idx="1"/>
-          </p:nvPr>
-        </p:nvSpPr>
-        <p:spPr/>
-        <p:txBody>
-          <a:bodyPr/>
-          <a:lstStyle/>
-          <a:p>
-            <a:r>
-              <a:rPr lang="de-AT" dirty="0"/>
-              <a:t>PICTURE (</a:t>
-            </a:r>
-            <a:r>
-              <a:rPr lang="de-AT"/>
-              <a:t>welche Features ?)</a:t>
-            </a:r>
-            <a:endParaRPr lang="de-AT" dirty="0"/>
-          </a:p>
-        </p:txBody>
-      </p:sp>
+      <p:pic>
+        <p:nvPicPr>
+          <p:cNvPr id="5" name="Grafik 4">
+            <a:extLst>
+              <a:ext uri="{FF2B5EF4-FFF2-40B4-BE49-F238E27FC236}">
+                <a16:creationId xmlns:a16="http://schemas.microsoft.com/office/drawing/2014/main" id="{3A2EFA6B-E035-1206-270C-9CD2182E6AC7}"/>
+              </a:ext>
+            </a:extLst>
+          </p:cNvPr>
+          <p:cNvPicPr>
+            <a:picLocks noChangeAspect="1"/>
+          </p:cNvPicPr>
+          <p:nvPr/>
+        </p:nvPicPr>
+        <p:blipFill>
+          <a:blip r:embed="rId3"/>
+          <a:stretch>
+            <a:fillRect/>
+          </a:stretch>
+        </p:blipFill>
+        <p:spPr>
+          <a:xfrm>
+            <a:off x="346860" y="2065142"/>
+            <a:ext cx="11498280" cy="3715268"/>
+          </a:xfrm>
+          <a:prstGeom prst="rect">
+            <a:avLst/>
+          </a:prstGeom>
+        </p:spPr>
+      </p:pic>
     </p:spTree>
     <p:extLst>
       <p:ext uri="{BB962C8B-B14F-4D97-AF65-F5344CB8AC3E}">
         <p14:creationId xmlns:p14="http://schemas.microsoft.com/office/powerpoint/2010/main" val="15126874"/>
+      </p:ext>
+    </p:extLst>
+  </p:cSld>
+  <p:clrMapOvr>
+    <a:masterClrMapping/>
+  </p:clrMapOvr>
+</p:sld>
+</file>
+
+<file path=ppt/slides/slide20.xml><?xml version="1.0" encoding="utf-8"?>
+<p:sld xmlns:a="http://schemas.openxmlformats.org/drawingml/2006/main" xmlns:r="http://schemas.openxmlformats.org/officeDocument/2006/relationships" xmlns:p="http://schemas.openxmlformats.org/presentationml/2006/main">
+  <p:cSld>
+    <p:spTree>
+      <p:nvGrpSpPr>
+        <p:cNvPr id="1" name="">
+          <a:extLst>
+            <a:ext uri="{FF2B5EF4-FFF2-40B4-BE49-F238E27FC236}">
+              <a16:creationId xmlns:a16="http://schemas.microsoft.com/office/drawing/2014/main" id="{6B5D8510-F580-0A79-1D03-A8574EA7D708}"/>
+            </a:ext>
+          </a:extLst>
+        </p:cNvPr>
+        <p:cNvGrpSpPr/>
+        <p:nvPr/>
+      </p:nvGrpSpPr>
+      <p:grpSpPr>
+        <a:xfrm>
+          <a:off x="0" y="0"/>
+          <a:ext cx="0" cy="0"/>
+          <a:chOff x="0" y="0"/>
+          <a:chExt cx="0" cy="0"/>
+        </a:xfrm>
+      </p:grpSpPr>
+      <p:sp>
+        <p:nvSpPr>
+          <p:cNvPr id="2" name="Titel 1">
+            <a:extLst>
+              <a:ext uri="{FF2B5EF4-FFF2-40B4-BE49-F238E27FC236}">
+                <a16:creationId xmlns:a16="http://schemas.microsoft.com/office/drawing/2014/main" id="{5C06ADAA-117F-3C72-AE0B-3EA3E8E736AE}"/>
+              </a:ext>
+            </a:extLst>
+          </p:cNvPr>
+          <p:cNvSpPr>
+            <a:spLocks noGrp="1"/>
+          </p:cNvSpPr>
+          <p:nvPr>
+            <p:ph type="title"/>
+          </p:nvPr>
+        </p:nvSpPr>
+        <p:spPr/>
+        <p:txBody>
+          <a:bodyPr/>
+          <a:lstStyle/>
+          <a:p>
+            <a:r>
+              <a:rPr lang="de-AT" dirty="0" err="1"/>
+              <a:t>Decision</a:t>
+            </a:r>
+            <a:r>
+              <a:rPr lang="de-AT" dirty="0"/>
+              <a:t> </a:t>
+            </a:r>
+            <a:r>
+              <a:rPr lang="de-AT" dirty="0" err="1"/>
+              <a:t>Tree</a:t>
+            </a:r>
+            <a:endParaRPr lang="de-AT" dirty="0"/>
+          </a:p>
+        </p:txBody>
+      </p:sp>
+      <p:sp>
+        <p:nvSpPr>
+          <p:cNvPr id="3" name="Inhaltsplatzhalter 2">
+            <a:extLst>
+              <a:ext uri="{FF2B5EF4-FFF2-40B4-BE49-F238E27FC236}">
+                <a16:creationId xmlns:a16="http://schemas.microsoft.com/office/drawing/2014/main" id="{3649568B-9FA9-57D9-444E-7D90E3D7D097}"/>
+              </a:ext>
+            </a:extLst>
+          </p:cNvPr>
+          <p:cNvSpPr>
+            <a:spLocks noGrp="1"/>
+          </p:cNvSpPr>
+          <p:nvPr>
+            <p:ph idx="1"/>
+          </p:nvPr>
+        </p:nvSpPr>
+        <p:spPr/>
+        <p:txBody>
+          <a:bodyPr/>
+          <a:lstStyle/>
+          <a:p>
+            <a:endParaRPr lang="de-AT"/>
+          </a:p>
+        </p:txBody>
+      </p:sp>
+    </p:spTree>
+    <p:extLst>
+      <p:ext uri="{BB962C8B-B14F-4D97-AF65-F5344CB8AC3E}">
+        <p14:creationId xmlns:p14="http://schemas.microsoft.com/office/powerpoint/2010/main" val="3045874594"/>
+      </p:ext>
+    </p:extLst>
+  </p:cSld>
+  <p:clrMapOvr>
+    <a:masterClrMapping/>
+  </p:clrMapOvr>
+</p:sld>
+</file>
+
+<file path=ppt/slides/slide21.xml><?xml version="1.0" encoding="utf-8"?>
+<p:sld xmlns:a="http://schemas.openxmlformats.org/drawingml/2006/main" xmlns:r="http://schemas.openxmlformats.org/officeDocument/2006/relationships" xmlns:p="http://schemas.openxmlformats.org/presentationml/2006/main">
+  <p:cSld>
+    <p:spTree>
+      <p:nvGrpSpPr>
+        <p:cNvPr id="1" name="">
+          <a:extLst>
+            <a:ext uri="{FF2B5EF4-FFF2-40B4-BE49-F238E27FC236}">
+              <a16:creationId xmlns:a16="http://schemas.microsoft.com/office/drawing/2014/main" id="{27CFBF8F-7015-D778-89D8-89248E9F4844}"/>
+            </a:ext>
+          </a:extLst>
+        </p:cNvPr>
+        <p:cNvGrpSpPr/>
+        <p:nvPr/>
+      </p:nvGrpSpPr>
+      <p:grpSpPr>
+        <a:xfrm>
+          <a:off x="0" y="0"/>
+          <a:ext cx="0" cy="0"/>
+          <a:chOff x="0" y="0"/>
+          <a:chExt cx="0" cy="0"/>
+        </a:xfrm>
+      </p:grpSpPr>
+      <p:sp>
+        <p:nvSpPr>
+          <p:cNvPr id="2" name="Titel 1">
+            <a:extLst>
+              <a:ext uri="{FF2B5EF4-FFF2-40B4-BE49-F238E27FC236}">
+                <a16:creationId xmlns:a16="http://schemas.microsoft.com/office/drawing/2014/main" id="{C7E3E6E2-45DD-9A23-6CF1-0558B9A44BFE}"/>
+              </a:ext>
+            </a:extLst>
+          </p:cNvPr>
+          <p:cNvSpPr>
+            <a:spLocks noGrp="1"/>
+          </p:cNvSpPr>
+          <p:nvPr>
+            <p:ph type="title"/>
+          </p:nvPr>
+        </p:nvSpPr>
+        <p:spPr/>
+        <p:txBody>
+          <a:bodyPr/>
+          <a:lstStyle/>
+          <a:p>
+            <a:r>
+              <a:rPr lang="de-AT" dirty="0"/>
+              <a:t>Clustering</a:t>
+            </a:r>
+          </a:p>
+        </p:txBody>
+      </p:sp>
+      <p:sp>
+        <p:nvSpPr>
+          <p:cNvPr id="3" name="Inhaltsplatzhalter 2">
+            <a:extLst>
+              <a:ext uri="{FF2B5EF4-FFF2-40B4-BE49-F238E27FC236}">
+                <a16:creationId xmlns:a16="http://schemas.microsoft.com/office/drawing/2014/main" id="{D17AB9E0-B6DF-64CE-E427-F4DB4DE62D7F}"/>
+              </a:ext>
+            </a:extLst>
+          </p:cNvPr>
+          <p:cNvSpPr>
+            <a:spLocks noGrp="1"/>
+          </p:cNvSpPr>
+          <p:nvPr>
+            <p:ph idx="1"/>
+          </p:nvPr>
+        </p:nvSpPr>
+        <p:spPr/>
+        <p:txBody>
+          <a:bodyPr/>
+          <a:lstStyle/>
+          <a:p>
+            <a:endParaRPr lang="de-AT"/>
+          </a:p>
+        </p:txBody>
+      </p:sp>
+    </p:spTree>
+    <p:extLst>
+      <p:ext uri="{BB962C8B-B14F-4D97-AF65-F5344CB8AC3E}">
+        <p14:creationId xmlns:p14="http://schemas.microsoft.com/office/powerpoint/2010/main" val="1252316802"/>
+      </p:ext>
+    </p:extLst>
+  </p:cSld>
+  <p:clrMapOvr>
+    <a:masterClrMapping/>
+  </p:clrMapOvr>
+</p:sld>
+</file>
+
+<file path=ppt/slides/slide22.xml><?xml version="1.0" encoding="utf-8"?>
+<p:sld xmlns:a="http://schemas.openxmlformats.org/drawingml/2006/main" xmlns:r="http://schemas.openxmlformats.org/officeDocument/2006/relationships" xmlns:p="http://schemas.openxmlformats.org/presentationml/2006/main">
+  <p:cSld>
+    <p:spTree>
+      <p:nvGrpSpPr>
+        <p:cNvPr id="1" name="">
+          <a:extLst>
+            <a:ext uri="{FF2B5EF4-FFF2-40B4-BE49-F238E27FC236}">
+              <a16:creationId xmlns:a16="http://schemas.microsoft.com/office/drawing/2014/main" id="{4B18B721-9BFC-744E-883E-B3E32E8BE4C3}"/>
+            </a:ext>
+          </a:extLst>
+        </p:cNvPr>
+        <p:cNvGrpSpPr/>
+        <p:nvPr/>
+      </p:nvGrpSpPr>
+      <p:grpSpPr>
+        <a:xfrm>
+          <a:off x="0" y="0"/>
+          <a:ext cx="0" cy="0"/>
+          <a:chOff x="0" y="0"/>
+          <a:chExt cx="0" cy="0"/>
+        </a:xfrm>
+      </p:grpSpPr>
+      <p:sp>
+        <p:nvSpPr>
+          <p:cNvPr id="2" name="Titel 1">
+            <a:extLst>
+              <a:ext uri="{FF2B5EF4-FFF2-40B4-BE49-F238E27FC236}">
+                <a16:creationId xmlns:a16="http://schemas.microsoft.com/office/drawing/2014/main" id="{CB24CB05-1090-5927-4CE5-D110E26AF0E5}"/>
+              </a:ext>
+            </a:extLst>
+          </p:cNvPr>
+          <p:cNvSpPr>
+            <a:spLocks noGrp="1"/>
+          </p:cNvSpPr>
+          <p:nvPr>
+            <p:ph type="title"/>
+          </p:nvPr>
+        </p:nvSpPr>
+        <p:spPr/>
+        <p:txBody>
+          <a:bodyPr/>
+          <a:lstStyle/>
+          <a:p>
+            <a:r>
+              <a:rPr lang="de-AT" dirty="0"/>
+              <a:t>Key </a:t>
+            </a:r>
+            <a:r>
+              <a:rPr lang="de-AT" dirty="0" err="1"/>
+              <a:t>Insights</a:t>
+            </a:r>
+            <a:r>
+              <a:rPr lang="de-AT" dirty="0"/>
+              <a:t> </a:t>
+            </a:r>
+          </a:p>
+        </p:txBody>
+      </p:sp>
+      <p:sp>
+        <p:nvSpPr>
+          <p:cNvPr id="3" name="Inhaltsplatzhalter 2">
+            <a:extLst>
+              <a:ext uri="{FF2B5EF4-FFF2-40B4-BE49-F238E27FC236}">
+                <a16:creationId xmlns:a16="http://schemas.microsoft.com/office/drawing/2014/main" id="{C6EA153C-E240-6400-81EF-0691E0D47AD5}"/>
+              </a:ext>
+            </a:extLst>
+          </p:cNvPr>
+          <p:cNvSpPr>
+            <a:spLocks noGrp="1"/>
+          </p:cNvSpPr>
+          <p:nvPr>
+            <p:ph idx="1"/>
+          </p:nvPr>
+        </p:nvSpPr>
+        <p:spPr/>
+        <p:txBody>
+          <a:bodyPr/>
+          <a:lstStyle/>
+          <a:p>
+            <a:endParaRPr lang="de-AT"/>
+          </a:p>
+        </p:txBody>
+      </p:sp>
+    </p:spTree>
+    <p:extLst>
+      <p:ext uri="{BB962C8B-B14F-4D97-AF65-F5344CB8AC3E}">
+        <p14:creationId xmlns:p14="http://schemas.microsoft.com/office/powerpoint/2010/main" val="3862909979"/>
+      </p:ext>
+    </p:extLst>
+  </p:cSld>
+  <p:clrMapOvr>
+    <a:masterClrMapping/>
+  </p:clrMapOvr>
+</p:sld>
+</file>
+
+<file path=ppt/slides/slide23.xml><?xml version="1.0" encoding="utf-8"?>
+<p:sld xmlns:a="http://schemas.openxmlformats.org/drawingml/2006/main" xmlns:r="http://schemas.openxmlformats.org/officeDocument/2006/relationships" xmlns:p="http://schemas.openxmlformats.org/presentationml/2006/main">
+  <p:cSld>
+    <p:spTree>
+      <p:nvGrpSpPr>
+        <p:cNvPr id="1" name="">
+          <a:extLst>
+            <a:ext uri="{FF2B5EF4-FFF2-40B4-BE49-F238E27FC236}">
+              <a16:creationId xmlns:a16="http://schemas.microsoft.com/office/drawing/2014/main" id="{54CF0727-A68F-DC52-1AC0-BD99A086DFC0}"/>
+            </a:ext>
+          </a:extLst>
+        </p:cNvPr>
+        <p:cNvGrpSpPr/>
+        <p:nvPr/>
+      </p:nvGrpSpPr>
+      <p:grpSpPr>
+        <a:xfrm>
+          <a:off x="0" y="0"/>
+          <a:ext cx="0" cy="0"/>
+          <a:chOff x="0" y="0"/>
+          <a:chExt cx="0" cy="0"/>
+        </a:xfrm>
+      </p:grpSpPr>
+      <p:sp>
+        <p:nvSpPr>
+          <p:cNvPr id="2" name="Titel 1">
+            <a:extLst>
+              <a:ext uri="{FF2B5EF4-FFF2-40B4-BE49-F238E27FC236}">
+                <a16:creationId xmlns:a16="http://schemas.microsoft.com/office/drawing/2014/main" id="{718B29EA-A57D-6C69-0CB4-339430472808}"/>
+              </a:ext>
+            </a:extLst>
+          </p:cNvPr>
+          <p:cNvSpPr>
+            <a:spLocks noGrp="1"/>
+          </p:cNvSpPr>
+          <p:nvPr>
+            <p:ph type="title"/>
+          </p:nvPr>
+        </p:nvSpPr>
+        <p:spPr/>
+        <p:txBody>
+          <a:bodyPr/>
+          <a:lstStyle/>
+          <a:p>
+            <a:r>
+              <a:rPr lang="de-AT" dirty="0"/>
+              <a:t>Wrap-Up &amp; </a:t>
+            </a:r>
+            <a:r>
+              <a:rPr lang="de-AT" dirty="0" err="1"/>
+              <a:t>Discussion</a:t>
+            </a:r>
+            <a:endParaRPr lang="de-AT" dirty="0"/>
+          </a:p>
+        </p:txBody>
+      </p:sp>
+      <p:sp>
+        <p:nvSpPr>
+          <p:cNvPr id="3" name="Inhaltsplatzhalter 2">
+            <a:extLst>
+              <a:ext uri="{FF2B5EF4-FFF2-40B4-BE49-F238E27FC236}">
+                <a16:creationId xmlns:a16="http://schemas.microsoft.com/office/drawing/2014/main" id="{F34A59FC-7C4F-B703-E613-487FC430C069}"/>
+              </a:ext>
+            </a:extLst>
+          </p:cNvPr>
+          <p:cNvSpPr>
+            <a:spLocks noGrp="1"/>
+          </p:cNvSpPr>
+          <p:nvPr>
+            <p:ph idx="1"/>
+          </p:nvPr>
+        </p:nvSpPr>
+        <p:spPr/>
+        <p:txBody>
+          <a:bodyPr/>
+          <a:lstStyle/>
+          <a:p>
+            <a:endParaRPr lang="de-AT"/>
+          </a:p>
+        </p:txBody>
+      </p:sp>
+    </p:spTree>
+    <p:extLst>
+      <p:ext uri="{BB962C8B-B14F-4D97-AF65-F5344CB8AC3E}">
+        <p14:creationId xmlns:p14="http://schemas.microsoft.com/office/powerpoint/2010/main" val="1028775870"/>
       </p:ext>
     </p:extLst>
   </p:cSld>

--- a/FinalPresentation_LE.pptx
+++ b/FinalPresentation_LE.pptx
@@ -5,7 +5,7 @@
     <p:sldMasterId id="2147483648" r:id="rId1"/>
   </p:sldMasterIdLst>
   <p:notesMasterIdLst>
-    <p:notesMasterId r:id="rId25"/>
+    <p:notesMasterId r:id="rId32"/>
   </p:notesMasterIdLst>
   <p:sldIdLst>
     <p:sldId id="256" r:id="rId2"/>
@@ -28,9 +28,16 @@
     <p:sldId id="277" r:id="rId19"/>
     <p:sldId id="278" r:id="rId20"/>
     <p:sldId id="261" r:id="rId21"/>
-    <p:sldId id="263" r:id="rId22"/>
-    <p:sldId id="264" r:id="rId23"/>
-    <p:sldId id="265" r:id="rId24"/>
+    <p:sldId id="280" r:id="rId22"/>
+    <p:sldId id="279" r:id="rId23"/>
+    <p:sldId id="282" r:id="rId24"/>
+    <p:sldId id="281" r:id="rId25"/>
+    <p:sldId id="263" r:id="rId26"/>
+    <p:sldId id="283" r:id="rId27"/>
+    <p:sldId id="284" r:id="rId28"/>
+    <p:sldId id="287" r:id="rId29"/>
+    <p:sldId id="285" r:id="rId30"/>
+    <p:sldId id="286" r:id="rId31"/>
   </p:sldIdLst>
   <p:sldSz cx="12192000" cy="6858000"/>
   <p:notesSz cx="6858000" cy="9144000"/>
@@ -137,6 +144,14 @@
 </p:presentation>
 </file>
 
+<file path=ppt/revisionInfo.xml><?xml version="1.0" encoding="utf-8"?>
+<p1510:revInfo xmlns:a="http://schemas.openxmlformats.org/drawingml/2006/main" xmlns:r="http://schemas.openxmlformats.org/officeDocument/2006/relationships" xmlns:p1510="http://schemas.microsoft.com/office/powerpoint/2015/10/main">
+  <p1510:revLst>
+    <p1510:client id="{1A3CD18B-A66C-7B51-2A39-2E8560747CA2}" v="571" dt="2025-06-05T22:44:13.708"/>
+  </p1510:revLst>
+</p1510:revInfo>
+</file>
+
 <file path=ppt/notesMasters/notesMaster1.xml><?xml version="1.0" encoding="utf-8"?>
 <p:notesMaster xmlns:a="http://schemas.openxmlformats.org/drawingml/2006/main" xmlns:r="http://schemas.openxmlformats.org/officeDocument/2006/relationships" xmlns:p="http://schemas.openxmlformats.org/presentationml/2006/main">
   <p:cSld>
@@ -219,7 +234,7 @@
           <a:p>
             <a:fld id="{11D63A53-12F1-455E-818C-D992A80074D3}" type="datetimeFigureOut">
               <a:rPr lang="de-AT" smtClean="0"/>
-              <a:t>04.06.2025</a:t>
+              <a:t>05.06.2025</a:t>
             </a:fld>
             <a:endParaRPr lang="de-AT"/>
           </a:p>
@@ -378,7 +393,7 @@
           <a:p>
             <a:fld id="{518D9287-5E3E-4798-9EC8-F0BA4AB97AA3}" type="slidenum">
               <a:rPr lang="de-AT" smtClean="0"/>
-              <a:t>‹Nr.›</a:t>
+              <a:t>‹#›</a:t>
             </a:fld>
             <a:endParaRPr lang="de-AT"/>
           </a:p>
@@ -531,31 +546,25 @@
           <a:bodyPr/>
           <a:lstStyle/>
           <a:p>
-            <a:pPr marL="0" marR="0" lvl="0" indent="0" algn="l" defTabSz="914400" rtl="0" eaLnBrk="1" fontAlgn="auto" latinLnBrk="0" hangingPunct="1">
-              <a:lnSpc>
-                <a:spcPct val="100000"/>
-              </a:lnSpc>
-              <a:spcBef>
-                <a:spcPts val="0"/>
-              </a:spcBef>
-              <a:spcAft>
-                <a:spcPts val="0"/>
-              </a:spcAft>
-              <a:buClrTx/>
-              <a:buSzTx/>
-              <a:buFontTx/>
-              <a:buNone/>
-              <a:tabLst/>
-              <a:defRPr/>
-            </a:pPr>
-            <a:r>
-              <a:rPr lang="en-US" i="1" dirty="0"/>
-              <a:t>“Let’s build a model that can.”</a:t>
-            </a:r>
-            <a:endParaRPr lang="en-US" dirty="0"/>
-          </a:p>
-          <a:p>
-            <a:endParaRPr lang="de-AT" dirty="0"/>
+            <a:r>
+              <a:rPr lang="en-US" sz="1200" i="1" dirty="0"/>
+              <a:t>Welcome to our presentation.</a:t>
+            </a:r>
+            <a:br>
+              <a:rPr lang="en-US" sz="1200" dirty="0"/>
+            </a:br>
+            <a:r>
+              <a:rPr lang="en-US" sz="1200" dirty="0"/>
+              <a:t>In this project, we explore how health, economic, and demographic indicators can be used to predict the region a country belongs to — without knowing the country’s name.</a:t>
+            </a:r>
+            <a:br>
+              <a:rPr lang="en-US" sz="1200" dirty="0"/>
+            </a:br>
+            <a:r>
+              <a:rPr lang="en-US" sz="1200" dirty="0"/>
+              <a:t>Our goal was to uncover hidden patterns in global development data using machine learning.</a:t>
+            </a:r>
+            <a:endParaRPr lang="de-AT" sz="1200" dirty="0"/>
           </a:p>
         </p:txBody>
       </p:sp>
@@ -576,7 +585,7 @@
           <a:p>
             <a:fld id="{518D9287-5E3E-4798-9EC8-F0BA4AB97AA3}" type="slidenum">
               <a:rPr lang="de-AT" smtClean="0"/>
-              <a:t>2</a:t>
+              <a:t>1</a:t>
             </a:fld>
             <a:endParaRPr lang="de-AT"/>
           </a:p>
@@ -585,7 +594,7 @@
     </p:spTree>
     <p:extLst>
       <p:ext uri="{BB962C8B-B14F-4D97-AF65-F5344CB8AC3E}">
-        <p14:creationId xmlns:p14="http://schemas.microsoft.com/office/powerpoint/2010/main" val="2154243059"/>
+        <p14:creationId xmlns:p14="http://schemas.microsoft.com/office/powerpoint/2010/main" val="3330919417"/>
       </p:ext>
     </p:extLst>
   </p:cSld>
@@ -660,7 +669,7 @@
           <a:p>
             <a:fld id="{518D9287-5E3E-4798-9EC8-F0BA4AB97AA3}" type="slidenum">
               <a:rPr lang="de-AT" smtClean="0"/>
-              <a:t>13</a:t>
+              <a:t>12</a:t>
             </a:fld>
             <a:endParaRPr lang="de-AT"/>
           </a:p>
@@ -669,7 +678,7 @@
     </p:spTree>
     <p:extLst>
       <p:ext uri="{BB962C8B-B14F-4D97-AF65-F5344CB8AC3E}">
-        <p14:creationId xmlns:p14="http://schemas.microsoft.com/office/powerpoint/2010/main" val="2081164533"/>
+        <p14:creationId xmlns:p14="http://schemas.microsoft.com/office/powerpoint/2010/main" val="1963439125"/>
       </p:ext>
     </p:extLst>
   </p:cSld>
@@ -744,7 +753,7 @@
           <a:p>
             <a:fld id="{518D9287-5E3E-4798-9EC8-F0BA4AB97AA3}" type="slidenum">
               <a:rPr lang="de-AT" smtClean="0"/>
-              <a:t>14</a:t>
+              <a:t>13</a:t>
             </a:fld>
             <a:endParaRPr lang="de-AT"/>
           </a:p>
@@ -753,7 +762,7 @@
     </p:spTree>
     <p:extLst>
       <p:ext uri="{BB962C8B-B14F-4D97-AF65-F5344CB8AC3E}">
-        <p14:creationId xmlns:p14="http://schemas.microsoft.com/office/powerpoint/2010/main" val="3980971592"/>
+        <p14:creationId xmlns:p14="http://schemas.microsoft.com/office/powerpoint/2010/main" val="2081164533"/>
       </p:ext>
     </p:extLst>
   </p:cSld>
@@ -828,7 +837,7 @@
           <a:p>
             <a:fld id="{518D9287-5E3E-4798-9EC8-F0BA4AB97AA3}" type="slidenum">
               <a:rPr lang="de-AT" smtClean="0"/>
-              <a:t>15</a:t>
+              <a:t>14</a:t>
             </a:fld>
             <a:endParaRPr lang="de-AT"/>
           </a:p>
@@ -837,7 +846,7 @@
     </p:spTree>
     <p:extLst>
       <p:ext uri="{BB962C8B-B14F-4D97-AF65-F5344CB8AC3E}">
-        <p14:creationId xmlns:p14="http://schemas.microsoft.com/office/powerpoint/2010/main" val="2869550607"/>
+        <p14:creationId xmlns:p14="http://schemas.microsoft.com/office/powerpoint/2010/main" val="3980971592"/>
       </p:ext>
     </p:extLst>
   </p:cSld>
@@ -912,7 +921,7 @@
           <a:p>
             <a:fld id="{518D9287-5E3E-4798-9EC8-F0BA4AB97AA3}" type="slidenum">
               <a:rPr lang="de-AT" smtClean="0"/>
-              <a:t>16</a:t>
+              <a:t>15</a:t>
             </a:fld>
             <a:endParaRPr lang="de-AT"/>
           </a:p>
@@ -921,7 +930,7 @@
     </p:spTree>
     <p:extLst>
       <p:ext uri="{BB962C8B-B14F-4D97-AF65-F5344CB8AC3E}">
-        <p14:creationId xmlns:p14="http://schemas.microsoft.com/office/powerpoint/2010/main" val="314772731"/>
+        <p14:creationId xmlns:p14="http://schemas.microsoft.com/office/powerpoint/2010/main" val="2869550607"/>
       </p:ext>
     </p:extLst>
   </p:cSld>
@@ -996,7 +1005,7 @@
           <a:p>
             <a:fld id="{518D9287-5E3E-4798-9EC8-F0BA4AB97AA3}" type="slidenum">
               <a:rPr lang="de-AT" smtClean="0"/>
-              <a:t>17</a:t>
+              <a:t>16</a:t>
             </a:fld>
             <a:endParaRPr lang="de-AT"/>
           </a:p>
@@ -1005,7 +1014,7 @@
     </p:spTree>
     <p:extLst>
       <p:ext uri="{BB962C8B-B14F-4D97-AF65-F5344CB8AC3E}">
-        <p14:creationId xmlns:p14="http://schemas.microsoft.com/office/powerpoint/2010/main" val="3602962865"/>
+        <p14:creationId xmlns:p14="http://schemas.microsoft.com/office/powerpoint/2010/main" val="314772731"/>
       </p:ext>
     </p:extLst>
   </p:cSld>
@@ -1080,7 +1089,7 @@
           <a:p>
             <a:fld id="{518D9287-5E3E-4798-9EC8-F0BA4AB97AA3}" type="slidenum">
               <a:rPr lang="de-AT" smtClean="0"/>
-              <a:t>18</a:t>
+              <a:t>17</a:t>
             </a:fld>
             <a:endParaRPr lang="de-AT"/>
           </a:p>
@@ -1089,7 +1098,7 @@
     </p:spTree>
     <p:extLst>
       <p:ext uri="{BB962C8B-B14F-4D97-AF65-F5344CB8AC3E}">
-        <p14:creationId xmlns:p14="http://schemas.microsoft.com/office/powerpoint/2010/main" val="1685786182"/>
+        <p14:creationId xmlns:p14="http://schemas.microsoft.com/office/powerpoint/2010/main" val="3602962865"/>
       </p:ext>
     </p:extLst>
   </p:cSld>
@@ -1164,6 +1173,90 @@
           <a:p>
             <a:fld id="{518D9287-5E3E-4798-9EC8-F0BA4AB97AA3}" type="slidenum">
               <a:rPr lang="de-AT" smtClean="0"/>
+              <a:t>18</a:t>
+            </a:fld>
+            <a:endParaRPr lang="de-AT"/>
+          </a:p>
+        </p:txBody>
+      </p:sp>
+    </p:spTree>
+    <p:extLst>
+      <p:ext uri="{BB962C8B-B14F-4D97-AF65-F5344CB8AC3E}">
+        <p14:creationId xmlns:p14="http://schemas.microsoft.com/office/powerpoint/2010/main" val="1685786182"/>
+      </p:ext>
+    </p:extLst>
+  </p:cSld>
+  <p:clrMapOvr>
+    <a:masterClrMapping/>
+  </p:clrMapOvr>
+</p:notes>
+</file>
+
+<file path=ppt/notesSlides/notesSlide17.xml><?xml version="1.0" encoding="utf-8"?>
+<p:notes xmlns:a="http://schemas.openxmlformats.org/drawingml/2006/main" xmlns:r="http://schemas.openxmlformats.org/officeDocument/2006/relationships" xmlns:p="http://schemas.openxmlformats.org/presentationml/2006/main">
+  <p:cSld>
+    <p:spTree>
+      <p:nvGrpSpPr>
+        <p:cNvPr id="1" name=""/>
+        <p:cNvGrpSpPr/>
+        <p:nvPr/>
+      </p:nvGrpSpPr>
+      <p:grpSpPr>
+        <a:xfrm>
+          <a:off x="0" y="0"/>
+          <a:ext cx="0" cy="0"/>
+          <a:chOff x="0" y="0"/>
+          <a:chExt cx="0" cy="0"/>
+        </a:xfrm>
+      </p:grpSpPr>
+      <p:sp>
+        <p:nvSpPr>
+          <p:cNvPr id="2" name="Folienbildplatzhalter 1"/>
+          <p:cNvSpPr>
+            <a:spLocks noGrp="1" noRot="1" noChangeAspect="1"/>
+          </p:cNvSpPr>
+          <p:nvPr>
+            <p:ph type="sldImg"/>
+          </p:nvPr>
+        </p:nvSpPr>
+        <p:spPr/>
+      </p:sp>
+      <p:sp>
+        <p:nvSpPr>
+          <p:cNvPr id="3" name="Notizenplatzhalter 2"/>
+          <p:cNvSpPr>
+            <a:spLocks noGrp="1"/>
+          </p:cNvSpPr>
+          <p:nvPr>
+            <p:ph type="body" idx="1"/>
+          </p:nvPr>
+        </p:nvSpPr>
+        <p:spPr/>
+        <p:txBody>
+          <a:bodyPr/>
+          <a:lstStyle/>
+          <a:p>
+            <a:endParaRPr lang="de-AT" dirty="0"/>
+          </a:p>
+        </p:txBody>
+      </p:sp>
+      <p:sp>
+        <p:nvSpPr>
+          <p:cNvPr id="4" name="Foliennummernplatzhalter 3"/>
+          <p:cNvSpPr>
+            <a:spLocks noGrp="1"/>
+          </p:cNvSpPr>
+          <p:nvPr>
+            <p:ph type="sldNum" sz="quarter" idx="5"/>
+          </p:nvPr>
+        </p:nvSpPr>
+        <p:spPr/>
+        <p:txBody>
+          <a:bodyPr/>
+          <a:lstStyle/>
+          <a:p>
+            <a:fld id="{518D9287-5E3E-4798-9EC8-F0BA4AB97AA3}" type="slidenum">
+              <a:rPr lang="de-AT" smtClean="0"/>
               <a:t>19</a:t>
             </a:fld>
             <a:endParaRPr lang="de-AT"/>
@@ -1174,6 +1267,478 @@
     <p:extLst>
       <p:ext uri="{BB962C8B-B14F-4D97-AF65-F5344CB8AC3E}">
         <p14:creationId xmlns:p14="http://schemas.microsoft.com/office/powerpoint/2010/main" val="3042111658"/>
+      </p:ext>
+    </p:extLst>
+  </p:cSld>
+  <p:clrMapOvr>
+    <a:masterClrMapping/>
+  </p:clrMapOvr>
+</p:notes>
+</file>
+
+<file path=ppt/notesSlides/notesSlide18.xml><?xml version="1.0" encoding="utf-8"?>
+<p:notes xmlns:a="http://schemas.openxmlformats.org/drawingml/2006/main" xmlns:r="http://schemas.openxmlformats.org/officeDocument/2006/relationships" xmlns:p="http://schemas.openxmlformats.org/presentationml/2006/main">
+  <p:cSld>
+    <p:spTree>
+      <p:nvGrpSpPr>
+        <p:cNvPr id="1" name=""/>
+        <p:cNvGrpSpPr/>
+        <p:nvPr/>
+      </p:nvGrpSpPr>
+      <p:grpSpPr>
+        <a:xfrm>
+          <a:off x="0" y="0"/>
+          <a:ext cx="0" cy="0"/>
+          <a:chOff x="0" y="0"/>
+          <a:chExt cx="0" cy="0"/>
+        </a:xfrm>
+      </p:grpSpPr>
+      <p:sp>
+        <p:nvSpPr>
+          <p:cNvPr id="2" name="Folienbildplatzhalter 1"/>
+          <p:cNvSpPr>
+            <a:spLocks noGrp="1" noRot="1" noChangeAspect="1"/>
+          </p:cNvSpPr>
+          <p:nvPr>
+            <p:ph type="sldImg"/>
+          </p:nvPr>
+        </p:nvSpPr>
+        <p:spPr/>
+      </p:sp>
+      <p:sp>
+        <p:nvSpPr>
+          <p:cNvPr id="3" name="Notizenplatzhalter 2"/>
+          <p:cNvSpPr>
+            <a:spLocks noGrp="1"/>
+          </p:cNvSpPr>
+          <p:nvPr>
+            <p:ph type="body" idx="1"/>
+          </p:nvPr>
+        </p:nvSpPr>
+        <p:spPr/>
+        <p:txBody>
+          <a:bodyPr/>
+          <a:lstStyle/>
+          <a:p>
+            <a:r>
+              <a:rPr lang="de-AT" dirty="0" err="1"/>
+              <a:t>We</a:t>
+            </a:r>
+            <a:r>
+              <a:rPr lang="de-AT" dirty="0"/>
+              <a:t> also </a:t>
+            </a:r>
+            <a:r>
+              <a:rPr lang="de-AT" dirty="0" err="1"/>
+              <a:t>trained</a:t>
+            </a:r>
+            <a:r>
+              <a:rPr lang="de-AT" dirty="0"/>
+              <a:t> a </a:t>
+            </a:r>
+            <a:r>
+              <a:rPr lang="de-AT" dirty="0" err="1"/>
+              <a:t>classification</a:t>
+            </a:r>
+            <a:r>
+              <a:rPr lang="de-AT" dirty="0"/>
+              <a:t> </a:t>
+            </a:r>
+            <a:r>
+              <a:rPr lang="de-AT" dirty="0" err="1"/>
+              <a:t>tree</a:t>
+            </a:r>
+            <a:r>
+              <a:rPr lang="de-AT" dirty="0"/>
+              <a:t> </a:t>
+            </a:r>
+            <a:r>
+              <a:rPr lang="de-AT" dirty="0" err="1"/>
+              <a:t>to</a:t>
+            </a:r>
+            <a:r>
+              <a:rPr lang="de-AT" dirty="0"/>
+              <a:t> </a:t>
+            </a:r>
+            <a:r>
+              <a:rPr lang="de-AT" dirty="0" err="1"/>
+              <a:t>predict</a:t>
+            </a:r>
+            <a:r>
+              <a:rPr lang="de-AT" dirty="0"/>
+              <a:t> </a:t>
+            </a:r>
+            <a:r>
+              <a:rPr lang="de-AT" dirty="0" err="1"/>
+              <a:t>the</a:t>
+            </a:r>
+            <a:r>
+              <a:rPr lang="de-AT" dirty="0"/>
+              <a:t> </a:t>
+            </a:r>
+            <a:r>
+              <a:rPr lang="de-AT" dirty="0" err="1"/>
+              <a:t>regions</a:t>
+            </a:r>
+            <a:r>
+              <a:rPr lang="de-AT" baseline="0" dirty="0"/>
+              <a:t> </a:t>
+            </a:r>
+            <a:r>
+              <a:rPr lang="de-AT" baseline="0" dirty="0" err="1"/>
+              <a:t>and</a:t>
+            </a:r>
+            <a:r>
+              <a:rPr lang="de-AT" baseline="0" dirty="0"/>
+              <a:t> </a:t>
+            </a:r>
+            <a:r>
+              <a:rPr lang="de-AT" baseline="0" dirty="0" err="1"/>
+              <a:t>we</a:t>
+            </a:r>
+            <a:r>
+              <a:rPr lang="de-AT" baseline="0" dirty="0"/>
+              <a:t> </a:t>
+            </a:r>
+            <a:r>
+              <a:rPr lang="de-AT" baseline="0" dirty="0" err="1"/>
+              <a:t>tried</a:t>
+            </a:r>
+            <a:r>
+              <a:rPr lang="de-AT" baseline="0" dirty="0"/>
+              <a:t> out </a:t>
+            </a:r>
+            <a:r>
+              <a:rPr lang="de-AT" baseline="0" dirty="0" err="1"/>
+              <a:t>grid</a:t>
+            </a:r>
+            <a:r>
+              <a:rPr lang="de-AT" baseline="0" dirty="0"/>
+              <a:t> </a:t>
+            </a:r>
+            <a:r>
+              <a:rPr lang="de-AT" baseline="0" dirty="0" err="1"/>
+              <a:t>approximation</a:t>
+            </a:r>
+            <a:r>
+              <a:rPr lang="de-AT" baseline="0" dirty="0"/>
+              <a:t> </a:t>
+            </a:r>
+            <a:r>
+              <a:rPr lang="de-AT" baseline="0" dirty="0" err="1"/>
+              <a:t>for</a:t>
+            </a:r>
+            <a:r>
+              <a:rPr lang="de-AT" baseline="0" dirty="0"/>
+              <a:t> different </a:t>
+            </a:r>
+            <a:r>
+              <a:rPr lang="de-AT" baseline="0" dirty="0" err="1"/>
+              <a:t>hyperparameters</a:t>
+            </a:r>
+            <a:r>
+              <a:rPr lang="de-AT" baseline="0" dirty="0"/>
+              <a:t>. </a:t>
+            </a:r>
+            <a:r>
+              <a:rPr lang="de-AT" baseline="0" dirty="0" err="1"/>
+              <a:t>For</a:t>
+            </a:r>
+            <a:r>
+              <a:rPr lang="de-AT" baseline="0" dirty="0"/>
+              <a:t> </a:t>
+            </a:r>
+            <a:r>
+              <a:rPr lang="de-AT" baseline="0" dirty="0" err="1"/>
+              <a:t>performance</a:t>
+            </a:r>
+            <a:r>
+              <a:rPr lang="de-AT" baseline="0" dirty="0"/>
+              <a:t> </a:t>
+            </a:r>
+            <a:r>
+              <a:rPr lang="de-AT" baseline="0" dirty="0" err="1"/>
+              <a:t>evaluation</a:t>
+            </a:r>
+            <a:r>
+              <a:rPr lang="de-AT" baseline="0" dirty="0"/>
+              <a:t> </a:t>
+            </a:r>
+            <a:r>
+              <a:rPr lang="de-AT" baseline="0" dirty="0" err="1"/>
+              <a:t>and</a:t>
+            </a:r>
+            <a:r>
+              <a:rPr lang="de-AT" baseline="0" dirty="0"/>
+              <a:t> </a:t>
+            </a:r>
+            <a:r>
+              <a:rPr lang="de-AT" baseline="0" dirty="0" err="1"/>
+              <a:t>comparison</a:t>
+            </a:r>
+            <a:r>
+              <a:rPr lang="de-AT" baseline="0" dirty="0"/>
+              <a:t>, k-</a:t>
+            </a:r>
+            <a:r>
+              <a:rPr lang="de-AT" baseline="0" dirty="0" err="1"/>
+              <a:t>Fold</a:t>
+            </a:r>
+            <a:r>
+              <a:rPr lang="de-AT" baseline="0" dirty="0"/>
+              <a:t> </a:t>
+            </a:r>
+            <a:r>
+              <a:rPr lang="de-AT" baseline="0" dirty="0" err="1"/>
+              <a:t>cross</a:t>
+            </a:r>
+            <a:r>
+              <a:rPr lang="de-AT" baseline="0" dirty="0"/>
+              <a:t> </a:t>
+            </a:r>
+            <a:r>
+              <a:rPr lang="de-AT" baseline="0" dirty="0" err="1"/>
+              <a:t>validation</a:t>
+            </a:r>
+            <a:r>
+              <a:rPr lang="de-AT" baseline="0" dirty="0"/>
+              <a:t> was </a:t>
+            </a:r>
+            <a:r>
+              <a:rPr lang="de-AT" baseline="0" dirty="0" err="1"/>
+              <a:t>used</a:t>
+            </a:r>
+            <a:r>
+              <a:rPr lang="de-AT" baseline="0" dirty="0"/>
+              <a:t>.</a:t>
+            </a:r>
+            <a:endParaRPr lang="de-AT" dirty="0"/>
+          </a:p>
+        </p:txBody>
+      </p:sp>
+      <p:sp>
+        <p:nvSpPr>
+          <p:cNvPr id="4" name="Foliennummernplatzhalter 3"/>
+          <p:cNvSpPr>
+            <a:spLocks noGrp="1"/>
+          </p:cNvSpPr>
+          <p:nvPr>
+            <p:ph type="sldNum" sz="quarter" idx="10"/>
+          </p:nvPr>
+        </p:nvSpPr>
+        <p:spPr/>
+        <p:txBody>
+          <a:bodyPr/>
+          <a:lstStyle/>
+          <a:p>
+            <a:fld id="{518D9287-5E3E-4798-9EC8-F0BA4AB97AA3}" type="slidenum">
+              <a:rPr lang="de-AT" smtClean="0"/>
+              <a:t>20</a:t>
+            </a:fld>
+            <a:endParaRPr lang="de-AT"/>
+          </a:p>
+        </p:txBody>
+      </p:sp>
+    </p:spTree>
+    <p:extLst>
+      <p:ext uri="{BB962C8B-B14F-4D97-AF65-F5344CB8AC3E}">
+        <p14:creationId xmlns:p14="http://schemas.microsoft.com/office/powerpoint/2010/main" val="2102279657"/>
+      </p:ext>
+    </p:extLst>
+  </p:cSld>
+  <p:clrMapOvr>
+    <a:masterClrMapping/>
+  </p:clrMapOvr>
+</p:notes>
+</file>
+
+<file path=ppt/notesSlides/notesSlide19.xml><?xml version="1.0" encoding="utf-8"?>
+<p:notes xmlns:a="http://schemas.openxmlformats.org/drawingml/2006/main" xmlns:r="http://schemas.openxmlformats.org/officeDocument/2006/relationships" xmlns:p="http://schemas.openxmlformats.org/presentationml/2006/main">
+  <p:cSld>
+    <p:spTree>
+      <p:nvGrpSpPr>
+        <p:cNvPr id="1" name=""/>
+        <p:cNvGrpSpPr/>
+        <p:nvPr/>
+      </p:nvGrpSpPr>
+      <p:grpSpPr>
+        <a:xfrm>
+          <a:off x="0" y="0"/>
+          <a:ext cx="0" cy="0"/>
+          <a:chOff x="0" y="0"/>
+          <a:chExt cx="0" cy="0"/>
+        </a:xfrm>
+      </p:grpSpPr>
+      <p:sp>
+        <p:nvSpPr>
+          <p:cNvPr id="2" name="Folienbildplatzhalter 1"/>
+          <p:cNvSpPr>
+            <a:spLocks noGrp="1" noRot="1" noChangeAspect="1"/>
+          </p:cNvSpPr>
+          <p:nvPr>
+            <p:ph type="sldImg"/>
+          </p:nvPr>
+        </p:nvSpPr>
+        <p:spPr/>
+      </p:sp>
+      <p:sp>
+        <p:nvSpPr>
+          <p:cNvPr id="3" name="Notizenplatzhalter 2"/>
+          <p:cNvSpPr>
+            <a:spLocks noGrp="1"/>
+          </p:cNvSpPr>
+          <p:nvPr>
+            <p:ph type="body" idx="1"/>
+          </p:nvPr>
+        </p:nvSpPr>
+        <p:spPr/>
+        <p:txBody>
+          <a:bodyPr/>
+          <a:lstStyle/>
+          <a:p>
+            <a:r>
+              <a:rPr lang="de-AT" dirty="0" err="1"/>
+              <a:t>We</a:t>
+            </a:r>
+            <a:r>
+              <a:rPr lang="de-AT" baseline="0" dirty="0"/>
+              <a:t> </a:t>
+            </a:r>
+            <a:r>
+              <a:rPr lang="de-AT" baseline="0" dirty="0" err="1"/>
+              <a:t>tried</a:t>
+            </a:r>
+            <a:r>
+              <a:rPr lang="de-AT" baseline="0" dirty="0"/>
+              <a:t> a </a:t>
+            </a:r>
+            <a:r>
+              <a:rPr lang="de-AT" baseline="0" dirty="0" err="1"/>
+              <a:t>principal</a:t>
+            </a:r>
+            <a:r>
+              <a:rPr lang="de-AT" baseline="0" dirty="0"/>
+              <a:t> </a:t>
+            </a:r>
+            <a:r>
+              <a:rPr lang="de-AT" baseline="0" dirty="0" err="1"/>
+              <a:t>component</a:t>
+            </a:r>
+            <a:r>
+              <a:rPr lang="de-AT" baseline="0" dirty="0"/>
+              <a:t> </a:t>
+            </a:r>
+            <a:r>
+              <a:rPr lang="de-AT" baseline="0" dirty="0" err="1"/>
+              <a:t>analysis</a:t>
+            </a:r>
+            <a:r>
+              <a:rPr lang="de-AT" baseline="0" dirty="0"/>
+              <a:t> but </a:t>
+            </a:r>
+            <a:r>
+              <a:rPr lang="de-AT" baseline="0" dirty="0" err="1"/>
+              <a:t>the</a:t>
+            </a:r>
+            <a:r>
+              <a:rPr lang="de-AT" baseline="0" dirty="0"/>
+              <a:t> </a:t>
+            </a:r>
+            <a:r>
+              <a:rPr lang="de-AT" baseline="0" dirty="0" err="1"/>
+              <a:t>accuracy</a:t>
+            </a:r>
+            <a:r>
+              <a:rPr lang="de-AT" baseline="0" dirty="0"/>
+              <a:t> </a:t>
+            </a:r>
+            <a:r>
+              <a:rPr lang="de-AT" baseline="0" dirty="0" err="1"/>
+              <a:t>dopped</a:t>
+            </a:r>
+            <a:r>
+              <a:rPr lang="de-AT" baseline="0" dirty="0"/>
+              <a:t> </a:t>
+            </a:r>
+            <a:r>
+              <a:rPr lang="de-AT" baseline="0" dirty="0" err="1"/>
+              <a:t>even</a:t>
+            </a:r>
+            <a:r>
+              <a:rPr lang="de-AT" baseline="0" dirty="0"/>
+              <a:t> </a:t>
+            </a:r>
+            <a:r>
+              <a:rPr lang="de-AT" baseline="0" dirty="0" err="1"/>
+              <a:t>with</a:t>
+            </a:r>
+            <a:r>
+              <a:rPr lang="de-AT" baseline="0" dirty="0"/>
+              <a:t> a high </a:t>
+            </a:r>
+            <a:r>
+              <a:rPr lang="de-AT" baseline="0" dirty="0" err="1"/>
+              <a:t>number</a:t>
+            </a:r>
+            <a:r>
+              <a:rPr lang="de-AT" baseline="0" dirty="0"/>
+              <a:t> </a:t>
+            </a:r>
+            <a:r>
+              <a:rPr lang="de-AT" baseline="0" dirty="0" err="1"/>
+              <a:t>of</a:t>
+            </a:r>
+            <a:r>
+              <a:rPr lang="de-AT" baseline="0" dirty="0"/>
+              <a:t> </a:t>
+            </a:r>
+            <a:r>
+              <a:rPr lang="de-AT" baseline="0" dirty="0" err="1"/>
+              <a:t>principal</a:t>
+            </a:r>
+            <a:r>
+              <a:rPr lang="de-AT" baseline="0" dirty="0"/>
+              <a:t> </a:t>
+            </a:r>
+            <a:r>
+              <a:rPr lang="de-AT" baseline="0" dirty="0" err="1"/>
+              <a:t>components</a:t>
+            </a:r>
+            <a:r>
+              <a:rPr lang="de-AT" baseline="0" dirty="0"/>
+              <a:t>.</a:t>
+            </a:r>
+            <a:endParaRPr lang="de-AT" dirty="0"/>
+          </a:p>
+        </p:txBody>
+      </p:sp>
+      <p:sp>
+        <p:nvSpPr>
+          <p:cNvPr id="4" name="Foliennummernplatzhalter 3"/>
+          <p:cNvSpPr>
+            <a:spLocks noGrp="1"/>
+          </p:cNvSpPr>
+          <p:nvPr>
+            <p:ph type="sldNum" sz="quarter" idx="10"/>
+          </p:nvPr>
+        </p:nvSpPr>
+        <p:spPr/>
+        <p:txBody>
+          <a:bodyPr/>
+          <a:lstStyle/>
+          <a:p>
+            <a:fld id="{518D9287-5E3E-4798-9EC8-F0BA4AB97AA3}" type="slidenum">
+              <a:rPr lang="de-AT" smtClean="0"/>
+              <a:t>21</a:t>
+            </a:fld>
+            <a:endParaRPr lang="de-AT"/>
+          </a:p>
+        </p:txBody>
+      </p:sp>
+    </p:spTree>
+    <p:extLst>
+      <p:ext uri="{BB962C8B-B14F-4D97-AF65-F5344CB8AC3E}">
+        <p14:creationId xmlns:p14="http://schemas.microsoft.com/office/powerpoint/2010/main" val="3852281779"/>
       </p:ext>
     </p:extLst>
   </p:cSld>
@@ -1227,6 +1792,1672 @@
           <a:bodyPr/>
           <a:lstStyle/>
           <a:p>
+            <a:pPr marL="0" marR="0" lvl="0" indent="0" algn="l" defTabSz="914400" rtl="0" eaLnBrk="1" fontAlgn="auto" latinLnBrk="0" hangingPunct="1">
+              <a:lnSpc>
+                <a:spcPct val="100000"/>
+              </a:lnSpc>
+              <a:spcBef>
+                <a:spcPts val="0"/>
+              </a:spcBef>
+              <a:spcAft>
+                <a:spcPts val="0"/>
+              </a:spcAft>
+              <a:buClrTx/>
+              <a:buSzTx/>
+              <a:buFontTx/>
+              <a:buNone/>
+              <a:tabLst/>
+              <a:defRPr/>
+            </a:pPr>
+            <a:r>
+              <a:rPr lang="en-US" i="1" dirty="0"/>
+              <a:t>Let’s start with a question:</a:t>
+            </a:r>
+            <a:br>
+              <a:rPr lang="en-US" dirty="0"/>
+            </a:br>
+            <a:r>
+              <a:rPr lang="en-US" dirty="0"/>
+              <a:t>If we hide the country name but show you statistics like life expectancy, schooling, or GDP — could you guess which region it belongs to?</a:t>
+            </a:r>
+            <a:br>
+              <a:rPr lang="en-US" dirty="0"/>
+            </a:br>
+            <a:r>
+              <a:rPr lang="en-US" dirty="0"/>
+              <a:t>That’s exactly the challenge we tackle in this project.</a:t>
+            </a:r>
+            <a:endParaRPr lang="de-AT" dirty="0"/>
+          </a:p>
+        </p:txBody>
+      </p:sp>
+      <p:sp>
+        <p:nvSpPr>
+          <p:cNvPr id="4" name="Foliennummernplatzhalter 3"/>
+          <p:cNvSpPr>
+            <a:spLocks noGrp="1"/>
+          </p:cNvSpPr>
+          <p:nvPr>
+            <p:ph type="sldNum" sz="quarter" idx="5"/>
+          </p:nvPr>
+        </p:nvSpPr>
+        <p:spPr/>
+        <p:txBody>
+          <a:bodyPr/>
+          <a:lstStyle/>
+          <a:p>
+            <a:fld id="{518D9287-5E3E-4798-9EC8-F0BA4AB97AA3}" type="slidenum">
+              <a:rPr lang="de-AT" smtClean="0"/>
+              <a:t>2</a:t>
+            </a:fld>
+            <a:endParaRPr lang="de-AT"/>
+          </a:p>
+        </p:txBody>
+      </p:sp>
+    </p:spTree>
+    <p:extLst>
+      <p:ext uri="{BB962C8B-B14F-4D97-AF65-F5344CB8AC3E}">
+        <p14:creationId xmlns:p14="http://schemas.microsoft.com/office/powerpoint/2010/main" val="2154243059"/>
+      </p:ext>
+    </p:extLst>
+  </p:cSld>
+  <p:clrMapOvr>
+    <a:masterClrMapping/>
+  </p:clrMapOvr>
+</p:notes>
+</file>
+
+<file path=ppt/notesSlides/notesSlide20.xml><?xml version="1.0" encoding="utf-8"?>
+<p:notes xmlns:a="http://schemas.openxmlformats.org/drawingml/2006/main" xmlns:r="http://schemas.openxmlformats.org/officeDocument/2006/relationships" xmlns:p="http://schemas.openxmlformats.org/presentationml/2006/main">
+  <p:cSld>
+    <p:spTree>
+      <p:nvGrpSpPr>
+        <p:cNvPr id="1" name=""/>
+        <p:cNvGrpSpPr/>
+        <p:nvPr/>
+      </p:nvGrpSpPr>
+      <p:grpSpPr>
+        <a:xfrm>
+          <a:off x="0" y="0"/>
+          <a:ext cx="0" cy="0"/>
+          <a:chOff x="0" y="0"/>
+          <a:chExt cx="0" cy="0"/>
+        </a:xfrm>
+      </p:grpSpPr>
+      <p:sp>
+        <p:nvSpPr>
+          <p:cNvPr id="2" name="Folienbildplatzhalter 1"/>
+          <p:cNvSpPr>
+            <a:spLocks noGrp="1" noRot="1" noChangeAspect="1"/>
+          </p:cNvSpPr>
+          <p:nvPr>
+            <p:ph type="sldImg"/>
+          </p:nvPr>
+        </p:nvSpPr>
+        <p:spPr/>
+      </p:sp>
+      <p:sp>
+        <p:nvSpPr>
+          <p:cNvPr id="3" name="Notizenplatzhalter 2"/>
+          <p:cNvSpPr>
+            <a:spLocks noGrp="1"/>
+          </p:cNvSpPr>
+          <p:nvPr>
+            <p:ph type="body" idx="1"/>
+          </p:nvPr>
+        </p:nvSpPr>
+        <p:spPr/>
+        <p:txBody>
+          <a:bodyPr/>
+          <a:lstStyle/>
+          <a:p>
+            <a:r>
+              <a:rPr lang="de-AT" dirty="0" err="1"/>
+              <a:t>Therefore</a:t>
+            </a:r>
+            <a:r>
+              <a:rPr lang="de-AT" dirty="0"/>
+              <a:t>,</a:t>
+            </a:r>
+            <a:r>
+              <a:rPr lang="de-AT" baseline="0" dirty="0"/>
+              <a:t> </a:t>
+            </a:r>
+            <a:r>
+              <a:rPr lang="de-AT" baseline="0" dirty="0" err="1"/>
+              <a:t>feature</a:t>
+            </a:r>
+            <a:r>
+              <a:rPr lang="de-AT" baseline="0" dirty="0"/>
+              <a:t> </a:t>
+            </a:r>
+            <a:r>
+              <a:rPr lang="de-AT" baseline="0" dirty="0" err="1"/>
+              <a:t>selection</a:t>
+            </a:r>
+            <a:r>
+              <a:rPr lang="de-AT" baseline="0" dirty="0"/>
+              <a:t> was </a:t>
+            </a:r>
+            <a:r>
+              <a:rPr lang="de-AT" baseline="0" dirty="0" err="1"/>
+              <a:t>done</a:t>
+            </a:r>
+            <a:r>
+              <a:rPr lang="de-AT" baseline="0" dirty="0"/>
+              <a:t> </a:t>
+            </a:r>
+            <a:r>
+              <a:rPr lang="de-AT" baseline="0" dirty="0" err="1"/>
+              <a:t>manually</a:t>
+            </a:r>
+            <a:r>
+              <a:rPr lang="de-AT" baseline="0" dirty="0"/>
+              <a:t>. </a:t>
+            </a:r>
+            <a:r>
+              <a:rPr lang="de-AT" dirty="0" err="1"/>
+              <a:t>What</a:t>
+            </a:r>
+            <a:r>
+              <a:rPr lang="de-AT" dirty="0"/>
+              <a:t> was </a:t>
+            </a:r>
+            <a:r>
+              <a:rPr lang="de-AT" dirty="0" err="1"/>
+              <a:t>intersting</a:t>
+            </a:r>
+            <a:r>
+              <a:rPr lang="de-AT" dirty="0"/>
+              <a:t> </a:t>
+            </a:r>
+            <a:r>
+              <a:rPr lang="de-AT" dirty="0" err="1"/>
+              <a:t>to</a:t>
+            </a:r>
+            <a:r>
+              <a:rPr lang="de-AT" dirty="0"/>
+              <a:t> </a:t>
+            </a:r>
+            <a:r>
+              <a:rPr lang="de-AT" dirty="0" err="1"/>
+              <a:t>see</a:t>
+            </a:r>
+            <a:r>
+              <a:rPr lang="de-AT" dirty="0"/>
+              <a:t> was </a:t>
+            </a:r>
+            <a:r>
+              <a:rPr lang="de-AT" dirty="0" err="1"/>
+              <a:t>that</a:t>
+            </a:r>
+            <a:r>
+              <a:rPr lang="de-AT" dirty="0"/>
+              <a:t> </a:t>
+            </a:r>
+            <a:r>
+              <a:rPr lang="de-AT" dirty="0" err="1"/>
+              <a:t>the</a:t>
+            </a:r>
+            <a:r>
+              <a:rPr lang="de-AT" dirty="0"/>
+              <a:t> </a:t>
+            </a:r>
+            <a:r>
+              <a:rPr lang="de-AT" dirty="0" err="1"/>
+              <a:t>development</a:t>
+            </a:r>
+            <a:r>
+              <a:rPr lang="de-AT" dirty="0"/>
+              <a:t> </a:t>
+            </a:r>
+            <a:r>
+              <a:rPr lang="de-AT" dirty="0" err="1"/>
+              <a:t>status</a:t>
+            </a:r>
+            <a:r>
+              <a:rPr lang="de-AT" dirty="0"/>
+              <a:t> </a:t>
+            </a:r>
+            <a:r>
+              <a:rPr lang="de-AT" dirty="0" err="1"/>
+              <a:t>of</a:t>
+            </a:r>
+            <a:r>
+              <a:rPr lang="de-AT" dirty="0"/>
+              <a:t> </a:t>
+            </a:r>
+            <a:r>
+              <a:rPr lang="de-AT" dirty="0" err="1"/>
+              <a:t>the</a:t>
+            </a:r>
+            <a:r>
+              <a:rPr lang="de-AT" dirty="0"/>
+              <a:t> </a:t>
+            </a:r>
+            <a:r>
+              <a:rPr lang="de-AT" dirty="0" err="1"/>
+              <a:t>economy</a:t>
+            </a:r>
+            <a:r>
+              <a:rPr lang="de-AT" baseline="0" dirty="0"/>
+              <a:t> </a:t>
+            </a:r>
+            <a:r>
+              <a:rPr lang="de-AT" baseline="0" dirty="0" err="1"/>
+              <a:t>is</a:t>
+            </a:r>
+            <a:r>
+              <a:rPr lang="de-AT" baseline="0" dirty="0"/>
+              <a:t> </a:t>
+            </a:r>
+            <a:r>
+              <a:rPr lang="de-AT" baseline="0" dirty="0" err="1"/>
+              <a:t>only</a:t>
+            </a:r>
+            <a:r>
+              <a:rPr lang="de-AT" baseline="0" dirty="0"/>
+              <a:t> </a:t>
+            </a:r>
+            <a:r>
+              <a:rPr lang="de-AT" baseline="0" dirty="0" err="1"/>
+              <a:t>useful</a:t>
+            </a:r>
+            <a:r>
+              <a:rPr lang="de-AT" baseline="0" dirty="0"/>
+              <a:t> </a:t>
+            </a:r>
+            <a:r>
+              <a:rPr lang="de-AT" baseline="0" dirty="0" err="1"/>
+              <a:t>for</a:t>
+            </a:r>
+            <a:r>
+              <a:rPr lang="de-AT" baseline="0" dirty="0"/>
+              <a:t> </a:t>
+            </a:r>
+            <a:r>
+              <a:rPr lang="de-AT" baseline="0" dirty="0" err="1"/>
+              <a:t>regions</a:t>
+            </a:r>
+            <a:r>
+              <a:rPr lang="de-AT" baseline="0" dirty="0"/>
+              <a:t> </a:t>
+            </a:r>
+            <a:r>
+              <a:rPr lang="de-AT" baseline="0" dirty="0" err="1"/>
+              <a:t>where</a:t>
+            </a:r>
+            <a:r>
+              <a:rPr lang="de-AT" baseline="0" dirty="0"/>
+              <a:t> </a:t>
+            </a:r>
+            <a:r>
+              <a:rPr lang="de-AT" baseline="0" dirty="0" err="1"/>
+              <a:t>the</a:t>
+            </a:r>
+            <a:r>
+              <a:rPr lang="de-AT" baseline="0" dirty="0"/>
+              <a:t> </a:t>
+            </a:r>
+            <a:r>
+              <a:rPr lang="de-AT" baseline="0" dirty="0" err="1"/>
+              <a:t>development</a:t>
+            </a:r>
+            <a:r>
+              <a:rPr lang="de-AT" baseline="0" dirty="0"/>
+              <a:t> </a:t>
+            </a:r>
+            <a:r>
+              <a:rPr lang="de-AT" baseline="0" dirty="0" err="1"/>
+              <a:t>state</a:t>
+            </a:r>
+            <a:r>
+              <a:rPr lang="de-AT" baseline="0" dirty="0"/>
+              <a:t> </a:t>
+            </a:r>
+            <a:r>
+              <a:rPr lang="de-AT" baseline="0" dirty="0" err="1"/>
+              <a:t>is</a:t>
+            </a:r>
+            <a:r>
+              <a:rPr lang="de-AT" baseline="0" dirty="0"/>
+              <a:t> </a:t>
+            </a:r>
+            <a:r>
+              <a:rPr lang="de-AT" baseline="0" dirty="0" err="1"/>
+              <a:t>very</a:t>
+            </a:r>
+            <a:r>
+              <a:rPr lang="de-AT" baseline="0" dirty="0"/>
+              <a:t> </a:t>
+            </a:r>
+            <a:r>
+              <a:rPr lang="de-AT" baseline="0" dirty="0" err="1"/>
+              <a:t>differnt</a:t>
+            </a:r>
+            <a:r>
+              <a:rPr lang="de-AT" baseline="0" dirty="0"/>
+              <a:t>. </a:t>
+            </a:r>
+            <a:r>
+              <a:rPr lang="de-AT" baseline="0" dirty="0" err="1"/>
+              <a:t>For</a:t>
+            </a:r>
+            <a:r>
+              <a:rPr lang="de-AT" baseline="0" dirty="0"/>
+              <a:t> </a:t>
+            </a:r>
+            <a:r>
+              <a:rPr lang="de-AT" baseline="0" dirty="0" err="1"/>
+              <a:t>example</a:t>
+            </a:r>
+            <a:r>
+              <a:rPr lang="de-AT" baseline="0" dirty="0"/>
+              <a:t>, after </a:t>
+            </a:r>
+            <a:r>
+              <a:rPr lang="de-AT" baseline="0" dirty="0" err="1"/>
+              <a:t>dropping</a:t>
+            </a:r>
+            <a:r>
+              <a:rPr lang="de-AT" baseline="0" dirty="0"/>
+              <a:t> </a:t>
+            </a:r>
+            <a:r>
+              <a:rPr lang="de-AT" baseline="0" dirty="0" err="1"/>
+              <a:t>this</a:t>
+            </a:r>
+            <a:r>
+              <a:rPr lang="de-AT" baseline="0" dirty="0"/>
+              <a:t> </a:t>
+            </a:r>
+            <a:r>
+              <a:rPr lang="de-AT" baseline="0" dirty="0" err="1"/>
+              <a:t>feature</a:t>
+            </a:r>
+            <a:r>
+              <a:rPr lang="de-AT" baseline="0" dirty="0"/>
+              <a:t>, </a:t>
+            </a:r>
+            <a:r>
+              <a:rPr lang="de-AT" baseline="0" dirty="0" err="1"/>
+              <a:t>the</a:t>
+            </a:r>
+            <a:r>
+              <a:rPr lang="de-AT" baseline="0" dirty="0"/>
+              <a:t> </a:t>
+            </a:r>
+            <a:r>
+              <a:rPr lang="de-AT" baseline="0" dirty="0" err="1"/>
+              <a:t>performance</a:t>
+            </a:r>
+            <a:r>
+              <a:rPr lang="de-AT" baseline="0" dirty="0"/>
+              <a:t> </a:t>
+            </a:r>
+            <a:r>
+              <a:rPr lang="de-AT" baseline="0" dirty="0" err="1"/>
+              <a:t>of</a:t>
+            </a:r>
+            <a:r>
+              <a:rPr lang="de-AT" baseline="0" dirty="0"/>
+              <a:t> Europe </a:t>
+            </a:r>
+            <a:r>
+              <a:rPr lang="de-AT" baseline="0" dirty="0" err="1"/>
+              <a:t>decrased</a:t>
+            </a:r>
+            <a:r>
+              <a:rPr lang="de-AT" baseline="0" dirty="0"/>
+              <a:t> but </a:t>
+            </a:r>
+            <a:r>
+              <a:rPr lang="de-AT" baseline="0" dirty="0" err="1"/>
+              <a:t>it</a:t>
+            </a:r>
+            <a:r>
+              <a:rPr lang="de-AT" baseline="0" dirty="0"/>
+              <a:t> </a:t>
+            </a:r>
+            <a:r>
+              <a:rPr lang="de-AT" baseline="0" dirty="0" err="1"/>
+              <a:t>improved</a:t>
+            </a:r>
+            <a:r>
+              <a:rPr lang="de-AT" baseline="0" dirty="0"/>
+              <a:t> </a:t>
+            </a:r>
+            <a:r>
+              <a:rPr lang="de-AT" baseline="0" dirty="0" err="1"/>
+              <a:t>for</a:t>
+            </a:r>
+            <a:r>
+              <a:rPr lang="de-AT" baseline="0" dirty="0"/>
+              <a:t> </a:t>
+            </a:r>
+            <a:r>
+              <a:rPr lang="de-AT" baseline="0" dirty="0" err="1"/>
+              <a:t>Africa</a:t>
+            </a:r>
+            <a:r>
+              <a:rPr lang="de-AT" baseline="0" dirty="0"/>
+              <a:t> </a:t>
+            </a:r>
+            <a:r>
+              <a:rPr lang="de-AT" baseline="0" dirty="0" err="1"/>
+              <a:t>because</a:t>
+            </a:r>
+            <a:r>
+              <a:rPr lang="de-AT" baseline="0" dirty="0"/>
+              <a:t> all </a:t>
+            </a:r>
+            <a:r>
+              <a:rPr lang="de-AT" baseline="0" dirty="0" err="1"/>
+              <a:t>of</a:t>
+            </a:r>
+            <a:r>
+              <a:rPr lang="de-AT" baseline="0" dirty="0"/>
+              <a:t> </a:t>
+            </a:r>
+            <a:r>
+              <a:rPr lang="de-AT" baseline="0" dirty="0" err="1"/>
+              <a:t>the</a:t>
+            </a:r>
+            <a:r>
+              <a:rPr lang="de-AT" baseline="0" dirty="0"/>
+              <a:t> countries </a:t>
+            </a:r>
+            <a:r>
+              <a:rPr lang="de-AT" baseline="0" dirty="0" err="1"/>
+              <a:t>there</a:t>
+            </a:r>
+            <a:r>
+              <a:rPr lang="de-AT" baseline="0" dirty="0"/>
+              <a:t> </a:t>
+            </a:r>
+            <a:r>
+              <a:rPr lang="de-AT" baseline="0" dirty="0" err="1"/>
+              <a:t>have</a:t>
+            </a:r>
+            <a:r>
+              <a:rPr lang="de-AT" baseline="0" dirty="0"/>
+              <a:t> </a:t>
+            </a:r>
+            <a:r>
+              <a:rPr lang="de-AT" baseline="0" dirty="0" err="1"/>
+              <a:t>the</a:t>
+            </a:r>
+            <a:r>
+              <a:rPr lang="de-AT" baseline="0" dirty="0"/>
+              <a:t> same </a:t>
+            </a:r>
+            <a:r>
+              <a:rPr lang="de-AT" baseline="0" dirty="0" err="1"/>
+              <a:t>development</a:t>
+            </a:r>
+            <a:r>
+              <a:rPr lang="de-AT" baseline="0" dirty="0"/>
+              <a:t> </a:t>
+            </a:r>
+            <a:r>
+              <a:rPr lang="de-AT" baseline="0" dirty="0" err="1"/>
+              <a:t>status</a:t>
+            </a:r>
+            <a:r>
+              <a:rPr lang="de-AT" baseline="0" dirty="0"/>
+              <a:t>.</a:t>
+            </a:r>
+            <a:endParaRPr lang="de-AT" dirty="0"/>
+          </a:p>
+        </p:txBody>
+      </p:sp>
+      <p:sp>
+        <p:nvSpPr>
+          <p:cNvPr id="4" name="Foliennummernplatzhalter 3"/>
+          <p:cNvSpPr>
+            <a:spLocks noGrp="1"/>
+          </p:cNvSpPr>
+          <p:nvPr>
+            <p:ph type="sldNum" sz="quarter" idx="10"/>
+          </p:nvPr>
+        </p:nvSpPr>
+        <p:spPr/>
+        <p:txBody>
+          <a:bodyPr/>
+          <a:lstStyle/>
+          <a:p>
+            <a:fld id="{518D9287-5E3E-4798-9EC8-F0BA4AB97AA3}" type="slidenum">
+              <a:rPr lang="de-AT" smtClean="0"/>
+              <a:t>22</a:t>
+            </a:fld>
+            <a:endParaRPr lang="de-AT"/>
+          </a:p>
+        </p:txBody>
+      </p:sp>
+    </p:spTree>
+    <p:extLst>
+      <p:ext uri="{BB962C8B-B14F-4D97-AF65-F5344CB8AC3E}">
+        <p14:creationId xmlns:p14="http://schemas.microsoft.com/office/powerpoint/2010/main" val="1029782054"/>
+      </p:ext>
+    </p:extLst>
+  </p:cSld>
+  <p:clrMapOvr>
+    <a:masterClrMapping/>
+  </p:clrMapOvr>
+</p:notes>
+</file>
+
+<file path=ppt/notesSlides/notesSlide21.xml><?xml version="1.0" encoding="utf-8"?>
+<p:notes xmlns:a="http://schemas.openxmlformats.org/drawingml/2006/main" xmlns:r="http://schemas.openxmlformats.org/officeDocument/2006/relationships" xmlns:p="http://schemas.openxmlformats.org/presentationml/2006/main">
+  <p:cSld>
+    <p:spTree>
+      <p:nvGrpSpPr>
+        <p:cNvPr id="1" name=""/>
+        <p:cNvGrpSpPr/>
+        <p:nvPr/>
+      </p:nvGrpSpPr>
+      <p:grpSpPr>
+        <a:xfrm>
+          <a:off x="0" y="0"/>
+          <a:ext cx="0" cy="0"/>
+          <a:chOff x="0" y="0"/>
+          <a:chExt cx="0" cy="0"/>
+        </a:xfrm>
+      </p:grpSpPr>
+      <p:sp>
+        <p:nvSpPr>
+          <p:cNvPr id="2" name="Folienbildplatzhalter 1"/>
+          <p:cNvSpPr>
+            <a:spLocks noGrp="1" noRot="1" noChangeAspect="1"/>
+          </p:cNvSpPr>
+          <p:nvPr>
+            <p:ph type="sldImg"/>
+          </p:nvPr>
+        </p:nvSpPr>
+        <p:spPr/>
+      </p:sp>
+      <p:sp>
+        <p:nvSpPr>
+          <p:cNvPr id="3" name="Notizenplatzhalter 2"/>
+          <p:cNvSpPr>
+            <a:spLocks noGrp="1"/>
+          </p:cNvSpPr>
+          <p:nvPr>
+            <p:ph type="body" idx="1"/>
+          </p:nvPr>
+        </p:nvSpPr>
+        <p:spPr/>
+        <p:txBody>
+          <a:bodyPr/>
+          <a:lstStyle/>
+          <a:p>
+            <a:r>
+              <a:rPr lang="de-AT" dirty="0"/>
+              <a:t>The </a:t>
+            </a:r>
+            <a:r>
+              <a:rPr lang="de-AT" dirty="0" err="1"/>
+              <a:t>most</a:t>
+            </a:r>
+            <a:r>
+              <a:rPr lang="de-AT" dirty="0"/>
+              <a:t> </a:t>
+            </a:r>
+            <a:r>
+              <a:rPr lang="de-AT" dirty="0" err="1"/>
+              <a:t>important</a:t>
+            </a:r>
+            <a:r>
+              <a:rPr lang="de-AT" dirty="0"/>
+              <a:t> </a:t>
+            </a:r>
+            <a:r>
+              <a:rPr lang="de-AT" dirty="0" err="1"/>
+              <a:t>features</a:t>
+            </a:r>
+            <a:r>
+              <a:rPr lang="de-AT" dirty="0"/>
+              <a:t> in </a:t>
+            </a:r>
+            <a:r>
+              <a:rPr lang="de-AT" dirty="0" err="1"/>
+              <a:t>the</a:t>
+            </a:r>
+            <a:r>
+              <a:rPr lang="de-AT" dirty="0"/>
+              <a:t> final </a:t>
+            </a:r>
+            <a:r>
+              <a:rPr lang="de-AT" dirty="0" err="1"/>
+              <a:t>model</a:t>
+            </a:r>
+            <a:r>
+              <a:rPr lang="de-AT" dirty="0"/>
+              <a:t> </a:t>
+            </a:r>
+            <a:r>
+              <a:rPr lang="de-AT" dirty="0" err="1"/>
+              <a:t>are</a:t>
+            </a:r>
+            <a:r>
+              <a:rPr lang="de-AT" dirty="0"/>
+              <a:t> </a:t>
+            </a:r>
+            <a:r>
+              <a:rPr lang="de-AT" dirty="0" err="1"/>
+              <a:t>the</a:t>
+            </a:r>
+            <a:r>
+              <a:rPr lang="de-AT" dirty="0"/>
+              <a:t> HIV </a:t>
+            </a:r>
+            <a:r>
+              <a:rPr lang="de-AT" dirty="0" err="1"/>
+              <a:t>incidents</a:t>
+            </a:r>
+            <a:r>
+              <a:rPr lang="de-AT" dirty="0"/>
+              <a:t> </a:t>
+            </a:r>
+            <a:r>
+              <a:rPr lang="de-AT" dirty="0" err="1"/>
+              <a:t>and</a:t>
+            </a:r>
+            <a:r>
+              <a:rPr lang="de-AT" baseline="0" dirty="0"/>
+              <a:t> </a:t>
+            </a:r>
+            <a:r>
+              <a:rPr lang="de-AT" baseline="0" dirty="0" err="1"/>
+              <a:t>alcohol</a:t>
+            </a:r>
+            <a:r>
+              <a:rPr lang="de-AT" baseline="0" dirty="0"/>
+              <a:t> </a:t>
+            </a:r>
+            <a:r>
+              <a:rPr lang="de-AT" baseline="0" dirty="0" err="1"/>
+              <a:t>consumption</a:t>
+            </a:r>
+            <a:r>
+              <a:rPr lang="de-AT" baseline="0" dirty="0"/>
+              <a:t>. </a:t>
+            </a:r>
+            <a:r>
+              <a:rPr lang="de-AT" baseline="0" dirty="0" err="1"/>
+              <a:t>And</a:t>
+            </a:r>
+            <a:r>
+              <a:rPr lang="de-AT" baseline="0" dirty="0"/>
+              <a:t> </a:t>
+            </a:r>
+            <a:r>
+              <a:rPr lang="de-AT" baseline="0" dirty="0" err="1"/>
+              <a:t>this</a:t>
+            </a:r>
+            <a:r>
+              <a:rPr lang="de-AT" baseline="0" dirty="0"/>
+              <a:t> </a:t>
+            </a:r>
+            <a:r>
+              <a:rPr lang="de-AT" baseline="0" dirty="0" err="1"/>
+              <a:t>is</a:t>
+            </a:r>
+            <a:r>
+              <a:rPr lang="de-AT" baseline="0" dirty="0"/>
+              <a:t> </a:t>
+            </a:r>
+            <a:r>
+              <a:rPr lang="de-AT" baseline="0" dirty="0" err="1"/>
+              <a:t>very</a:t>
+            </a:r>
+            <a:r>
+              <a:rPr lang="de-AT" baseline="0" dirty="0"/>
+              <a:t> </a:t>
+            </a:r>
+            <a:r>
+              <a:rPr lang="de-AT" baseline="0" dirty="0" err="1"/>
+              <a:t>differnt</a:t>
+            </a:r>
+            <a:r>
+              <a:rPr lang="de-AT" baseline="0" dirty="0"/>
+              <a:t> </a:t>
+            </a:r>
+            <a:r>
+              <a:rPr lang="de-AT" baseline="0" dirty="0" err="1"/>
+              <a:t>for</a:t>
+            </a:r>
+            <a:r>
+              <a:rPr lang="de-AT" baseline="0" dirty="0"/>
+              <a:t> </a:t>
+            </a:r>
+            <a:r>
+              <a:rPr lang="de-AT" baseline="0" dirty="0" err="1"/>
+              <a:t>the</a:t>
+            </a:r>
+            <a:r>
+              <a:rPr lang="de-AT" baseline="0" dirty="0"/>
+              <a:t> </a:t>
+            </a:r>
+            <a:r>
+              <a:rPr lang="de-AT" baseline="0" dirty="0" err="1"/>
+              <a:t>kNN</a:t>
+            </a:r>
+            <a:r>
+              <a:rPr lang="de-AT" baseline="0" dirty="0"/>
+              <a:t> </a:t>
+            </a:r>
+            <a:r>
+              <a:rPr lang="de-AT" baseline="0" dirty="0" err="1"/>
+              <a:t>Algorithm</a:t>
+            </a:r>
+            <a:r>
+              <a:rPr lang="de-AT" baseline="0" dirty="0"/>
+              <a:t> </a:t>
+            </a:r>
+            <a:r>
+              <a:rPr lang="de-AT" baseline="0" dirty="0" err="1"/>
+              <a:t>because</a:t>
+            </a:r>
+            <a:r>
+              <a:rPr lang="de-AT" baseline="0" dirty="0"/>
+              <a:t> </a:t>
+            </a:r>
+            <a:r>
+              <a:rPr lang="de-AT" baseline="0" dirty="0" err="1"/>
+              <a:t>there</a:t>
+            </a:r>
+            <a:r>
+              <a:rPr lang="de-AT" baseline="0" dirty="0"/>
+              <a:t>, </a:t>
+            </a:r>
+            <a:r>
+              <a:rPr lang="de-AT" baseline="0" dirty="0" err="1"/>
+              <a:t>the</a:t>
+            </a:r>
+            <a:r>
+              <a:rPr lang="de-AT" baseline="0" dirty="0"/>
+              <a:t> HIV </a:t>
+            </a:r>
+            <a:r>
+              <a:rPr lang="de-AT" baseline="0" dirty="0" err="1"/>
+              <a:t>incidents</a:t>
+            </a:r>
+            <a:r>
+              <a:rPr lang="de-AT" baseline="0" dirty="0"/>
+              <a:t> </a:t>
+            </a:r>
+            <a:r>
+              <a:rPr lang="de-AT" baseline="0" dirty="0" err="1"/>
+              <a:t>played</a:t>
+            </a:r>
+            <a:r>
+              <a:rPr lang="de-AT" baseline="0" dirty="0"/>
+              <a:t> </a:t>
+            </a:r>
+            <a:r>
+              <a:rPr lang="de-AT" baseline="0" dirty="0" err="1"/>
+              <a:t>the</a:t>
+            </a:r>
+            <a:r>
+              <a:rPr lang="de-AT" baseline="0" dirty="0"/>
+              <a:t> least </a:t>
+            </a:r>
+            <a:r>
+              <a:rPr lang="de-AT" baseline="0" dirty="0" err="1"/>
+              <a:t>important</a:t>
+            </a:r>
+            <a:r>
+              <a:rPr lang="de-AT" baseline="0" dirty="0"/>
+              <a:t> </a:t>
+            </a:r>
+            <a:r>
+              <a:rPr lang="de-AT" baseline="0" dirty="0" err="1"/>
+              <a:t>role</a:t>
+            </a:r>
+            <a:r>
+              <a:rPr lang="de-AT" baseline="0" dirty="0"/>
+              <a:t>.</a:t>
+            </a:r>
+            <a:endParaRPr lang="de-AT" dirty="0"/>
+          </a:p>
+        </p:txBody>
+      </p:sp>
+      <p:sp>
+        <p:nvSpPr>
+          <p:cNvPr id="4" name="Foliennummernplatzhalter 3"/>
+          <p:cNvSpPr>
+            <a:spLocks noGrp="1"/>
+          </p:cNvSpPr>
+          <p:nvPr>
+            <p:ph type="sldNum" sz="quarter" idx="10"/>
+          </p:nvPr>
+        </p:nvSpPr>
+        <p:spPr/>
+        <p:txBody>
+          <a:bodyPr/>
+          <a:lstStyle/>
+          <a:p>
+            <a:fld id="{518D9287-5E3E-4798-9EC8-F0BA4AB97AA3}" type="slidenum">
+              <a:rPr lang="de-AT" smtClean="0"/>
+              <a:t>23</a:t>
+            </a:fld>
+            <a:endParaRPr lang="de-AT"/>
+          </a:p>
+        </p:txBody>
+      </p:sp>
+    </p:spTree>
+    <p:extLst>
+      <p:ext uri="{BB962C8B-B14F-4D97-AF65-F5344CB8AC3E}">
+        <p14:creationId xmlns:p14="http://schemas.microsoft.com/office/powerpoint/2010/main" val="2931086602"/>
+      </p:ext>
+    </p:extLst>
+  </p:cSld>
+  <p:clrMapOvr>
+    <a:masterClrMapping/>
+  </p:clrMapOvr>
+</p:notes>
+</file>
+
+<file path=ppt/notesSlides/notesSlide22.xml><?xml version="1.0" encoding="utf-8"?>
+<p:notes xmlns:a="http://schemas.openxmlformats.org/drawingml/2006/main" xmlns:r="http://schemas.openxmlformats.org/officeDocument/2006/relationships" xmlns:p="http://schemas.openxmlformats.org/presentationml/2006/main">
+  <p:cSld>
+    <p:spTree>
+      <p:nvGrpSpPr>
+        <p:cNvPr id="1" name=""/>
+        <p:cNvGrpSpPr/>
+        <p:nvPr/>
+      </p:nvGrpSpPr>
+      <p:grpSpPr>
+        <a:xfrm>
+          <a:off x="0" y="0"/>
+          <a:ext cx="0" cy="0"/>
+          <a:chOff x="0" y="0"/>
+          <a:chExt cx="0" cy="0"/>
+        </a:xfrm>
+      </p:grpSpPr>
+      <p:sp>
+        <p:nvSpPr>
+          <p:cNvPr id="2" name="Folienbildplatzhalter 1"/>
+          <p:cNvSpPr>
+            <a:spLocks noGrp="1" noRot="1" noChangeAspect="1"/>
+          </p:cNvSpPr>
+          <p:nvPr>
+            <p:ph type="sldImg"/>
+          </p:nvPr>
+        </p:nvSpPr>
+        <p:spPr/>
+      </p:sp>
+      <p:sp>
+        <p:nvSpPr>
+          <p:cNvPr id="3" name="Notizenplatzhalter 2"/>
+          <p:cNvSpPr>
+            <a:spLocks noGrp="1"/>
+          </p:cNvSpPr>
+          <p:nvPr>
+            <p:ph type="body" idx="1"/>
+          </p:nvPr>
+        </p:nvSpPr>
+        <p:spPr/>
+        <p:txBody>
+          <a:bodyPr/>
+          <a:lstStyle/>
+          <a:p>
+            <a:r>
+              <a:rPr lang="de-AT" dirty="0" err="1"/>
+              <a:t>We</a:t>
+            </a:r>
+            <a:r>
+              <a:rPr lang="de-AT" dirty="0"/>
+              <a:t> </a:t>
+            </a:r>
+            <a:r>
+              <a:rPr lang="de-AT" dirty="0" err="1"/>
+              <a:t>observed</a:t>
+            </a:r>
+            <a:r>
+              <a:rPr lang="de-AT" dirty="0"/>
+              <a:t> </a:t>
+            </a:r>
+            <a:r>
+              <a:rPr lang="de-AT" dirty="0" err="1"/>
+              <a:t>that</a:t>
+            </a:r>
+            <a:r>
+              <a:rPr lang="de-AT" dirty="0"/>
+              <a:t> </a:t>
+            </a:r>
+            <a:r>
+              <a:rPr lang="de-AT" dirty="0" err="1"/>
+              <a:t>the</a:t>
+            </a:r>
+            <a:r>
+              <a:rPr lang="de-AT" baseline="0" dirty="0"/>
+              <a:t> </a:t>
+            </a:r>
+            <a:r>
+              <a:rPr lang="de-AT" baseline="0" dirty="0" err="1"/>
+              <a:t>precision</a:t>
+            </a:r>
+            <a:r>
+              <a:rPr lang="de-AT" baseline="0" dirty="0"/>
+              <a:t> </a:t>
+            </a:r>
+            <a:r>
+              <a:rPr lang="de-AT" baseline="0" dirty="0" err="1"/>
+              <a:t>for</a:t>
+            </a:r>
+            <a:r>
+              <a:rPr lang="de-AT" baseline="0" dirty="0"/>
+              <a:t> </a:t>
+            </a:r>
+            <a:r>
+              <a:rPr lang="de-AT" baseline="0" dirty="0" err="1"/>
+              <a:t>most</a:t>
+            </a:r>
+            <a:r>
+              <a:rPr lang="de-AT" baseline="0" dirty="0"/>
+              <a:t> </a:t>
+            </a:r>
+            <a:r>
+              <a:rPr lang="de-AT" baseline="0" dirty="0" err="1"/>
+              <a:t>of</a:t>
+            </a:r>
+            <a:r>
+              <a:rPr lang="de-AT" baseline="0" dirty="0"/>
+              <a:t> </a:t>
+            </a:r>
+            <a:r>
+              <a:rPr lang="de-AT" baseline="0" dirty="0" err="1"/>
+              <a:t>the</a:t>
+            </a:r>
+            <a:r>
+              <a:rPr lang="de-AT" baseline="0" dirty="0"/>
+              <a:t> </a:t>
+            </a:r>
+            <a:r>
+              <a:rPr lang="de-AT" baseline="0" dirty="0" err="1"/>
+              <a:t>regions</a:t>
+            </a:r>
+            <a:r>
+              <a:rPr lang="de-AT" baseline="0" dirty="0"/>
+              <a:t> was </a:t>
+            </a:r>
+            <a:r>
+              <a:rPr lang="de-AT" baseline="0" dirty="0" err="1"/>
+              <a:t>very</a:t>
+            </a:r>
+            <a:r>
+              <a:rPr lang="de-AT" baseline="0" dirty="0"/>
+              <a:t> high. The </a:t>
+            </a:r>
+            <a:r>
+              <a:rPr lang="de-AT" baseline="0" dirty="0" err="1"/>
+              <a:t>middle</a:t>
+            </a:r>
+            <a:r>
+              <a:rPr lang="de-AT" baseline="0" dirty="0"/>
+              <a:t> </a:t>
+            </a:r>
+            <a:r>
+              <a:rPr lang="de-AT" baseline="0" dirty="0" err="1"/>
+              <a:t>east</a:t>
+            </a:r>
+            <a:r>
+              <a:rPr lang="de-AT" baseline="0" dirty="0"/>
+              <a:t> </a:t>
+            </a:r>
+            <a:r>
+              <a:rPr lang="de-AT" baseline="0" dirty="0" err="1"/>
+              <a:t>had</a:t>
+            </a:r>
+            <a:r>
+              <a:rPr lang="de-AT" baseline="0" dirty="0"/>
+              <a:t> </a:t>
+            </a:r>
+            <a:r>
+              <a:rPr lang="de-AT" baseline="0" dirty="0" err="1"/>
+              <a:t>the</a:t>
+            </a:r>
+            <a:r>
+              <a:rPr lang="de-AT" baseline="0" dirty="0"/>
+              <a:t> </a:t>
+            </a:r>
+            <a:r>
+              <a:rPr lang="de-AT" baseline="0" dirty="0" err="1"/>
+              <a:t>highest</a:t>
+            </a:r>
+            <a:r>
+              <a:rPr lang="de-AT" baseline="0" dirty="0"/>
+              <a:t> </a:t>
+            </a:r>
+            <a:r>
+              <a:rPr lang="de-AT" baseline="0" dirty="0" err="1"/>
+              <a:t>error</a:t>
+            </a:r>
+            <a:r>
+              <a:rPr lang="de-AT" baseline="0" dirty="0"/>
+              <a:t> rate.</a:t>
+            </a:r>
+            <a:endParaRPr lang="de-AT" dirty="0"/>
+          </a:p>
+        </p:txBody>
+      </p:sp>
+      <p:sp>
+        <p:nvSpPr>
+          <p:cNvPr id="4" name="Foliennummernplatzhalter 3"/>
+          <p:cNvSpPr>
+            <a:spLocks noGrp="1"/>
+          </p:cNvSpPr>
+          <p:nvPr>
+            <p:ph type="sldNum" sz="quarter" idx="10"/>
+          </p:nvPr>
+        </p:nvSpPr>
+        <p:spPr/>
+        <p:txBody>
+          <a:bodyPr/>
+          <a:lstStyle/>
+          <a:p>
+            <a:fld id="{518D9287-5E3E-4798-9EC8-F0BA4AB97AA3}" type="slidenum">
+              <a:rPr lang="de-AT" smtClean="0"/>
+              <a:t>24</a:t>
+            </a:fld>
+            <a:endParaRPr lang="de-AT"/>
+          </a:p>
+        </p:txBody>
+      </p:sp>
+    </p:spTree>
+    <p:extLst>
+      <p:ext uri="{BB962C8B-B14F-4D97-AF65-F5344CB8AC3E}">
+        <p14:creationId xmlns:p14="http://schemas.microsoft.com/office/powerpoint/2010/main" val="1328148853"/>
+      </p:ext>
+    </p:extLst>
+  </p:cSld>
+  <p:clrMapOvr>
+    <a:masterClrMapping/>
+  </p:clrMapOvr>
+</p:notes>
+</file>
+
+<file path=ppt/notesSlides/notesSlide23.xml><?xml version="1.0" encoding="utf-8"?>
+<p:notes xmlns:a="http://schemas.openxmlformats.org/drawingml/2006/main" xmlns:r="http://schemas.openxmlformats.org/officeDocument/2006/relationships" xmlns:p="http://schemas.openxmlformats.org/presentationml/2006/main">
+  <p:cSld>
+    <p:spTree>
+      <p:nvGrpSpPr>
+        <p:cNvPr id="1" name=""/>
+        <p:cNvGrpSpPr/>
+        <p:nvPr/>
+      </p:nvGrpSpPr>
+      <p:grpSpPr>
+        <a:xfrm>
+          <a:off x="0" y="0"/>
+          <a:ext cx="0" cy="0"/>
+          <a:chOff x="0" y="0"/>
+          <a:chExt cx="0" cy="0"/>
+        </a:xfrm>
+      </p:grpSpPr>
+      <p:sp>
+        <p:nvSpPr>
+          <p:cNvPr id="2" name="Folienbildplatzhalter 1"/>
+          <p:cNvSpPr>
+            <a:spLocks noGrp="1" noRot="1" noChangeAspect="1"/>
+          </p:cNvSpPr>
+          <p:nvPr>
+            <p:ph type="sldImg"/>
+          </p:nvPr>
+        </p:nvSpPr>
+        <p:spPr/>
+      </p:sp>
+      <p:sp>
+        <p:nvSpPr>
+          <p:cNvPr id="3" name="Notizenplatzhalter 2"/>
+          <p:cNvSpPr>
+            <a:spLocks noGrp="1"/>
+          </p:cNvSpPr>
+          <p:nvPr>
+            <p:ph type="body" idx="1"/>
+          </p:nvPr>
+        </p:nvSpPr>
+        <p:spPr/>
+        <p:txBody>
+          <a:bodyPr/>
+          <a:lstStyle/>
+          <a:p>
+            <a:r>
+              <a:rPr lang="de-AT" dirty="0"/>
+              <a:t>As </a:t>
+            </a:r>
+            <a:r>
+              <a:rPr lang="de-AT" dirty="0" err="1"/>
+              <a:t>is</a:t>
+            </a:r>
+            <a:r>
+              <a:rPr lang="de-AT" dirty="0"/>
+              <a:t> </a:t>
+            </a:r>
+            <a:r>
+              <a:rPr lang="de-AT" dirty="0" err="1"/>
+              <a:t>got</a:t>
+            </a:r>
+            <a:r>
+              <a:rPr lang="de-AT" dirty="0"/>
+              <a:t> </a:t>
+            </a:r>
+            <a:r>
+              <a:rPr lang="de-AT" dirty="0" err="1"/>
+              <a:t>confused</a:t>
+            </a:r>
+            <a:r>
+              <a:rPr lang="de-AT" dirty="0"/>
+              <a:t> </a:t>
+            </a:r>
+            <a:r>
+              <a:rPr lang="de-AT" dirty="0" err="1"/>
+              <a:t>with</a:t>
+            </a:r>
+            <a:r>
+              <a:rPr lang="de-AT" dirty="0"/>
+              <a:t> </a:t>
+            </a:r>
+            <a:r>
+              <a:rPr lang="de-AT" dirty="0" err="1"/>
+              <a:t>Asia</a:t>
+            </a:r>
+            <a:r>
+              <a:rPr lang="de-AT" dirty="0"/>
+              <a:t> </a:t>
+            </a:r>
+            <a:r>
+              <a:rPr lang="de-AT" dirty="0" err="1"/>
+              <a:t>several</a:t>
+            </a:r>
+            <a:r>
+              <a:rPr lang="de-AT" baseline="0" dirty="0"/>
+              <a:t> </a:t>
+            </a:r>
+            <a:r>
+              <a:rPr lang="de-AT" baseline="0" dirty="0" err="1"/>
+              <a:t>times</a:t>
+            </a:r>
+            <a:r>
+              <a:rPr lang="de-AT" baseline="0" dirty="0"/>
+              <a:t>: </a:t>
+            </a:r>
+            <a:r>
+              <a:rPr lang="pt-BR" baseline="0" dirty="0"/>
+              <a:t>Pakistan, Brunei Darussalam, Azerbaijan, Brunei Darussalam</a:t>
+            </a:r>
+          </a:p>
+          <a:p>
+            <a:pPr marL="0" marR="0" lvl="0" indent="0" algn="l" defTabSz="914400" rtl="0" eaLnBrk="1" fontAlgn="auto" latinLnBrk="0" hangingPunct="1">
+              <a:lnSpc>
+                <a:spcPct val="100000"/>
+              </a:lnSpc>
+              <a:spcBef>
+                <a:spcPts val="0"/>
+              </a:spcBef>
+              <a:spcAft>
+                <a:spcPts val="0"/>
+              </a:spcAft>
+              <a:buClrTx/>
+              <a:buSzTx/>
+              <a:buFontTx/>
+              <a:buNone/>
+              <a:tabLst/>
+              <a:defRPr/>
+            </a:pPr>
+            <a:r>
+              <a:rPr lang="en-US" sz="1200" kern="1200" dirty="0">
+                <a:solidFill>
+                  <a:schemeClr val="tx1"/>
+                </a:solidFill>
+                <a:effectLst/>
+                <a:latin typeface="+mn-lt"/>
+                <a:ea typeface="+mn-ea"/>
+                <a:cs typeface="+mn-cs"/>
+              </a:rPr>
+              <a:t>Finland</a:t>
+            </a:r>
+            <a:r>
+              <a:rPr lang="en-US" sz="1200" kern="1200" baseline="0" dirty="0">
+                <a:solidFill>
+                  <a:schemeClr val="tx1"/>
+                </a:solidFill>
+                <a:effectLst/>
+                <a:latin typeface="+mn-lt"/>
+                <a:ea typeface="+mn-ea"/>
+                <a:cs typeface="+mn-cs"/>
+              </a:rPr>
+              <a:t> and</a:t>
+            </a:r>
+            <a:r>
+              <a:rPr lang="en-US" sz="1200" kern="1200" dirty="0">
+                <a:solidFill>
+                  <a:schemeClr val="tx1"/>
+                </a:solidFill>
+                <a:effectLst/>
+                <a:latin typeface="+mn-lt"/>
+                <a:ea typeface="+mn-ea"/>
+                <a:cs typeface="+mn-cs"/>
+              </a:rPr>
+              <a:t> Latvia were identified as European Union but they belong to the class Rest Of Europe but that actually makes sense as these</a:t>
+            </a:r>
+            <a:r>
+              <a:rPr lang="en-US" sz="1200" kern="1200" baseline="0" dirty="0">
+                <a:solidFill>
+                  <a:schemeClr val="tx1"/>
+                </a:solidFill>
+                <a:effectLst/>
+                <a:latin typeface="+mn-lt"/>
+                <a:ea typeface="+mn-ea"/>
+                <a:cs typeface="+mn-cs"/>
+              </a:rPr>
+              <a:t> countries are similar to the EU based on their health access. Our assumption was that Switzerland would also be classified as European Union but surprisingly, it was correctly identified.</a:t>
+            </a:r>
+            <a:endParaRPr lang="de-AT" dirty="0"/>
+          </a:p>
+          <a:p>
+            <a:endParaRPr lang="de-AT" dirty="0"/>
+          </a:p>
+          <a:p>
+            <a:r>
+              <a:rPr lang="de-AT" dirty="0"/>
+              <a:t>The </a:t>
+            </a:r>
+            <a:r>
+              <a:rPr lang="de-AT" dirty="0" err="1"/>
+              <a:t>overall</a:t>
+            </a:r>
+            <a:r>
+              <a:rPr lang="de-AT" baseline="0" dirty="0"/>
+              <a:t> </a:t>
+            </a:r>
+            <a:r>
+              <a:rPr lang="de-AT" baseline="0" dirty="0" err="1"/>
+              <a:t>b</a:t>
+            </a:r>
+            <a:r>
+              <a:rPr lang="de-AT" dirty="0" err="1"/>
+              <a:t>alanced</a:t>
+            </a:r>
+            <a:r>
+              <a:rPr lang="de-AT" dirty="0"/>
+              <a:t> </a:t>
+            </a:r>
+            <a:r>
+              <a:rPr lang="de-AT" dirty="0" err="1"/>
+              <a:t>Accuracy</a:t>
+            </a:r>
+            <a:r>
+              <a:rPr lang="de-AT" baseline="0" dirty="0"/>
+              <a:t> </a:t>
+            </a:r>
+            <a:r>
+              <a:rPr lang="de-AT" baseline="0" dirty="0" err="1"/>
+              <a:t>is</a:t>
+            </a:r>
+            <a:r>
+              <a:rPr lang="de-AT" baseline="0" dirty="0"/>
+              <a:t> 94% </a:t>
+            </a:r>
+            <a:r>
+              <a:rPr lang="de-AT" baseline="0" dirty="0" err="1"/>
+              <a:t>which</a:t>
+            </a:r>
+            <a:r>
+              <a:rPr lang="de-AT" baseline="0" dirty="0"/>
+              <a:t> </a:t>
+            </a:r>
+            <a:r>
+              <a:rPr lang="de-AT" baseline="0" dirty="0" err="1"/>
+              <a:t>is</a:t>
+            </a:r>
+            <a:r>
+              <a:rPr lang="de-AT" baseline="0" dirty="0"/>
+              <a:t> </a:t>
+            </a:r>
+            <a:r>
+              <a:rPr lang="de-AT" baseline="0" dirty="0" err="1"/>
+              <a:t>higher</a:t>
+            </a:r>
+            <a:r>
+              <a:rPr lang="de-AT" baseline="0" dirty="0"/>
+              <a:t> </a:t>
+            </a:r>
+            <a:r>
+              <a:rPr lang="de-AT" baseline="0" dirty="0" err="1"/>
+              <a:t>compared</a:t>
+            </a:r>
+            <a:r>
+              <a:rPr lang="de-AT" baseline="0" dirty="0"/>
+              <a:t> </a:t>
+            </a:r>
+            <a:r>
+              <a:rPr lang="de-AT" baseline="0" dirty="0" err="1"/>
+              <a:t>to</a:t>
+            </a:r>
+            <a:r>
+              <a:rPr lang="de-AT" baseline="0" dirty="0"/>
+              <a:t> </a:t>
+            </a:r>
+            <a:r>
+              <a:rPr lang="de-AT" baseline="0" dirty="0" err="1"/>
+              <a:t>kNN</a:t>
+            </a:r>
+            <a:r>
+              <a:rPr lang="de-AT" baseline="0" dirty="0"/>
+              <a:t> but </a:t>
+            </a:r>
+            <a:r>
+              <a:rPr lang="de-AT" baseline="0" dirty="0" err="1"/>
+              <a:t>only</a:t>
+            </a:r>
+            <a:r>
+              <a:rPr lang="de-AT" baseline="0" dirty="0"/>
+              <a:t> </a:t>
+            </a:r>
+            <a:r>
+              <a:rPr lang="de-AT" baseline="0" dirty="0" err="1"/>
+              <a:t>for</a:t>
+            </a:r>
+            <a:r>
+              <a:rPr lang="de-AT" baseline="0" dirty="0"/>
+              <a:t> </a:t>
+            </a:r>
+            <a:r>
+              <a:rPr lang="de-AT" baseline="0" dirty="0" err="1"/>
+              <a:t>this</a:t>
+            </a:r>
+            <a:r>
+              <a:rPr lang="de-AT" baseline="0" dirty="0"/>
+              <a:t> </a:t>
+            </a:r>
+            <a:r>
+              <a:rPr lang="de-AT" baseline="0" dirty="0" err="1"/>
+              <a:t>set</a:t>
+            </a:r>
+            <a:r>
+              <a:rPr lang="de-AT" baseline="0" dirty="0"/>
+              <a:t> </a:t>
+            </a:r>
+            <a:r>
+              <a:rPr lang="de-AT" baseline="0" dirty="0" err="1"/>
+              <a:t>of</a:t>
+            </a:r>
+            <a:r>
+              <a:rPr lang="de-AT" baseline="0" dirty="0"/>
+              <a:t> </a:t>
+            </a:r>
+            <a:r>
+              <a:rPr lang="de-AT" baseline="0" dirty="0" err="1"/>
+              <a:t>features</a:t>
+            </a:r>
+            <a:r>
+              <a:rPr lang="de-AT" baseline="0" dirty="0"/>
+              <a:t>.</a:t>
+            </a:r>
+          </a:p>
+          <a:p>
+            <a:r>
+              <a:rPr lang="de-AT" baseline="0" dirty="0" err="1"/>
+              <a:t>When</a:t>
+            </a:r>
+            <a:r>
+              <a:rPr lang="de-AT" baseline="0" dirty="0"/>
+              <a:t> </a:t>
+            </a:r>
+            <a:r>
+              <a:rPr lang="de-AT" baseline="0" dirty="0" err="1"/>
+              <a:t>using</a:t>
+            </a:r>
+            <a:r>
+              <a:rPr lang="de-AT" baseline="0" dirty="0"/>
+              <a:t> </a:t>
+            </a:r>
+            <a:r>
+              <a:rPr lang="de-AT" baseline="0" dirty="0" err="1"/>
+              <a:t>more</a:t>
+            </a:r>
+            <a:r>
+              <a:rPr lang="de-AT" baseline="0" dirty="0"/>
+              <a:t> </a:t>
+            </a:r>
+            <a:r>
+              <a:rPr lang="de-AT" baseline="0" dirty="0" err="1"/>
+              <a:t>features</a:t>
+            </a:r>
+            <a:r>
+              <a:rPr lang="de-AT" baseline="0" dirty="0"/>
+              <a:t>, </a:t>
+            </a:r>
+            <a:r>
+              <a:rPr lang="de-AT" baseline="0" dirty="0" err="1"/>
+              <a:t>the</a:t>
+            </a:r>
+            <a:r>
+              <a:rPr lang="de-AT" baseline="0" dirty="0"/>
+              <a:t> </a:t>
+            </a:r>
+            <a:r>
+              <a:rPr lang="de-AT" baseline="0" dirty="0" err="1"/>
+              <a:t>difference</a:t>
+            </a:r>
+            <a:r>
+              <a:rPr lang="de-AT" baseline="0" dirty="0"/>
+              <a:t> in </a:t>
+            </a:r>
+            <a:r>
+              <a:rPr lang="de-AT" baseline="0" dirty="0" err="1"/>
+              <a:t>accuracy</a:t>
+            </a:r>
+            <a:r>
+              <a:rPr lang="de-AT" baseline="0" dirty="0"/>
+              <a:t> </a:t>
+            </a:r>
+            <a:r>
+              <a:rPr lang="de-AT" baseline="0" dirty="0" err="1"/>
+              <a:t>gets</a:t>
+            </a:r>
+            <a:r>
+              <a:rPr lang="de-AT" baseline="0" dirty="0"/>
+              <a:t> </a:t>
+            </a:r>
+            <a:r>
+              <a:rPr lang="de-AT" baseline="0" dirty="0" err="1"/>
+              <a:t>very</a:t>
+            </a:r>
+            <a:r>
+              <a:rPr lang="de-AT" baseline="0" dirty="0"/>
+              <a:t> </a:t>
+            </a:r>
+            <a:r>
+              <a:rPr lang="de-AT" baseline="0" dirty="0" err="1"/>
+              <a:t>small</a:t>
+            </a:r>
+            <a:r>
+              <a:rPr lang="de-AT" baseline="0" dirty="0"/>
+              <a:t> </a:t>
+            </a:r>
+            <a:r>
+              <a:rPr lang="de-AT" baseline="0" dirty="0" err="1"/>
+              <a:t>which</a:t>
+            </a:r>
+            <a:r>
+              <a:rPr lang="de-AT" baseline="0" dirty="0"/>
+              <a:t> </a:t>
+            </a:r>
+            <a:r>
+              <a:rPr lang="de-AT" baseline="0" dirty="0" err="1"/>
+              <a:t>shows</a:t>
+            </a:r>
+            <a:r>
+              <a:rPr lang="de-AT" baseline="0" dirty="0"/>
+              <a:t> </a:t>
+            </a:r>
+            <a:r>
+              <a:rPr lang="de-AT" baseline="0" dirty="0" err="1"/>
+              <a:t>the</a:t>
+            </a:r>
+            <a:r>
+              <a:rPr lang="de-AT" baseline="0" dirty="0"/>
+              <a:t> </a:t>
+            </a:r>
+            <a:r>
+              <a:rPr lang="de-AT" baseline="0" dirty="0" err="1"/>
+              <a:t>performance</a:t>
+            </a:r>
+            <a:r>
+              <a:rPr lang="de-AT" baseline="0" dirty="0"/>
+              <a:t> </a:t>
+            </a:r>
+            <a:r>
+              <a:rPr lang="de-AT" baseline="0" dirty="0" err="1"/>
+              <a:t>of</a:t>
+            </a:r>
+            <a:r>
+              <a:rPr lang="de-AT" baseline="0" dirty="0"/>
+              <a:t> an </a:t>
+            </a:r>
+            <a:r>
+              <a:rPr lang="de-AT" baseline="0" dirty="0" err="1"/>
+              <a:t>algorithm</a:t>
+            </a:r>
+            <a:r>
+              <a:rPr lang="de-AT" baseline="0" dirty="0"/>
+              <a:t> </a:t>
+            </a:r>
+            <a:r>
+              <a:rPr lang="de-AT" baseline="0" dirty="0" err="1"/>
+              <a:t>highly</a:t>
+            </a:r>
+            <a:r>
+              <a:rPr lang="de-AT" baseline="0" dirty="0"/>
+              <a:t> </a:t>
+            </a:r>
+            <a:r>
+              <a:rPr lang="de-AT" baseline="0" dirty="0" err="1"/>
+              <a:t>depends</a:t>
+            </a:r>
+            <a:r>
+              <a:rPr lang="de-AT" baseline="0" dirty="0"/>
+              <a:t> on </a:t>
+            </a:r>
+            <a:r>
+              <a:rPr lang="de-AT" baseline="0" dirty="0" err="1"/>
+              <a:t>the</a:t>
+            </a:r>
+            <a:r>
+              <a:rPr lang="de-AT" baseline="0" dirty="0"/>
+              <a:t> </a:t>
+            </a:r>
+            <a:r>
+              <a:rPr lang="de-AT" baseline="0" dirty="0" err="1"/>
+              <a:t>training</a:t>
+            </a:r>
+            <a:r>
+              <a:rPr lang="de-AT" baseline="0" dirty="0"/>
+              <a:t> </a:t>
+            </a:r>
+            <a:r>
+              <a:rPr lang="de-AT" baseline="0" dirty="0" err="1"/>
+              <a:t>data</a:t>
+            </a:r>
+            <a:endParaRPr lang="de-AT" dirty="0"/>
+          </a:p>
+        </p:txBody>
+      </p:sp>
+      <p:sp>
+        <p:nvSpPr>
+          <p:cNvPr id="4" name="Foliennummernplatzhalter 3"/>
+          <p:cNvSpPr>
+            <a:spLocks noGrp="1"/>
+          </p:cNvSpPr>
+          <p:nvPr>
+            <p:ph type="sldNum" sz="quarter" idx="10"/>
+          </p:nvPr>
+        </p:nvSpPr>
+        <p:spPr/>
+        <p:txBody>
+          <a:bodyPr/>
+          <a:lstStyle/>
+          <a:p>
+            <a:fld id="{518D9287-5E3E-4798-9EC8-F0BA4AB97AA3}" type="slidenum">
+              <a:rPr lang="de-AT" smtClean="0"/>
+              <a:t>25</a:t>
+            </a:fld>
+            <a:endParaRPr lang="de-AT"/>
+          </a:p>
+        </p:txBody>
+      </p:sp>
+    </p:spTree>
+    <p:extLst>
+      <p:ext uri="{BB962C8B-B14F-4D97-AF65-F5344CB8AC3E}">
+        <p14:creationId xmlns:p14="http://schemas.microsoft.com/office/powerpoint/2010/main" val="876320073"/>
+      </p:ext>
+    </p:extLst>
+  </p:cSld>
+  <p:clrMapOvr>
+    <a:masterClrMapping/>
+  </p:clrMapOvr>
+</p:notes>
+</file>
+
+<file path=ppt/notesSlides/notesSlide3.xml><?xml version="1.0" encoding="utf-8"?>
+<p:notes xmlns:a="http://schemas.openxmlformats.org/drawingml/2006/main" xmlns:r="http://schemas.openxmlformats.org/officeDocument/2006/relationships" xmlns:p="http://schemas.openxmlformats.org/presentationml/2006/main">
+  <p:cSld>
+    <p:spTree>
+      <p:nvGrpSpPr>
+        <p:cNvPr id="1" name=""/>
+        <p:cNvGrpSpPr/>
+        <p:nvPr/>
+      </p:nvGrpSpPr>
+      <p:grpSpPr>
+        <a:xfrm>
+          <a:off x="0" y="0"/>
+          <a:ext cx="0" cy="0"/>
+          <a:chOff x="0" y="0"/>
+          <a:chExt cx="0" cy="0"/>
+        </a:xfrm>
+      </p:grpSpPr>
+      <p:sp>
+        <p:nvSpPr>
+          <p:cNvPr id="2" name="Folienbildplatzhalter 1"/>
+          <p:cNvSpPr>
+            <a:spLocks noGrp="1" noRot="1" noChangeAspect="1"/>
+          </p:cNvSpPr>
+          <p:nvPr>
+            <p:ph type="sldImg"/>
+          </p:nvPr>
+        </p:nvSpPr>
+        <p:spPr/>
+      </p:sp>
+      <p:sp>
+        <p:nvSpPr>
+          <p:cNvPr id="3" name="Notizenplatzhalter 2"/>
+          <p:cNvSpPr>
+            <a:spLocks noGrp="1"/>
+          </p:cNvSpPr>
+          <p:nvPr>
+            <p:ph type="body" idx="1"/>
+          </p:nvPr>
+        </p:nvSpPr>
+        <p:spPr/>
+        <p:txBody>
+          <a:bodyPr/>
+          <a:lstStyle/>
+          <a:p>
+            <a:r>
+              <a:rPr lang="en-US" dirty="0"/>
+              <a:t>To ensure clean and consistent input data, we performed several preprocessing steps:</a:t>
+            </a:r>
+          </a:p>
+          <a:p>
+            <a:r>
+              <a:rPr lang="en-US" dirty="0"/>
+              <a:t>	- We handled missing values and replaced invalid entries. (As you can see, there were no missing values but we checked just to be sure)</a:t>
+            </a:r>
+          </a:p>
+          <a:p>
             <a:endParaRPr lang="de-AT" dirty="0"/>
           </a:p>
         </p:txBody>
@@ -1267,7 +3498,7 @@
 </p:notes>
 </file>
 
-<file path=ppt/notesSlides/notesSlide3.xml><?xml version="1.0" encoding="utf-8"?>
+<file path=ppt/notesSlides/notesSlide4.xml><?xml version="1.0" encoding="utf-8"?>
 <p:notes xmlns:a="http://schemas.openxmlformats.org/drawingml/2006/main" xmlns:r="http://schemas.openxmlformats.org/officeDocument/2006/relationships" xmlns:p="http://schemas.openxmlformats.org/presentationml/2006/main">
   <p:cSld>
     <p:spTree>
@@ -1329,6 +3560,13 @@
           <a:bodyPr/>
           <a:lstStyle/>
           <a:p>
+            <a:r>
+              <a:rPr lang="en-US" dirty="0"/>
+              <a:t>	- We verified data types and defined categorical features.</a:t>
+            </a:r>
+            <a:br>
+              <a:rPr lang="en-US" dirty="0"/>
+            </a:br>
             <a:endParaRPr lang="de-AT" dirty="0"/>
           </a:p>
         </p:txBody>
@@ -1375,7 +3613,7 @@
 </p:notes>
 </file>
 
-<file path=ppt/notesSlides/notesSlide4.xml><?xml version="1.0" encoding="utf-8"?>
+<file path=ppt/notesSlides/notesSlide5.xml><?xml version="1.0" encoding="utf-8"?>
 <p:notes xmlns:a="http://schemas.openxmlformats.org/drawingml/2006/main" xmlns:r="http://schemas.openxmlformats.org/officeDocument/2006/relationships" xmlns:p="http://schemas.openxmlformats.org/presentationml/2006/main">
   <p:cSld>
     <p:spTree>
@@ -1437,6 +3675,13 @@
           <a:bodyPr/>
           <a:lstStyle/>
           <a:p>
+            <a:r>
+              <a:rPr lang="en-US" dirty="0"/>
+              <a:t> 	- We checked for and removed duplicates.</a:t>
+            </a:r>
+            <a:br>
+              <a:rPr lang="en-US" dirty="0"/>
+            </a:br>
             <a:endParaRPr lang="de-AT" dirty="0"/>
           </a:p>
         </p:txBody>
@@ -1483,7 +3728,7 @@
 </p:notes>
 </file>
 
-<file path=ppt/notesSlides/notesSlide5.xml><?xml version="1.0" encoding="utf-8"?>
+<file path=ppt/notesSlides/notesSlide6.xml><?xml version="1.0" encoding="utf-8"?>
 <p:notes xmlns:a="http://schemas.openxmlformats.org/drawingml/2006/main" xmlns:r="http://schemas.openxmlformats.org/officeDocument/2006/relationships" xmlns:p="http://schemas.openxmlformats.org/presentationml/2006/main">
   <p:cSld>
     <p:spTree>
@@ -1545,6 +3790,72 @@
           <a:bodyPr/>
           <a:lstStyle/>
           <a:p>
+            <a:pPr marL="0" marR="0" lvl="0" indent="0" algn="l" defTabSz="914400" rtl="0" eaLnBrk="1" fontAlgn="auto" latinLnBrk="0" hangingPunct="1">
+              <a:lnSpc>
+                <a:spcPct val="100000"/>
+              </a:lnSpc>
+              <a:spcBef>
+                <a:spcPts val="0"/>
+              </a:spcBef>
+              <a:spcAft>
+                <a:spcPts val="0"/>
+              </a:spcAft>
+              <a:buClrTx/>
+              <a:buSzTx/>
+              <a:buFontTx/>
+              <a:buNone/>
+              <a:tabLst/>
+              <a:defRPr/>
+            </a:pPr>
+            <a:r>
+              <a:rPr lang="en-US" dirty="0"/>
+              <a:t>	- Finally, we examined class distribution to ensure balanced representation.</a:t>
+            </a:r>
+          </a:p>
+          <a:p>
+            <a:pPr marL="0" marR="0" lvl="0" indent="0" algn="l" defTabSz="914400" rtl="0" eaLnBrk="1" fontAlgn="auto" latinLnBrk="0" hangingPunct="1">
+              <a:lnSpc>
+                <a:spcPct val="100000"/>
+              </a:lnSpc>
+              <a:spcBef>
+                <a:spcPts val="0"/>
+              </a:spcBef>
+              <a:spcAft>
+                <a:spcPts val="0"/>
+              </a:spcAft>
+              <a:buClrTx/>
+              <a:buSzTx/>
+              <a:buFontTx/>
+              <a:buNone/>
+              <a:tabLst/>
+              <a:defRPr/>
+            </a:pPr>
+            <a:endParaRPr lang="en-US" dirty="0"/>
+          </a:p>
+          <a:p>
+            <a:pPr marL="0" marR="0" lvl="0" indent="0" algn="l" defTabSz="914400" rtl="0" eaLnBrk="1" fontAlgn="auto" latinLnBrk="0" hangingPunct="1">
+              <a:lnSpc>
+                <a:spcPct val="100000"/>
+              </a:lnSpc>
+              <a:spcBef>
+                <a:spcPts val="0"/>
+              </a:spcBef>
+              <a:spcAft>
+                <a:spcPts val="0"/>
+              </a:spcAft>
+              <a:buClrTx/>
+              <a:buSzTx/>
+              <a:buFontTx/>
+              <a:buNone/>
+              <a:tabLst/>
+              <a:defRPr/>
+            </a:pPr>
+            <a:r>
+              <a:rPr lang="en-US" dirty="0"/>
+              <a:t>That was just a small overview</a:t>
+            </a:r>
+          </a:p>
+          <a:p>
             <a:endParaRPr lang="de-AT" dirty="0"/>
           </a:p>
         </p:txBody>
@@ -1591,7 +3902,7 @@
 </p:notes>
 </file>
 
-<file path=ppt/notesSlides/notesSlide6.xml><?xml version="1.0" encoding="utf-8"?>
+<file path=ppt/notesSlides/notesSlide7.xml><?xml version="1.0" encoding="utf-8"?>
 <p:notes xmlns:a="http://schemas.openxmlformats.org/drawingml/2006/main" xmlns:r="http://schemas.openxmlformats.org/officeDocument/2006/relationships" xmlns:p="http://schemas.openxmlformats.org/presentationml/2006/main">
   <p:cSld>
     <p:spTree>
@@ -1944,6 +4255,137 @@
             </a:r>
           </a:p>
           <a:p>
+            <a:pPr marL="0" marR="0" lvl="0" indent="0" algn="l" defTabSz="914400" rtl="0" eaLnBrk="1" fontAlgn="auto" latinLnBrk="0" hangingPunct="1">
+              <a:lnSpc>
+                <a:spcPct val="100000"/>
+              </a:lnSpc>
+              <a:spcBef>
+                <a:spcPts val="0"/>
+              </a:spcBef>
+              <a:spcAft>
+                <a:spcPts val="0"/>
+              </a:spcAft>
+              <a:buClrTx/>
+              <a:buSzTx/>
+              <a:buFontTx/>
+              <a:buNone/>
+              <a:tabLst/>
+              <a:defRPr/>
+            </a:pPr>
+            <a:r>
+              <a:rPr lang="de-AT" sz="1200" kern="1200" dirty="0">
+                <a:solidFill>
+                  <a:schemeClr val="tx1"/>
+                </a:solidFill>
+                <a:effectLst/>
+                <a:latin typeface="+mn-lt"/>
+                <a:ea typeface="+mn-ea"/>
+                <a:cs typeface="+mn-cs"/>
+              </a:rPr>
+              <a:t>		</a:t>
+            </a:r>
+          </a:p>
+          <a:p>
+            <a:pPr marL="0" marR="0" lvl="0" indent="0" algn="l" defTabSz="914400" rtl="0" eaLnBrk="1" fontAlgn="auto" latinLnBrk="0" hangingPunct="1">
+              <a:lnSpc>
+                <a:spcPct val="100000"/>
+              </a:lnSpc>
+              <a:spcBef>
+                <a:spcPts val="0"/>
+              </a:spcBef>
+              <a:spcAft>
+                <a:spcPts val="0"/>
+              </a:spcAft>
+              <a:buClrTx/>
+              <a:buSzTx/>
+              <a:buFontTx/>
+              <a:buNone/>
+              <a:tabLst/>
+              <a:defRPr/>
+            </a:pPr>
+            <a:r>
+              <a:rPr lang="de-AT" sz="1200" kern="1200" dirty="0">
+                <a:solidFill>
+                  <a:schemeClr val="tx1"/>
+                </a:solidFill>
+                <a:effectLst/>
+                <a:latin typeface="+mn-lt"/>
+                <a:ea typeface="+mn-ea"/>
+                <a:cs typeface="+mn-cs"/>
+              </a:rPr>
+              <a:t>And a </a:t>
+            </a:r>
+            <a:r>
+              <a:rPr lang="de-AT" sz="1200" kern="1200" dirty="0" err="1">
+                <a:solidFill>
+                  <a:schemeClr val="tx1"/>
+                </a:solidFill>
+                <a:effectLst/>
+                <a:latin typeface="+mn-lt"/>
+                <a:ea typeface="+mn-ea"/>
+                <a:cs typeface="+mn-cs"/>
+              </a:rPr>
+              <a:t>lot</a:t>
+            </a:r>
+            <a:r>
+              <a:rPr lang="de-AT" sz="1200" kern="1200" dirty="0">
+                <a:solidFill>
+                  <a:schemeClr val="tx1"/>
+                </a:solidFill>
+                <a:effectLst/>
+                <a:latin typeface="+mn-lt"/>
+                <a:ea typeface="+mn-ea"/>
+                <a:cs typeface="+mn-cs"/>
+              </a:rPr>
+              <a:t> </a:t>
+            </a:r>
+            <a:r>
+              <a:rPr lang="de-AT" sz="1200" kern="1200" dirty="0" err="1">
+                <a:solidFill>
+                  <a:schemeClr val="tx1"/>
+                </a:solidFill>
+                <a:effectLst/>
+                <a:latin typeface="+mn-lt"/>
+                <a:ea typeface="+mn-ea"/>
+                <a:cs typeface="+mn-cs"/>
+              </a:rPr>
+              <a:t>of</a:t>
+            </a:r>
+            <a:r>
+              <a:rPr lang="de-AT" sz="1200" kern="1200" dirty="0">
+                <a:solidFill>
+                  <a:schemeClr val="tx1"/>
+                </a:solidFill>
+                <a:effectLst/>
+                <a:latin typeface="+mn-lt"/>
+                <a:ea typeface="+mn-ea"/>
+                <a:cs typeface="+mn-cs"/>
+              </a:rPr>
+              <a:t> </a:t>
+            </a:r>
+            <a:r>
+              <a:rPr lang="de-AT" sz="1200" kern="1200" dirty="0" err="1">
+                <a:solidFill>
+                  <a:schemeClr val="tx1"/>
+                </a:solidFill>
+                <a:effectLst/>
+                <a:latin typeface="+mn-lt"/>
+                <a:ea typeface="+mn-ea"/>
+                <a:cs typeface="+mn-cs"/>
+              </a:rPr>
+              <a:t>more</a:t>
+            </a:r>
+            <a:endParaRPr lang="de-AT" sz="1200" kern="1200" dirty="0">
+              <a:solidFill>
+                <a:schemeClr val="tx1"/>
+              </a:solidFill>
+              <a:effectLst/>
+              <a:latin typeface="+mn-lt"/>
+              <a:ea typeface="+mn-ea"/>
+              <a:cs typeface="+mn-cs"/>
+            </a:endParaRPr>
+          </a:p>
+          <a:p>
             <a:pPr marL="171450" indent="-171450">
               <a:buFontTx/>
               <a:buChar char="-"/>
@@ -2001,7 +4443,7 @@
 </p:notes>
 </file>
 
-<file path=ppt/notesSlides/notesSlide7.xml><?xml version="1.0" encoding="utf-8"?>
+<file path=ppt/notesSlides/notesSlide8.xml><?xml version="1.0" encoding="utf-8"?>
 <p:notes xmlns:a="http://schemas.openxmlformats.org/drawingml/2006/main" xmlns:r="http://schemas.openxmlformats.org/officeDocument/2006/relationships" xmlns:p="http://schemas.openxmlformats.org/presentationml/2006/main">
   <p:cSld>
     <p:spTree>
@@ -2046,36 +4488,21 @@
           <a:lstStyle/>
           <a:p>
             <a:r>
-              <a:rPr lang="de-AT" dirty="0" err="1"/>
-              <a:t>Done</a:t>
-            </a:r>
-            <a:r>
-              <a:rPr lang="de-AT" dirty="0"/>
-              <a:t> a </a:t>
-            </a:r>
-            <a:r>
-              <a:rPr lang="de-AT" dirty="0" err="1"/>
-              <a:t>lot</a:t>
-            </a:r>
-            <a:r>
-              <a:rPr lang="de-AT" dirty="0"/>
-              <a:t> </a:t>
-            </a:r>
-            <a:r>
-              <a:rPr lang="de-AT" dirty="0" err="1"/>
-              <a:t>of</a:t>
-            </a:r>
-            <a:r>
-              <a:rPr lang="de-AT" dirty="0"/>
-              <a:t> </a:t>
-            </a:r>
-            <a:r>
-              <a:rPr lang="de-AT" dirty="0" err="1"/>
-              <a:t>Visualizations</a:t>
-            </a:r>
-            <a:r>
-              <a:rPr lang="de-AT" dirty="0"/>
-              <a:t>….</a:t>
+              <a:rPr lang="en-US" dirty="0"/>
+              <a:t>To go into more detail:</a:t>
+            </a:r>
+          </a:p>
+          <a:p>
+            <a:r>
+              <a:rPr lang="en-US" dirty="0"/>
+              <a:t>We created a correlation matrix to identify strong relationships between variables.</a:t>
+            </a:r>
+            <a:br>
+              <a:rPr lang="en-US" dirty="0"/>
+            </a:br>
+            <a:r>
+              <a:rPr lang="en-US" dirty="0"/>
+              <a:t>This helps us detect multicollinearity and uncover which features may be redundant or especially important for prediction — like GDP, schooling, or HIV incidence.</a:t>
             </a:r>
           </a:p>
         </p:txBody>
@@ -2116,7 +4543,7 @@
 </p:notes>
 </file>
 
-<file path=ppt/notesSlides/notesSlide8.xml><?xml version="1.0" encoding="utf-8"?>
+<file path=ppt/notesSlides/notesSlide9.xml><?xml version="1.0" encoding="utf-8"?>
 <p:notes xmlns:a="http://schemas.openxmlformats.org/drawingml/2006/main" xmlns:r="http://schemas.openxmlformats.org/officeDocument/2006/relationships" xmlns:p="http://schemas.openxmlformats.org/presentationml/2006/main">
   <p:cSld>
     <p:spTree>
@@ -2179,37 +4606,10 @@
           <a:lstStyle/>
           <a:p>
             <a:r>
-              <a:rPr lang="de-AT" dirty="0" err="1"/>
-              <a:t>Done</a:t>
-            </a:r>
-            <a:r>
-              <a:rPr lang="de-AT" dirty="0"/>
-              <a:t> a </a:t>
-            </a:r>
-            <a:r>
-              <a:rPr lang="de-AT" dirty="0" err="1"/>
-              <a:t>lot</a:t>
-            </a:r>
-            <a:r>
-              <a:rPr lang="de-AT" dirty="0"/>
-              <a:t> </a:t>
-            </a:r>
-            <a:r>
-              <a:rPr lang="de-AT" dirty="0" err="1"/>
-              <a:t>of</a:t>
-            </a:r>
-            <a:r>
-              <a:rPr lang="de-AT" dirty="0"/>
-              <a:t> </a:t>
-            </a:r>
-            <a:r>
-              <a:rPr lang="de-AT" dirty="0" err="1"/>
-              <a:t>Visualizations</a:t>
-            </a:r>
-            <a:r>
-              <a:rPr lang="de-AT" dirty="0"/>
-              <a:t>….</a:t>
-            </a:r>
+              <a:rPr lang="en-US" dirty="0"/>
+              <a:t>But we also created some rather useless visualizations — just out of curiosity.</a:t>
+            </a:r>
+            <a:endParaRPr lang="de-AT" dirty="0"/>
           </a:p>
         </p:txBody>
       </p:sp>
@@ -2246,90 +4646,6 @@
     <p:extLst>
       <p:ext uri="{BB962C8B-B14F-4D97-AF65-F5344CB8AC3E}">
         <p14:creationId xmlns:p14="http://schemas.microsoft.com/office/powerpoint/2010/main" val="882790581"/>
-      </p:ext>
-    </p:extLst>
-  </p:cSld>
-  <p:clrMapOvr>
-    <a:masterClrMapping/>
-  </p:clrMapOvr>
-</p:notes>
-</file>
-
-<file path=ppt/notesSlides/notesSlide9.xml><?xml version="1.0" encoding="utf-8"?>
-<p:notes xmlns:a="http://schemas.openxmlformats.org/drawingml/2006/main" xmlns:r="http://schemas.openxmlformats.org/officeDocument/2006/relationships" xmlns:p="http://schemas.openxmlformats.org/presentationml/2006/main">
-  <p:cSld>
-    <p:spTree>
-      <p:nvGrpSpPr>
-        <p:cNvPr id="1" name=""/>
-        <p:cNvGrpSpPr/>
-        <p:nvPr/>
-      </p:nvGrpSpPr>
-      <p:grpSpPr>
-        <a:xfrm>
-          <a:off x="0" y="0"/>
-          <a:ext cx="0" cy="0"/>
-          <a:chOff x="0" y="0"/>
-          <a:chExt cx="0" cy="0"/>
-        </a:xfrm>
-      </p:grpSpPr>
-      <p:sp>
-        <p:nvSpPr>
-          <p:cNvPr id="2" name="Folienbildplatzhalter 1"/>
-          <p:cNvSpPr>
-            <a:spLocks noGrp="1" noRot="1" noChangeAspect="1"/>
-          </p:cNvSpPr>
-          <p:nvPr>
-            <p:ph type="sldImg"/>
-          </p:nvPr>
-        </p:nvSpPr>
-        <p:spPr/>
-      </p:sp>
-      <p:sp>
-        <p:nvSpPr>
-          <p:cNvPr id="3" name="Notizenplatzhalter 2"/>
-          <p:cNvSpPr>
-            <a:spLocks noGrp="1"/>
-          </p:cNvSpPr>
-          <p:nvPr>
-            <p:ph type="body" idx="1"/>
-          </p:nvPr>
-        </p:nvSpPr>
-        <p:spPr/>
-        <p:txBody>
-          <a:bodyPr/>
-          <a:lstStyle/>
-          <a:p>
-            <a:endParaRPr lang="de-AT" dirty="0"/>
-          </a:p>
-        </p:txBody>
-      </p:sp>
-      <p:sp>
-        <p:nvSpPr>
-          <p:cNvPr id="4" name="Foliennummernplatzhalter 3"/>
-          <p:cNvSpPr>
-            <a:spLocks noGrp="1"/>
-          </p:cNvSpPr>
-          <p:nvPr>
-            <p:ph type="sldNum" sz="quarter" idx="5"/>
-          </p:nvPr>
-        </p:nvSpPr>
-        <p:spPr/>
-        <p:txBody>
-          <a:bodyPr/>
-          <a:lstStyle/>
-          <a:p>
-            <a:fld id="{518D9287-5E3E-4798-9EC8-F0BA4AB97AA3}" type="slidenum">
-              <a:rPr lang="de-AT" smtClean="0"/>
-              <a:t>12</a:t>
-            </a:fld>
-            <a:endParaRPr lang="de-AT"/>
-          </a:p>
-        </p:txBody>
-      </p:sp>
-    </p:spTree>
-    <p:extLst>
-      <p:ext uri="{BB962C8B-B14F-4D97-AF65-F5344CB8AC3E}">
-        <p14:creationId xmlns:p14="http://schemas.microsoft.com/office/powerpoint/2010/main" val="1963439125"/>
       </p:ext>
     </p:extLst>
   </p:cSld>
@@ -2488,7 +4804,7 @@
           <a:p>
             <a:fld id="{BE535EDF-0F33-4B59-912F-68761F335446}" type="datetimeFigureOut">
               <a:rPr lang="de-AT" smtClean="0"/>
-              <a:t>04.06.2025</a:t>
+              <a:t>05.06.2025</a:t>
             </a:fld>
             <a:endParaRPr lang="de-AT"/>
           </a:p>
@@ -2542,7 +4858,7 @@
           <a:p>
             <a:fld id="{E8D95ED5-3281-41C0-A33B-86F183C313E5}" type="slidenum">
               <a:rPr lang="de-AT" smtClean="0"/>
-              <a:t>‹Nr.›</a:t>
+              <a:t>‹#›</a:t>
             </a:fld>
             <a:endParaRPr lang="de-AT"/>
           </a:p>
@@ -2688,7 +5004,7 @@
           <a:p>
             <a:fld id="{BE535EDF-0F33-4B59-912F-68761F335446}" type="datetimeFigureOut">
               <a:rPr lang="de-AT" smtClean="0"/>
-              <a:t>04.06.2025</a:t>
+              <a:t>05.06.2025</a:t>
             </a:fld>
             <a:endParaRPr lang="de-AT"/>
           </a:p>
@@ -2742,7 +5058,7 @@
           <a:p>
             <a:fld id="{E8D95ED5-3281-41C0-A33B-86F183C313E5}" type="slidenum">
               <a:rPr lang="de-AT" smtClean="0"/>
-              <a:t>‹Nr.›</a:t>
+              <a:t>‹#›</a:t>
             </a:fld>
             <a:endParaRPr lang="de-AT"/>
           </a:p>
@@ -2898,7 +5214,7 @@
           <a:p>
             <a:fld id="{BE535EDF-0F33-4B59-912F-68761F335446}" type="datetimeFigureOut">
               <a:rPr lang="de-AT" smtClean="0"/>
-              <a:t>04.06.2025</a:t>
+              <a:t>05.06.2025</a:t>
             </a:fld>
             <a:endParaRPr lang="de-AT"/>
           </a:p>
@@ -2952,7 +5268,7 @@
           <a:p>
             <a:fld id="{E8D95ED5-3281-41C0-A33B-86F183C313E5}" type="slidenum">
               <a:rPr lang="de-AT" smtClean="0"/>
-              <a:t>‹Nr.›</a:t>
+              <a:t>‹#›</a:t>
             </a:fld>
             <a:endParaRPr lang="de-AT"/>
           </a:p>
@@ -3098,7 +5414,7 @@
           <a:p>
             <a:fld id="{BE535EDF-0F33-4B59-912F-68761F335446}" type="datetimeFigureOut">
               <a:rPr lang="de-AT" smtClean="0"/>
-              <a:t>04.06.2025</a:t>
+              <a:t>05.06.2025</a:t>
             </a:fld>
             <a:endParaRPr lang="de-AT"/>
           </a:p>
@@ -3152,7 +5468,7 @@
           <a:p>
             <a:fld id="{E8D95ED5-3281-41C0-A33B-86F183C313E5}" type="slidenum">
               <a:rPr lang="de-AT" smtClean="0"/>
-              <a:t>‹Nr.›</a:t>
+              <a:t>‹#›</a:t>
             </a:fld>
             <a:endParaRPr lang="de-AT"/>
           </a:p>
@@ -3374,7 +5690,7 @@
           <a:p>
             <a:fld id="{BE535EDF-0F33-4B59-912F-68761F335446}" type="datetimeFigureOut">
               <a:rPr lang="de-AT" smtClean="0"/>
-              <a:t>04.06.2025</a:t>
+              <a:t>05.06.2025</a:t>
             </a:fld>
             <a:endParaRPr lang="de-AT"/>
           </a:p>
@@ -3428,7 +5744,7 @@
           <a:p>
             <a:fld id="{E8D95ED5-3281-41C0-A33B-86F183C313E5}" type="slidenum">
               <a:rPr lang="de-AT" smtClean="0"/>
-              <a:t>‹Nr.›</a:t>
+              <a:t>‹#›</a:t>
             </a:fld>
             <a:endParaRPr lang="de-AT"/>
           </a:p>
@@ -3642,7 +5958,7 @@
           <a:p>
             <a:fld id="{BE535EDF-0F33-4B59-912F-68761F335446}" type="datetimeFigureOut">
               <a:rPr lang="de-AT" smtClean="0"/>
-              <a:t>04.06.2025</a:t>
+              <a:t>05.06.2025</a:t>
             </a:fld>
             <a:endParaRPr lang="de-AT"/>
           </a:p>
@@ -3696,7 +6012,7 @@
           <a:p>
             <a:fld id="{E8D95ED5-3281-41C0-A33B-86F183C313E5}" type="slidenum">
               <a:rPr lang="de-AT" smtClean="0"/>
-              <a:t>‹Nr.›</a:t>
+              <a:t>‹#›</a:t>
             </a:fld>
             <a:endParaRPr lang="de-AT"/>
           </a:p>
@@ -4057,7 +6373,7 @@
           <a:p>
             <a:fld id="{BE535EDF-0F33-4B59-912F-68761F335446}" type="datetimeFigureOut">
               <a:rPr lang="de-AT" smtClean="0"/>
-              <a:t>04.06.2025</a:t>
+              <a:t>05.06.2025</a:t>
             </a:fld>
             <a:endParaRPr lang="de-AT"/>
           </a:p>
@@ -4111,7 +6427,7 @@
           <a:p>
             <a:fld id="{E8D95ED5-3281-41C0-A33B-86F183C313E5}" type="slidenum">
               <a:rPr lang="de-AT" smtClean="0"/>
-              <a:t>‹Nr.›</a:t>
+              <a:t>‹#›</a:t>
             </a:fld>
             <a:endParaRPr lang="de-AT"/>
           </a:p>
@@ -4199,7 +6515,7 @@
           <a:p>
             <a:fld id="{BE535EDF-0F33-4B59-912F-68761F335446}" type="datetimeFigureOut">
               <a:rPr lang="de-AT" smtClean="0"/>
-              <a:t>04.06.2025</a:t>
+              <a:t>05.06.2025</a:t>
             </a:fld>
             <a:endParaRPr lang="de-AT"/>
           </a:p>
@@ -4253,7 +6569,7 @@
           <a:p>
             <a:fld id="{E8D95ED5-3281-41C0-A33B-86F183C313E5}" type="slidenum">
               <a:rPr lang="de-AT" smtClean="0"/>
-              <a:t>‹Nr.›</a:t>
+              <a:t>‹#›</a:t>
             </a:fld>
             <a:endParaRPr lang="de-AT"/>
           </a:p>
@@ -4312,7 +6628,7 @@
           <a:p>
             <a:fld id="{BE535EDF-0F33-4B59-912F-68761F335446}" type="datetimeFigureOut">
               <a:rPr lang="de-AT" smtClean="0"/>
-              <a:t>04.06.2025</a:t>
+              <a:t>05.06.2025</a:t>
             </a:fld>
             <a:endParaRPr lang="de-AT"/>
           </a:p>
@@ -4366,7 +6682,7 @@
           <a:p>
             <a:fld id="{E8D95ED5-3281-41C0-A33B-86F183C313E5}" type="slidenum">
               <a:rPr lang="de-AT" smtClean="0"/>
-              <a:t>‹Nr.›</a:t>
+              <a:t>‹#›</a:t>
             </a:fld>
             <a:endParaRPr lang="de-AT"/>
           </a:p>
@@ -4625,7 +6941,7 @@
           <a:p>
             <a:fld id="{BE535EDF-0F33-4B59-912F-68761F335446}" type="datetimeFigureOut">
               <a:rPr lang="de-AT" smtClean="0"/>
-              <a:t>04.06.2025</a:t>
+              <a:t>05.06.2025</a:t>
             </a:fld>
             <a:endParaRPr lang="de-AT"/>
           </a:p>
@@ -4679,7 +6995,7 @@
           <a:p>
             <a:fld id="{E8D95ED5-3281-41C0-A33B-86F183C313E5}" type="slidenum">
               <a:rPr lang="de-AT" smtClean="0"/>
-              <a:t>‹Nr.›</a:t>
+              <a:t>‹#›</a:t>
             </a:fld>
             <a:endParaRPr lang="de-AT"/>
           </a:p>
@@ -4914,7 +7230,7 @@
           <a:p>
             <a:fld id="{BE535EDF-0F33-4B59-912F-68761F335446}" type="datetimeFigureOut">
               <a:rPr lang="de-AT" smtClean="0"/>
-              <a:t>04.06.2025</a:t>
+              <a:t>05.06.2025</a:t>
             </a:fld>
             <a:endParaRPr lang="de-AT"/>
           </a:p>
@@ -4968,7 +7284,7 @@
           <a:p>
             <a:fld id="{E8D95ED5-3281-41C0-A33B-86F183C313E5}" type="slidenum">
               <a:rPr lang="de-AT" smtClean="0"/>
-              <a:t>‹Nr.›</a:t>
+              <a:t>‹#›</a:t>
             </a:fld>
             <a:endParaRPr lang="de-AT"/>
           </a:p>
@@ -5157,7 +7473,7 @@
           <a:p>
             <a:fld id="{BE535EDF-0F33-4B59-912F-68761F335446}" type="datetimeFigureOut">
               <a:rPr lang="de-AT" smtClean="0"/>
-              <a:t>04.06.2025</a:t>
+              <a:t>05.06.2025</a:t>
             </a:fld>
             <a:endParaRPr lang="de-AT"/>
           </a:p>
@@ -5247,7 +7563,7 @@
           <a:p>
             <a:fld id="{E8D95ED5-3281-41C0-A33B-86F183C313E5}" type="slidenum">
               <a:rPr lang="de-AT" smtClean="0"/>
-              <a:t>‹Nr.›</a:t>
+              <a:t>‹#›</a:t>
             </a:fld>
             <a:endParaRPr lang="de-AT"/>
           </a:p>
@@ -5623,7 +7939,9 @@
         </p:nvSpPr>
         <p:spPr/>
         <p:txBody>
-          <a:bodyPr/>
+          <a:bodyPr>
+            <a:normAutofit lnSpcReduction="10000"/>
+          </a:bodyPr>
           <a:lstStyle/>
           <a:p>
             <a:r>
@@ -6962,7 +9280,202 @@
           <a:bodyPr/>
           <a:lstStyle/>
           <a:p>
-            <a:endParaRPr lang="de-AT"/>
+            <a:r>
+              <a:rPr lang="de-AT" dirty="0" err="1"/>
+              <a:t>DecisionTreeClassifier</a:t>
+            </a:r>
+            <a:r>
+              <a:rPr lang="de-AT" dirty="0"/>
+              <a:t> </a:t>
+            </a:r>
+            <a:r>
+              <a:rPr lang="de-AT" dirty="0" err="1"/>
+              <a:t>from</a:t>
+            </a:r>
+            <a:r>
+              <a:rPr lang="de-AT" dirty="0"/>
+              <a:t> </a:t>
+            </a:r>
+            <a:r>
+              <a:rPr lang="de-AT" dirty="0" err="1"/>
+              <a:t>sklearn</a:t>
+            </a:r>
+            <a:r>
+              <a:rPr lang="de-AT" dirty="0"/>
+              <a:t> was </a:t>
+            </a:r>
+            <a:r>
+              <a:rPr lang="de-AT" dirty="0" err="1"/>
+              <a:t>used</a:t>
+            </a:r>
+            <a:endParaRPr lang="de-AT" dirty="0"/>
+          </a:p>
+          <a:p>
+            <a:pPr lvl="1"/>
+            <a:r>
+              <a:rPr lang="de-AT" dirty="0"/>
+              <a:t>Different Hyperparameters </a:t>
+            </a:r>
+            <a:r>
+              <a:rPr lang="de-AT" dirty="0" err="1"/>
+              <a:t>were</a:t>
+            </a:r>
+            <a:r>
+              <a:rPr lang="de-AT" dirty="0"/>
+              <a:t> </a:t>
+            </a:r>
+            <a:r>
+              <a:rPr lang="de-AT" dirty="0" err="1"/>
+              <a:t>tested</a:t>
+            </a:r>
+            <a:r>
+              <a:rPr lang="de-AT" dirty="0"/>
+              <a:t> via </a:t>
+            </a:r>
+            <a:r>
+              <a:rPr lang="de-AT" dirty="0" err="1"/>
+              <a:t>grid</a:t>
+            </a:r>
+            <a:r>
+              <a:rPr lang="de-AT" dirty="0"/>
+              <a:t> </a:t>
+            </a:r>
+            <a:r>
+              <a:rPr lang="de-AT" dirty="0" err="1"/>
+              <a:t>approximation</a:t>
+            </a:r>
+            <a:endParaRPr lang="de-AT" dirty="0"/>
+          </a:p>
+          <a:p>
+            <a:r>
+              <a:rPr lang="de-AT" dirty="0" err="1"/>
+              <a:t>Holdout</a:t>
+            </a:r>
+            <a:r>
+              <a:rPr lang="de-AT" dirty="0"/>
+              <a:t>, k-</a:t>
+            </a:r>
+            <a:r>
+              <a:rPr lang="de-AT" dirty="0" err="1"/>
+              <a:t>Fold</a:t>
+            </a:r>
+            <a:r>
+              <a:rPr lang="de-AT" dirty="0"/>
+              <a:t> CV </a:t>
+            </a:r>
+            <a:r>
+              <a:rPr lang="de-AT" dirty="0" err="1"/>
+              <a:t>and</a:t>
+            </a:r>
+            <a:r>
+              <a:rPr lang="de-AT" dirty="0"/>
+              <a:t> Monte Carlo CV </a:t>
+            </a:r>
+            <a:r>
+              <a:rPr lang="de-AT" dirty="0" err="1"/>
+              <a:t>were</a:t>
+            </a:r>
+            <a:r>
+              <a:rPr lang="de-AT" dirty="0"/>
+              <a:t> </a:t>
+            </a:r>
+            <a:r>
+              <a:rPr lang="de-AT" dirty="0" err="1"/>
+              <a:t>compared</a:t>
+            </a:r>
+            <a:endParaRPr lang="de-AT" dirty="0"/>
+          </a:p>
+          <a:p>
+            <a:pPr lvl="1"/>
+            <a:r>
+              <a:rPr lang="de-AT" dirty="0" err="1"/>
+              <a:t>Very</a:t>
+            </a:r>
+            <a:r>
+              <a:rPr lang="de-AT" dirty="0"/>
+              <a:t> </a:t>
+            </a:r>
+            <a:r>
+              <a:rPr lang="de-AT" dirty="0" err="1"/>
+              <a:t>similar</a:t>
+            </a:r>
+            <a:r>
+              <a:rPr lang="de-AT" dirty="0"/>
+              <a:t> </a:t>
+            </a:r>
+            <a:r>
+              <a:rPr lang="de-AT" dirty="0" err="1"/>
+              <a:t>results</a:t>
+            </a:r>
+            <a:endParaRPr lang="de-AT" dirty="0"/>
+          </a:p>
+          <a:p>
+            <a:pPr lvl="1"/>
+            <a:r>
+              <a:rPr lang="de-AT" dirty="0"/>
+              <a:t>CV </a:t>
+            </a:r>
+            <a:r>
+              <a:rPr lang="de-AT" dirty="0" err="1"/>
+              <a:t>used</a:t>
+            </a:r>
+            <a:r>
+              <a:rPr lang="de-AT" dirty="0"/>
+              <a:t> </a:t>
+            </a:r>
+            <a:r>
+              <a:rPr lang="de-AT" dirty="0" err="1"/>
+              <a:t>since</a:t>
+            </a:r>
+            <a:r>
+              <a:rPr lang="de-AT" dirty="0"/>
+              <a:t> </a:t>
+            </a:r>
+            <a:r>
+              <a:rPr lang="de-AT" dirty="0" err="1"/>
+              <a:t>more</a:t>
+            </a:r>
+            <a:r>
+              <a:rPr lang="de-AT" dirty="0"/>
+              <a:t> </a:t>
+            </a:r>
+            <a:r>
+              <a:rPr lang="de-AT" dirty="0" err="1"/>
+              <a:t>of</a:t>
+            </a:r>
+            <a:r>
+              <a:rPr lang="de-AT" dirty="0"/>
+              <a:t> </a:t>
+            </a:r>
+            <a:r>
+              <a:rPr lang="de-AT" dirty="0" err="1"/>
+              <a:t>the</a:t>
+            </a:r>
+            <a:r>
+              <a:rPr lang="de-AT" dirty="0"/>
+              <a:t> </a:t>
+            </a:r>
+            <a:r>
+              <a:rPr lang="de-AT" dirty="0" err="1"/>
+              <a:t>data</a:t>
+            </a:r>
+            <a:r>
+              <a:rPr lang="de-AT" dirty="0"/>
+              <a:t> </a:t>
+            </a:r>
+            <a:r>
+              <a:rPr lang="de-AT" dirty="0" err="1"/>
+              <a:t>is</a:t>
+            </a:r>
+            <a:r>
+              <a:rPr lang="de-AT" dirty="0"/>
+              <a:t> </a:t>
+            </a:r>
+            <a:r>
+              <a:rPr lang="de-AT" dirty="0" err="1"/>
+              <a:t>tested</a:t>
+            </a:r>
+            <a:endParaRPr lang="de-AT" dirty="0"/>
           </a:p>
         </p:txBody>
       </p:sp>
@@ -6980,6 +9493,775 @@
 </file>
 
 <file path=ppt/slides/slide21.xml><?xml version="1.0" encoding="utf-8"?>
+<p:sld xmlns:a="http://schemas.openxmlformats.org/drawingml/2006/main" xmlns:r="http://schemas.openxmlformats.org/officeDocument/2006/relationships" xmlns:p="http://schemas.openxmlformats.org/presentationml/2006/main">
+  <p:cSld>
+    <p:spTree>
+      <p:nvGrpSpPr>
+        <p:cNvPr id="1" name="">
+          <a:extLst>
+            <a:ext uri="{FF2B5EF4-FFF2-40B4-BE49-F238E27FC236}">
+              <a16:creationId xmlns:a16="http://schemas.microsoft.com/office/drawing/2014/main" id="{6B5D8510-F580-0A79-1D03-A8574EA7D708}"/>
+            </a:ext>
+          </a:extLst>
+        </p:cNvPr>
+        <p:cNvGrpSpPr/>
+        <p:nvPr/>
+      </p:nvGrpSpPr>
+      <p:grpSpPr>
+        <a:xfrm>
+          <a:off x="0" y="0"/>
+          <a:ext cx="0" cy="0"/>
+          <a:chOff x="0" y="0"/>
+          <a:chExt cx="0" cy="0"/>
+        </a:xfrm>
+      </p:grpSpPr>
+      <p:sp>
+        <p:nvSpPr>
+          <p:cNvPr id="2" name="Titel 1">
+            <a:extLst>
+              <a:ext uri="{FF2B5EF4-FFF2-40B4-BE49-F238E27FC236}">
+                <a16:creationId xmlns:a16="http://schemas.microsoft.com/office/drawing/2014/main" id="{5C06ADAA-117F-3C72-AE0B-3EA3E8E736AE}"/>
+              </a:ext>
+            </a:extLst>
+          </p:cNvPr>
+          <p:cNvSpPr>
+            <a:spLocks noGrp="1"/>
+          </p:cNvSpPr>
+          <p:nvPr>
+            <p:ph type="title"/>
+          </p:nvPr>
+        </p:nvSpPr>
+        <p:spPr/>
+        <p:txBody>
+          <a:bodyPr/>
+          <a:lstStyle/>
+          <a:p>
+            <a:r>
+              <a:rPr lang="de-AT" dirty="0" err="1"/>
+              <a:t>Principal</a:t>
+            </a:r>
+            <a:r>
+              <a:rPr lang="de-AT" dirty="0"/>
+              <a:t> </a:t>
+            </a:r>
+            <a:r>
+              <a:rPr lang="de-AT" dirty="0" err="1"/>
+              <a:t>Component</a:t>
+            </a:r>
+            <a:r>
+              <a:rPr lang="de-AT" dirty="0"/>
+              <a:t> Analysis</a:t>
+            </a:r>
+          </a:p>
+        </p:txBody>
+      </p:sp>
+      <p:sp>
+        <p:nvSpPr>
+          <p:cNvPr id="3" name="Inhaltsplatzhalter 2">
+            <a:extLst>
+              <a:ext uri="{FF2B5EF4-FFF2-40B4-BE49-F238E27FC236}">
+                <a16:creationId xmlns:a16="http://schemas.microsoft.com/office/drawing/2014/main" id="{3649568B-9FA9-57D9-444E-7D90E3D7D097}"/>
+              </a:ext>
+            </a:extLst>
+          </p:cNvPr>
+          <p:cNvSpPr>
+            <a:spLocks noGrp="1"/>
+          </p:cNvSpPr>
+          <p:nvPr>
+            <p:ph idx="1"/>
+          </p:nvPr>
+        </p:nvSpPr>
+        <p:spPr/>
+        <p:txBody>
+          <a:bodyPr/>
+          <a:lstStyle/>
+          <a:p>
+            <a:r>
+              <a:rPr lang="de-AT" dirty="0" err="1"/>
+              <a:t>Resulted</a:t>
+            </a:r>
+            <a:r>
+              <a:rPr lang="de-AT" dirty="0"/>
+              <a:t> in </a:t>
+            </a:r>
+            <a:r>
+              <a:rPr lang="de-AT" dirty="0" err="1"/>
+              <a:t>major</a:t>
+            </a:r>
+            <a:r>
+              <a:rPr lang="de-AT" dirty="0"/>
+              <a:t> </a:t>
+            </a:r>
+            <a:r>
+              <a:rPr lang="de-AT" dirty="0" err="1"/>
+              <a:t>drop</a:t>
+            </a:r>
+            <a:r>
+              <a:rPr lang="de-AT" dirty="0"/>
+              <a:t> </a:t>
+            </a:r>
+            <a:r>
+              <a:rPr lang="de-AT" dirty="0" err="1"/>
+              <a:t>of</a:t>
+            </a:r>
+            <a:r>
+              <a:rPr lang="de-AT" dirty="0"/>
+              <a:t> </a:t>
+            </a:r>
+            <a:r>
+              <a:rPr lang="de-AT" dirty="0" err="1"/>
+              <a:t>performance</a:t>
+            </a:r>
+            <a:endParaRPr lang="de-AT" dirty="0"/>
+          </a:p>
+          <a:p>
+            <a:r>
+              <a:rPr lang="de-AT" dirty="0" err="1"/>
+              <a:t>Balanced</a:t>
+            </a:r>
+            <a:r>
+              <a:rPr lang="de-AT" dirty="0"/>
+              <a:t> </a:t>
+            </a:r>
+            <a:r>
+              <a:rPr lang="de-AT" dirty="0" err="1"/>
+              <a:t>Accuracy</a:t>
+            </a:r>
+            <a:r>
+              <a:rPr lang="de-AT" dirty="0"/>
+              <a:t> (</a:t>
+            </a:r>
+            <a:r>
+              <a:rPr lang="de-AT" dirty="0" err="1"/>
+              <a:t>with</a:t>
+            </a:r>
+            <a:r>
+              <a:rPr lang="de-AT" dirty="0"/>
+              <a:t> 12 </a:t>
+            </a:r>
+            <a:r>
+              <a:rPr lang="de-AT" dirty="0" err="1"/>
+              <a:t>features</a:t>
+            </a:r>
+            <a:r>
+              <a:rPr lang="de-AT" dirty="0"/>
+              <a:t>): 0.96</a:t>
+            </a:r>
+          </a:p>
+          <a:p>
+            <a:r>
+              <a:rPr lang="de-AT" dirty="0" err="1"/>
+              <a:t>Balanced</a:t>
+            </a:r>
+            <a:r>
+              <a:rPr lang="de-AT" dirty="0"/>
+              <a:t> </a:t>
+            </a:r>
+            <a:r>
+              <a:rPr lang="de-AT" dirty="0" err="1"/>
+              <a:t>Accuracy</a:t>
+            </a:r>
+            <a:r>
+              <a:rPr lang="de-AT" dirty="0"/>
+              <a:t> (</a:t>
+            </a:r>
+            <a:r>
+              <a:rPr lang="de-AT" dirty="0" err="1"/>
+              <a:t>with</a:t>
+            </a:r>
+            <a:r>
+              <a:rPr lang="de-AT" dirty="0"/>
+              <a:t> 12! PC): 0.88</a:t>
+            </a:r>
+          </a:p>
+          <a:p>
+            <a:pPr lvl="1"/>
+            <a:r>
+              <a:rPr lang="de-AT" dirty="0"/>
+              <a:t>11 </a:t>
+            </a:r>
+            <a:r>
+              <a:rPr lang="de-AT" dirty="0" err="1"/>
+              <a:t>PC‘s</a:t>
+            </a:r>
+            <a:r>
+              <a:rPr lang="de-AT" dirty="0"/>
+              <a:t>: 0.86</a:t>
+            </a:r>
+          </a:p>
+          <a:p>
+            <a:pPr lvl="1"/>
+            <a:r>
+              <a:rPr lang="de-AT" dirty="0"/>
+              <a:t>10 </a:t>
+            </a:r>
+            <a:r>
+              <a:rPr lang="de-AT" dirty="0" err="1"/>
+              <a:t>PC‘s</a:t>
+            </a:r>
+            <a:r>
+              <a:rPr lang="de-AT" dirty="0"/>
+              <a:t>: 0.85</a:t>
+            </a:r>
+          </a:p>
+          <a:p>
+            <a:pPr lvl="1"/>
+            <a:r>
+              <a:rPr lang="de-AT" dirty="0"/>
+              <a:t>09 </a:t>
+            </a:r>
+            <a:r>
+              <a:rPr lang="de-AT" dirty="0" err="1"/>
+              <a:t>PC‘s</a:t>
+            </a:r>
+            <a:r>
+              <a:rPr lang="de-AT" dirty="0"/>
+              <a:t>: 0.82</a:t>
+            </a:r>
+          </a:p>
+          <a:p>
+            <a:pPr lvl="1"/>
+            <a:endParaRPr lang="de-AT" dirty="0"/>
+          </a:p>
+          <a:p>
+            <a:endParaRPr lang="de-AT" dirty="0"/>
+          </a:p>
+        </p:txBody>
+      </p:sp>
+      <p:pic>
+        <p:nvPicPr>
+          <p:cNvPr id="4" name="Grafik 3"/>
+          <p:cNvPicPr>
+            <a:picLocks noChangeAspect="1"/>
+          </p:cNvPicPr>
+          <p:nvPr/>
+        </p:nvPicPr>
+        <p:blipFill>
+          <a:blip r:embed="rId3"/>
+          <a:stretch>
+            <a:fillRect/>
+          </a:stretch>
+        </p:blipFill>
+        <p:spPr>
+          <a:xfrm>
+            <a:off x="4283082" y="3293942"/>
+            <a:ext cx="5240060" cy="3311860"/>
+          </a:xfrm>
+          <a:prstGeom prst="rect">
+            <a:avLst/>
+          </a:prstGeom>
+        </p:spPr>
+      </p:pic>
+    </p:spTree>
+    <p:extLst>
+      <p:ext uri="{BB962C8B-B14F-4D97-AF65-F5344CB8AC3E}">
+        <p14:creationId xmlns:p14="http://schemas.microsoft.com/office/powerpoint/2010/main" val="3083824319"/>
+      </p:ext>
+    </p:extLst>
+  </p:cSld>
+  <p:clrMapOvr>
+    <a:masterClrMapping/>
+  </p:clrMapOvr>
+</p:sld>
+</file>
+
+<file path=ppt/slides/slide22.xml><?xml version="1.0" encoding="utf-8"?>
+<p:sld xmlns:a="http://schemas.openxmlformats.org/drawingml/2006/main" xmlns:r="http://schemas.openxmlformats.org/officeDocument/2006/relationships" xmlns:p="http://schemas.openxmlformats.org/presentationml/2006/main">
+  <p:cSld>
+    <p:spTree>
+      <p:nvGrpSpPr>
+        <p:cNvPr id="1" name="">
+          <a:extLst>
+            <a:ext uri="{FF2B5EF4-FFF2-40B4-BE49-F238E27FC236}">
+              <a16:creationId xmlns:a16="http://schemas.microsoft.com/office/drawing/2014/main" id="{6B5D8510-F580-0A79-1D03-A8574EA7D708}"/>
+            </a:ext>
+          </a:extLst>
+        </p:cNvPr>
+        <p:cNvGrpSpPr/>
+        <p:nvPr/>
+      </p:nvGrpSpPr>
+      <p:grpSpPr>
+        <a:xfrm>
+          <a:off x="0" y="0"/>
+          <a:ext cx="0" cy="0"/>
+          <a:chOff x="0" y="0"/>
+          <a:chExt cx="0" cy="0"/>
+        </a:xfrm>
+      </p:grpSpPr>
+      <p:sp>
+        <p:nvSpPr>
+          <p:cNvPr id="2" name="Titel 1">
+            <a:extLst>
+              <a:ext uri="{FF2B5EF4-FFF2-40B4-BE49-F238E27FC236}">
+                <a16:creationId xmlns:a16="http://schemas.microsoft.com/office/drawing/2014/main" id="{5C06ADAA-117F-3C72-AE0B-3EA3E8E736AE}"/>
+              </a:ext>
+            </a:extLst>
+          </p:cNvPr>
+          <p:cNvSpPr>
+            <a:spLocks noGrp="1"/>
+          </p:cNvSpPr>
+          <p:nvPr>
+            <p:ph type="title"/>
+          </p:nvPr>
+        </p:nvSpPr>
+        <p:spPr/>
+        <p:txBody>
+          <a:bodyPr/>
+          <a:lstStyle/>
+          <a:p>
+            <a:r>
+              <a:rPr lang="de-AT" dirty="0"/>
+              <a:t>Feature </a:t>
+            </a:r>
+            <a:r>
+              <a:rPr lang="de-AT" dirty="0" err="1"/>
+              <a:t>Selection</a:t>
+            </a:r>
+            <a:endParaRPr lang="de-AT" dirty="0"/>
+          </a:p>
+        </p:txBody>
+      </p:sp>
+      <p:sp>
+        <p:nvSpPr>
+          <p:cNvPr id="3" name="Inhaltsplatzhalter 2">
+            <a:extLst>
+              <a:ext uri="{FF2B5EF4-FFF2-40B4-BE49-F238E27FC236}">
+                <a16:creationId xmlns:a16="http://schemas.microsoft.com/office/drawing/2014/main" id="{3649568B-9FA9-57D9-444E-7D90E3D7D097}"/>
+              </a:ext>
+            </a:extLst>
+          </p:cNvPr>
+          <p:cNvSpPr>
+            <a:spLocks noGrp="1"/>
+          </p:cNvSpPr>
+          <p:nvPr>
+            <p:ph idx="1"/>
+          </p:nvPr>
+        </p:nvSpPr>
+        <p:spPr/>
+        <p:txBody>
+          <a:bodyPr/>
+          <a:lstStyle/>
+          <a:p>
+            <a:r>
+              <a:rPr lang="de-AT" dirty="0" err="1"/>
+              <a:t>Various</a:t>
+            </a:r>
+            <a:r>
+              <a:rPr lang="de-AT" dirty="0"/>
+              <a:t> </a:t>
+            </a:r>
+            <a:r>
+              <a:rPr lang="de-AT" dirty="0" err="1"/>
+              <a:t>features</a:t>
+            </a:r>
+            <a:r>
+              <a:rPr lang="de-AT" dirty="0"/>
+              <a:t> </a:t>
+            </a:r>
+            <a:r>
+              <a:rPr lang="de-AT" dirty="0" err="1"/>
+              <a:t>were</a:t>
+            </a:r>
+            <a:r>
+              <a:rPr lang="de-AT" dirty="0"/>
+              <a:t> </a:t>
+            </a:r>
+            <a:r>
+              <a:rPr lang="de-AT" dirty="0" err="1"/>
+              <a:t>dropped</a:t>
+            </a:r>
+            <a:r>
+              <a:rPr lang="de-AT" dirty="0"/>
+              <a:t> </a:t>
+            </a:r>
+            <a:r>
+              <a:rPr lang="de-AT" dirty="0" err="1"/>
+              <a:t>until</a:t>
+            </a:r>
+            <a:r>
+              <a:rPr lang="de-AT" dirty="0"/>
+              <a:t> </a:t>
+            </a:r>
+            <a:r>
+              <a:rPr lang="de-AT" dirty="0" err="1"/>
+              <a:t>only</a:t>
+            </a:r>
+            <a:r>
+              <a:rPr lang="de-AT" dirty="0"/>
+              <a:t> </a:t>
+            </a:r>
+            <a:r>
+              <a:rPr lang="de-AT" dirty="0" err="1"/>
+              <a:t>health</a:t>
+            </a:r>
+            <a:r>
+              <a:rPr lang="de-AT" dirty="0"/>
+              <a:t> </a:t>
+            </a:r>
+            <a:r>
+              <a:rPr lang="de-AT" dirty="0" err="1"/>
+              <a:t>related</a:t>
+            </a:r>
+            <a:r>
+              <a:rPr lang="de-AT" dirty="0"/>
+              <a:t> </a:t>
+            </a:r>
+            <a:r>
+              <a:rPr lang="de-AT" dirty="0" err="1"/>
+              <a:t>data</a:t>
+            </a:r>
+            <a:r>
+              <a:rPr lang="de-AT" dirty="0"/>
+              <a:t> was </a:t>
+            </a:r>
+            <a:r>
+              <a:rPr lang="de-AT" dirty="0" err="1"/>
+              <a:t>left</a:t>
+            </a:r>
+            <a:endParaRPr lang="de-AT" dirty="0"/>
+          </a:p>
+          <a:p>
+            <a:pPr lvl="1"/>
+            <a:r>
+              <a:rPr lang="de-AT" dirty="0"/>
+              <a:t>Development </a:t>
+            </a:r>
+            <a:r>
+              <a:rPr lang="de-AT" dirty="0" err="1"/>
+              <a:t>status</a:t>
+            </a:r>
+            <a:r>
+              <a:rPr lang="de-AT" dirty="0"/>
+              <a:t> </a:t>
+            </a:r>
+            <a:r>
+              <a:rPr lang="de-AT" dirty="0" err="1"/>
+              <a:t>of</a:t>
+            </a:r>
+            <a:r>
+              <a:rPr lang="de-AT" dirty="0"/>
+              <a:t> </a:t>
+            </a:r>
+            <a:r>
+              <a:rPr lang="de-AT" dirty="0" err="1"/>
+              <a:t>economy</a:t>
+            </a:r>
+            <a:r>
+              <a:rPr lang="de-AT" dirty="0"/>
+              <a:t>:</a:t>
+            </a:r>
+          </a:p>
+          <a:p>
+            <a:pPr lvl="2"/>
+            <a:r>
+              <a:rPr lang="de-AT" dirty="0" err="1"/>
+              <a:t>Africa</a:t>
+            </a:r>
+            <a:r>
+              <a:rPr lang="de-AT" dirty="0"/>
+              <a:t> </a:t>
+            </a:r>
+            <a:r>
+              <a:rPr lang="de-AT" dirty="0" err="1"/>
+              <a:t>and</a:t>
+            </a:r>
+            <a:r>
+              <a:rPr lang="de-AT" dirty="0"/>
+              <a:t> South </a:t>
+            </a:r>
+            <a:r>
+              <a:rPr lang="de-AT" dirty="0" err="1"/>
+              <a:t>America</a:t>
+            </a:r>
+            <a:r>
+              <a:rPr lang="de-AT" dirty="0"/>
+              <a:t> </a:t>
+            </a:r>
+            <a:r>
+              <a:rPr lang="de-AT" dirty="0" err="1"/>
+              <a:t>improved</a:t>
+            </a:r>
+            <a:endParaRPr lang="de-AT" dirty="0"/>
+          </a:p>
+          <a:p>
+            <a:pPr lvl="2"/>
+            <a:r>
+              <a:rPr lang="en-US" dirty="0"/>
+              <a:t>European Union and Rest of Europe got worse</a:t>
+            </a:r>
+          </a:p>
+          <a:p>
+            <a:pPr marL="914400" lvl="2" indent="0">
+              <a:buNone/>
+            </a:pPr>
+            <a:r>
+              <a:rPr lang="en-US" dirty="0"/>
+              <a:t>-&gt; Regions where the economy status is the same benefit from dropping</a:t>
+            </a:r>
+          </a:p>
+          <a:p>
+            <a:pPr marL="914400" lvl="2" indent="0">
+              <a:buNone/>
+            </a:pPr>
+            <a:r>
+              <a:rPr lang="en-US" dirty="0"/>
+              <a:t>-&gt; Europe has </a:t>
+            </a:r>
+            <a:r>
+              <a:rPr lang="en-US" dirty="0" err="1"/>
+              <a:t>differenty</a:t>
+            </a:r>
+            <a:r>
+              <a:rPr lang="en-US" dirty="0"/>
+              <a:t> developed countries</a:t>
+            </a:r>
+            <a:endParaRPr lang="de-AT" dirty="0"/>
+          </a:p>
+        </p:txBody>
+      </p:sp>
+    </p:spTree>
+    <p:extLst>
+      <p:ext uri="{BB962C8B-B14F-4D97-AF65-F5344CB8AC3E}">
+        <p14:creationId xmlns:p14="http://schemas.microsoft.com/office/powerpoint/2010/main" val="2873168993"/>
+      </p:ext>
+    </p:extLst>
+  </p:cSld>
+  <p:clrMapOvr>
+    <a:masterClrMapping/>
+  </p:clrMapOvr>
+</p:sld>
+</file>
+
+<file path=ppt/slides/slide23.xml><?xml version="1.0" encoding="utf-8"?>
+<p:sld xmlns:a="http://schemas.openxmlformats.org/drawingml/2006/main" xmlns:r="http://schemas.openxmlformats.org/officeDocument/2006/relationships" xmlns:p="http://schemas.openxmlformats.org/presentationml/2006/main">
+  <p:cSld>
+    <p:spTree>
+      <p:nvGrpSpPr>
+        <p:cNvPr id="1" name=""/>
+        <p:cNvGrpSpPr/>
+        <p:nvPr/>
+      </p:nvGrpSpPr>
+      <p:grpSpPr>
+        <a:xfrm>
+          <a:off x="0" y="0"/>
+          <a:ext cx="0" cy="0"/>
+          <a:chOff x="0" y="0"/>
+          <a:chExt cx="0" cy="0"/>
+        </a:xfrm>
+      </p:grpSpPr>
+      <p:sp>
+        <p:nvSpPr>
+          <p:cNvPr id="2" name="Titel 1"/>
+          <p:cNvSpPr>
+            <a:spLocks noGrp="1"/>
+          </p:cNvSpPr>
+          <p:nvPr>
+            <p:ph type="title"/>
+          </p:nvPr>
+        </p:nvSpPr>
+        <p:spPr/>
+        <p:txBody>
+          <a:bodyPr/>
+          <a:lstStyle/>
+          <a:p>
+            <a:r>
+              <a:rPr lang="de-AT" dirty="0"/>
+              <a:t>Most </a:t>
+            </a:r>
+            <a:r>
+              <a:rPr lang="de-AT" dirty="0" err="1"/>
+              <a:t>important</a:t>
+            </a:r>
+            <a:r>
+              <a:rPr lang="de-AT" dirty="0"/>
+              <a:t> </a:t>
+            </a:r>
+            <a:r>
+              <a:rPr lang="de-AT" dirty="0" err="1"/>
+              <a:t>features</a:t>
+            </a:r>
+            <a:endParaRPr lang="de-AT" dirty="0"/>
+          </a:p>
+        </p:txBody>
+      </p:sp>
+      <p:sp>
+        <p:nvSpPr>
+          <p:cNvPr id="3" name="Inhaltsplatzhalter 2"/>
+          <p:cNvSpPr>
+            <a:spLocks noGrp="1"/>
+          </p:cNvSpPr>
+          <p:nvPr>
+            <p:ph idx="1"/>
+          </p:nvPr>
+        </p:nvSpPr>
+        <p:spPr/>
+        <p:txBody>
+          <a:bodyPr/>
+          <a:lstStyle/>
+          <a:p>
+            <a:endParaRPr lang="de-AT" dirty="0"/>
+          </a:p>
+        </p:txBody>
+      </p:sp>
+      <p:pic>
+        <p:nvPicPr>
+          <p:cNvPr id="4" name="Grafik 3"/>
+          <p:cNvPicPr>
+            <a:picLocks noChangeAspect="1"/>
+          </p:cNvPicPr>
+          <p:nvPr/>
+        </p:nvPicPr>
+        <p:blipFill>
+          <a:blip r:embed="rId3"/>
+          <a:stretch>
+            <a:fillRect/>
+          </a:stretch>
+        </p:blipFill>
+        <p:spPr>
+          <a:xfrm>
+            <a:off x="2261007" y="1896397"/>
+            <a:ext cx="6987829" cy="4209793"/>
+          </a:xfrm>
+          <a:prstGeom prst="rect">
+            <a:avLst/>
+          </a:prstGeom>
+        </p:spPr>
+      </p:pic>
+    </p:spTree>
+    <p:extLst>
+      <p:ext uri="{BB962C8B-B14F-4D97-AF65-F5344CB8AC3E}">
+        <p14:creationId xmlns:p14="http://schemas.microsoft.com/office/powerpoint/2010/main" val="2704706573"/>
+      </p:ext>
+    </p:extLst>
+  </p:cSld>
+  <p:clrMapOvr>
+    <a:masterClrMapping/>
+  </p:clrMapOvr>
+</p:sld>
+</file>
+
+<file path=ppt/slides/slide24.xml><?xml version="1.0" encoding="utf-8"?>
+<p:sld xmlns:a="http://schemas.openxmlformats.org/drawingml/2006/main" xmlns:r="http://schemas.openxmlformats.org/officeDocument/2006/relationships" xmlns:p="http://schemas.openxmlformats.org/presentationml/2006/main">
+  <p:cSld>
+    <p:spTree>
+      <p:nvGrpSpPr>
+        <p:cNvPr id="1" name="">
+          <a:extLst>
+            <a:ext uri="{FF2B5EF4-FFF2-40B4-BE49-F238E27FC236}">
+              <a16:creationId xmlns:a16="http://schemas.microsoft.com/office/drawing/2014/main" id="{6B5D8510-F580-0A79-1D03-A8574EA7D708}"/>
+            </a:ext>
+          </a:extLst>
+        </p:cNvPr>
+        <p:cNvGrpSpPr/>
+        <p:nvPr/>
+      </p:nvGrpSpPr>
+      <p:grpSpPr>
+        <a:xfrm>
+          <a:off x="0" y="0"/>
+          <a:ext cx="0" cy="0"/>
+          <a:chOff x="0" y="0"/>
+          <a:chExt cx="0" cy="0"/>
+        </a:xfrm>
+      </p:grpSpPr>
+      <p:sp>
+        <p:nvSpPr>
+          <p:cNvPr id="2" name="Titel 1">
+            <a:extLst>
+              <a:ext uri="{FF2B5EF4-FFF2-40B4-BE49-F238E27FC236}">
+                <a16:creationId xmlns:a16="http://schemas.microsoft.com/office/drawing/2014/main" id="{5C06ADAA-117F-3C72-AE0B-3EA3E8E736AE}"/>
+              </a:ext>
+            </a:extLst>
+          </p:cNvPr>
+          <p:cNvSpPr>
+            <a:spLocks noGrp="1"/>
+          </p:cNvSpPr>
+          <p:nvPr>
+            <p:ph type="title"/>
+          </p:nvPr>
+        </p:nvSpPr>
+        <p:spPr/>
+        <p:txBody>
+          <a:bodyPr/>
+          <a:lstStyle/>
+          <a:p>
+            <a:r>
+              <a:rPr lang="de-AT" dirty="0" err="1"/>
+              <a:t>Results</a:t>
+            </a:r>
+            <a:r>
+              <a:rPr lang="de-AT" dirty="0"/>
+              <a:t> Final Model</a:t>
+            </a:r>
+          </a:p>
+        </p:txBody>
+      </p:sp>
+      <p:sp>
+        <p:nvSpPr>
+          <p:cNvPr id="3" name="Inhaltsplatzhalter 2">
+            <a:extLst>
+              <a:ext uri="{FF2B5EF4-FFF2-40B4-BE49-F238E27FC236}">
+                <a16:creationId xmlns:a16="http://schemas.microsoft.com/office/drawing/2014/main" id="{3649568B-9FA9-57D9-444E-7D90E3D7D097}"/>
+              </a:ext>
+            </a:extLst>
+          </p:cNvPr>
+          <p:cNvSpPr>
+            <a:spLocks noGrp="1"/>
+          </p:cNvSpPr>
+          <p:nvPr>
+            <p:ph idx="1"/>
+          </p:nvPr>
+        </p:nvSpPr>
+        <p:spPr/>
+        <p:txBody>
+          <a:bodyPr/>
+          <a:lstStyle/>
+          <a:p>
+            <a:pPr lvl="1"/>
+            <a:endParaRPr lang="de-AT" dirty="0"/>
+          </a:p>
+          <a:p>
+            <a:endParaRPr lang="de-AT" dirty="0"/>
+          </a:p>
+        </p:txBody>
+      </p:sp>
+      <p:pic>
+        <p:nvPicPr>
+          <p:cNvPr id="4" name="Grafik 3"/>
+          <p:cNvPicPr>
+            <a:picLocks noChangeAspect="1"/>
+          </p:cNvPicPr>
+          <p:nvPr/>
+        </p:nvPicPr>
+        <p:blipFill>
+          <a:blip r:embed="rId3"/>
+          <a:stretch>
+            <a:fillRect/>
+          </a:stretch>
+        </p:blipFill>
+        <p:spPr>
+          <a:xfrm>
+            <a:off x="931214" y="1411908"/>
+            <a:ext cx="8458112" cy="5013301"/>
+          </a:xfrm>
+          <a:prstGeom prst="rect">
+            <a:avLst/>
+          </a:prstGeom>
+        </p:spPr>
+      </p:pic>
+    </p:spTree>
+    <p:extLst>
+      <p:ext uri="{BB962C8B-B14F-4D97-AF65-F5344CB8AC3E}">
+        <p14:creationId xmlns:p14="http://schemas.microsoft.com/office/powerpoint/2010/main" val="3480359031"/>
+      </p:ext>
+    </p:extLst>
+  </p:cSld>
+  <p:clrMapOvr>
+    <a:masterClrMapping/>
+  </p:clrMapOvr>
+</p:sld>
+</file>
+
+<file path=ppt/slides/slide25.xml><?xml version="1.0" encoding="utf-8"?>
 <p:sld xmlns:a="http://schemas.openxmlformats.org/drawingml/2006/main" xmlns:r="http://schemas.openxmlformats.org/officeDocument/2006/relationships" xmlns:p="http://schemas.openxmlformats.org/presentationml/2006/main">
   <p:cSld>
     <p:spTree>
@@ -7004,46 +10286,61 @@
       </p:grpSpPr>
       <p:sp>
         <p:nvSpPr>
-          <p:cNvPr id="2" name="Titel 1">
-            <a:extLst>
-              <a:ext uri="{FF2B5EF4-FFF2-40B4-BE49-F238E27FC236}">
-                <a16:creationId xmlns:a16="http://schemas.microsoft.com/office/drawing/2014/main" id="{C7E3E6E2-45DD-9A23-6CF1-0558B9A44BFE}"/>
-              </a:ext>
-            </a:extLst>
-          </p:cNvPr>
+          <p:cNvPr id="3" name="Inhaltsplatzhalter 2">
+            <a:extLst>
+              <a:ext uri="{FF2B5EF4-FFF2-40B4-BE49-F238E27FC236}">
+                <a16:creationId xmlns:a16="http://schemas.microsoft.com/office/drawing/2014/main" id="{D17AB9E0-B6DF-64CE-E427-F4DB4DE62D7F}"/>
+              </a:ext>
+            </a:extLst>
+          </p:cNvPr>
+          <p:cNvSpPr>
+            <a:spLocks noGrp="1"/>
+          </p:cNvSpPr>
+          <p:nvPr>
+            <p:ph idx="1"/>
+          </p:nvPr>
+        </p:nvSpPr>
+        <p:spPr/>
+        <p:txBody>
+          <a:bodyPr/>
+          <a:lstStyle/>
+          <a:p>
+            <a:endParaRPr lang="de-AT" dirty="0"/>
+          </a:p>
+        </p:txBody>
+      </p:sp>
+      <p:pic>
+        <p:nvPicPr>
+          <p:cNvPr id="4" name="Grafik 3"/>
+          <p:cNvPicPr>
+            <a:picLocks noChangeAspect="1"/>
+          </p:cNvPicPr>
+          <p:nvPr/>
+        </p:nvPicPr>
+        <p:blipFill>
+          <a:blip r:embed="rId3"/>
+          <a:stretch>
+            <a:fillRect/>
+          </a:stretch>
+        </p:blipFill>
+        <p:spPr>
+          <a:xfrm>
+            <a:off x="2031381" y="40995"/>
+            <a:ext cx="7190678" cy="6817005"/>
+          </a:xfrm>
+          <a:prstGeom prst="rect">
+            <a:avLst/>
+          </a:prstGeom>
+        </p:spPr>
+      </p:pic>
+      <p:sp>
+        <p:nvSpPr>
+          <p:cNvPr id="5" name="Titel 4"/>
           <p:cNvSpPr>
             <a:spLocks noGrp="1"/>
           </p:cNvSpPr>
           <p:nvPr>
             <p:ph type="title"/>
-          </p:nvPr>
-        </p:nvSpPr>
-        <p:spPr/>
-        <p:txBody>
-          <a:bodyPr/>
-          <a:lstStyle/>
-          <a:p>
-            <a:r>
-              <a:rPr lang="de-AT" dirty="0"/>
-              <a:t>Clustering</a:t>
-            </a:r>
-          </a:p>
-        </p:txBody>
-      </p:sp>
-      <p:sp>
-        <p:nvSpPr>
-          <p:cNvPr id="3" name="Inhaltsplatzhalter 2">
-            <a:extLst>
-              <a:ext uri="{FF2B5EF4-FFF2-40B4-BE49-F238E27FC236}">
-                <a16:creationId xmlns:a16="http://schemas.microsoft.com/office/drawing/2014/main" id="{D17AB9E0-B6DF-64CE-E427-F4DB4DE62D7F}"/>
-              </a:ext>
-            </a:extLst>
-          </p:cNvPr>
-          <p:cNvSpPr>
-            <a:spLocks noGrp="1"/>
-          </p:cNvSpPr>
-          <p:nvPr>
-            <p:ph idx="1"/>
           </p:nvPr>
         </p:nvSpPr>
         <p:spPr/>
@@ -7068,18 +10365,12 @@
 </p:sld>
 </file>
 
-<file path=ppt/slides/slide22.xml><?xml version="1.0" encoding="utf-8"?>
+<file path=ppt/slides/slide26.xml><?xml version="1.0" encoding="utf-8"?>
 <p:sld xmlns:a="http://schemas.openxmlformats.org/drawingml/2006/main" xmlns:r="http://schemas.openxmlformats.org/officeDocument/2006/relationships" xmlns:p="http://schemas.openxmlformats.org/presentationml/2006/main">
   <p:cSld>
     <p:spTree>
       <p:nvGrpSpPr>
-        <p:cNvPr id="1" name="">
-          <a:extLst>
-            <a:ext uri="{FF2B5EF4-FFF2-40B4-BE49-F238E27FC236}">
-              <a16:creationId xmlns:a16="http://schemas.microsoft.com/office/drawing/2014/main" id="{4B18B721-9BFC-744E-883E-B3E32E8BE4C3}"/>
-            </a:ext>
-          </a:extLst>
-        </p:cNvPr>
+        <p:cNvPr id="1" name=""/>
         <p:cNvGrpSpPr/>
         <p:nvPr/>
       </p:nvGrpSpPr>
@@ -7093,10 +10384,10 @@
       </p:grpSpPr>
       <p:sp>
         <p:nvSpPr>
-          <p:cNvPr id="2" name="Titel 1">
-            <a:extLst>
-              <a:ext uri="{FF2B5EF4-FFF2-40B4-BE49-F238E27FC236}">
-                <a16:creationId xmlns:a16="http://schemas.microsoft.com/office/drawing/2014/main" id="{CB24CB05-1090-5927-4CE5-D110E26AF0E5}"/>
+          <p:cNvPr id="2" name="Title 1">
+            <a:extLst>
+              <a:ext uri="{FF2B5EF4-FFF2-40B4-BE49-F238E27FC236}">
+                <a16:creationId xmlns:a16="http://schemas.microsoft.com/office/drawing/2014/main" id="{D2304D29-2414-FBEB-DFDE-6ECBE4FA738A}"/>
               </a:ext>
             </a:extLst>
           </p:cNvPr>
@@ -7113,49 +10404,130 @@
           <a:lstStyle/>
           <a:p>
             <a:r>
-              <a:rPr lang="de-AT" dirty="0"/>
-              <a:t>Key </a:t>
-            </a:r>
-            <a:r>
-              <a:rPr lang="de-AT" dirty="0" err="1"/>
-              <a:t>Insights</a:t>
-            </a:r>
-            <a:r>
-              <a:rPr lang="de-AT" dirty="0"/>
-              <a:t> </a:t>
-            </a:r>
-          </a:p>
-        </p:txBody>
-      </p:sp>
-      <p:sp>
-        <p:nvSpPr>
-          <p:cNvPr id="3" name="Inhaltsplatzhalter 2">
-            <a:extLst>
-              <a:ext uri="{FF2B5EF4-FFF2-40B4-BE49-F238E27FC236}">
-                <a16:creationId xmlns:a16="http://schemas.microsoft.com/office/drawing/2014/main" id="{C6EA153C-E240-6400-81EF-0691E0D47AD5}"/>
-              </a:ext>
-            </a:extLst>
-          </p:cNvPr>
-          <p:cNvSpPr>
-            <a:spLocks noGrp="1"/>
-          </p:cNvSpPr>
+              <a:rPr lang="en-US" dirty="0"/>
+              <a:t>Clustering</a:t>
+            </a:r>
+          </a:p>
+        </p:txBody>
+      </p:sp>
+      <p:pic>
+        <p:nvPicPr>
+          <p:cNvPr id="4" name="Content Placeholder 3">
+            <a:extLst>
+              <a:ext uri="{FF2B5EF4-FFF2-40B4-BE49-F238E27FC236}">
+                <a16:creationId xmlns:a16="http://schemas.microsoft.com/office/drawing/2014/main" id="{2395B0ED-1E1F-6FB2-B364-43DCDC8C7C63}"/>
+              </a:ext>
+            </a:extLst>
+          </p:cNvPr>
+          <p:cNvPicPr>
+            <a:picLocks noGrp="1" noChangeAspect="1"/>
+          </p:cNvPicPr>
           <p:nvPr>
             <p:ph idx="1"/>
           </p:nvPr>
-        </p:nvSpPr>
-        <p:spPr/>
-        <p:txBody>
-          <a:bodyPr/>
-          <a:lstStyle/>
-          <a:p>
-            <a:endParaRPr lang="de-AT"/>
-          </a:p>
-        </p:txBody>
-      </p:sp>
+        </p:nvPicPr>
+        <p:blipFill>
+          <a:blip r:embed="rId2"/>
+          <a:stretch>
+            <a:fillRect/>
+          </a:stretch>
+        </p:blipFill>
+        <p:spPr>
+          <a:xfrm>
+            <a:off x="5982449" y="284748"/>
+            <a:ext cx="4772527" cy="2860635"/>
+          </a:xfrm>
+        </p:spPr>
+      </p:pic>
+      <p:sp>
+        <p:nvSpPr>
+          <p:cNvPr id="6" name="TextBox 5">
+            <a:extLst>
+              <a:ext uri="{FF2B5EF4-FFF2-40B4-BE49-F238E27FC236}">
+                <a16:creationId xmlns:a16="http://schemas.microsoft.com/office/drawing/2014/main" id="{5AB42C6B-4A58-BF15-CDEA-B0330CD147E0}"/>
+              </a:ext>
+            </a:extLst>
+          </p:cNvPr>
+          <p:cNvSpPr txBox="1"/>
+          <p:nvPr/>
+        </p:nvSpPr>
+        <p:spPr>
+          <a:xfrm>
+            <a:off x="282669" y="2550911"/>
+            <a:ext cx="4501815" cy="1754326"/>
+          </a:xfrm>
+          <a:prstGeom prst="rect">
+            <a:avLst/>
+          </a:prstGeom>
+          <a:noFill/>
+        </p:spPr>
+        <p:txBody>
+          <a:bodyPr rot="0" spcFirstLastPara="0" vertOverflow="overflow" horzOverflow="overflow" vert="horz" wrap="square" lIns="91440" tIns="45720" rIns="91440" bIns="45720" numCol="1" spcCol="0" rtlCol="0" fromWordArt="0" anchor="t" anchorCtr="0" forceAA="0" compatLnSpc="1">
+            <a:prstTxWarp prst="textNoShape">
+              <a:avLst/>
+            </a:prstTxWarp>
+            <a:spAutoFit/>
+          </a:bodyPr>
+          <a:lstStyle/>
+          <a:p>
+            <a:pPr marL="285750" indent="-285750">
+              <a:buFont typeface="Arial"/>
+              <a:buChar char="•"/>
+            </a:pPr>
+            <a:r>
+              <a:rPr lang="en-US" dirty="0"/>
+              <a:t>Started with clustering to replicate country regions using socio-health indicators</a:t>
+            </a:r>
+          </a:p>
+          <a:p>
+            <a:endParaRPr lang="en-US" dirty="0"/>
+          </a:p>
+          <a:p>
+            <a:pPr marL="285750" indent="-285750">
+              <a:buFont typeface="Arial"/>
+              <a:buChar char="•"/>
+            </a:pPr>
+            <a:r>
+              <a:rPr lang="en-US" dirty="0"/>
+              <a:t>Shifted focus toward discovering structural similarities between countries</a:t>
+            </a:r>
+          </a:p>
+        </p:txBody>
+      </p:sp>
+      <p:pic>
+        <p:nvPicPr>
+          <p:cNvPr id="3" name="Picture 2">
+            <a:extLst>
+              <a:ext uri="{FF2B5EF4-FFF2-40B4-BE49-F238E27FC236}">
+                <a16:creationId xmlns:a16="http://schemas.microsoft.com/office/drawing/2014/main" id="{7263475E-B00E-0BDD-B7A9-ED1E556A24D5}"/>
+              </a:ext>
+            </a:extLst>
+          </p:cNvPr>
+          <p:cNvPicPr>
+            <a:picLocks noChangeAspect="1"/>
+          </p:cNvPicPr>
+          <p:nvPr/>
+        </p:nvPicPr>
+        <p:blipFill>
+          <a:blip r:embed="rId3"/>
+          <a:stretch>
+            <a:fillRect/>
+          </a:stretch>
+        </p:blipFill>
+        <p:spPr>
+          <a:xfrm>
+            <a:off x="5044081" y="3549310"/>
+            <a:ext cx="6109035" cy="2585787"/>
+          </a:xfrm>
+          <a:prstGeom prst="rect">
+            <a:avLst/>
+          </a:prstGeom>
+        </p:spPr>
+      </p:pic>
     </p:spTree>
     <p:extLst>
       <p:ext uri="{BB962C8B-B14F-4D97-AF65-F5344CB8AC3E}">
-        <p14:creationId xmlns:p14="http://schemas.microsoft.com/office/powerpoint/2010/main" val="3862909979"/>
+        <p14:creationId xmlns:p14="http://schemas.microsoft.com/office/powerpoint/2010/main" val="412972343"/>
       </p:ext>
     </p:extLst>
   </p:cSld>
@@ -7165,18 +10537,12 @@
 </p:sld>
 </file>
 
-<file path=ppt/slides/slide23.xml><?xml version="1.0" encoding="utf-8"?>
+<file path=ppt/slides/slide27.xml><?xml version="1.0" encoding="utf-8"?>
 <p:sld xmlns:a="http://schemas.openxmlformats.org/drawingml/2006/main" xmlns:r="http://schemas.openxmlformats.org/officeDocument/2006/relationships" xmlns:p="http://schemas.openxmlformats.org/presentationml/2006/main">
   <p:cSld>
     <p:spTree>
       <p:nvGrpSpPr>
-        <p:cNvPr id="1" name="">
-          <a:extLst>
-            <a:ext uri="{FF2B5EF4-FFF2-40B4-BE49-F238E27FC236}">
-              <a16:creationId xmlns:a16="http://schemas.microsoft.com/office/drawing/2014/main" id="{54CF0727-A68F-DC52-1AC0-BD99A086DFC0}"/>
-            </a:ext>
-          </a:extLst>
-        </p:cNvPr>
+        <p:cNvPr id="1" name=""/>
         <p:cNvGrpSpPr/>
         <p:nvPr/>
       </p:nvGrpSpPr>
@@ -7190,10 +10556,10 @@
       </p:grpSpPr>
       <p:sp>
         <p:nvSpPr>
-          <p:cNvPr id="2" name="Titel 1">
-            <a:extLst>
-              <a:ext uri="{FF2B5EF4-FFF2-40B4-BE49-F238E27FC236}">
-                <a16:creationId xmlns:a16="http://schemas.microsoft.com/office/drawing/2014/main" id="{718B29EA-A57D-6C69-0CB4-339430472808}"/>
+          <p:cNvPr id="2" name="Title 1">
+            <a:extLst>
+              <a:ext uri="{FF2B5EF4-FFF2-40B4-BE49-F238E27FC236}">
+                <a16:creationId xmlns:a16="http://schemas.microsoft.com/office/drawing/2014/main" id="{BA4CBD0F-2ED2-CE95-650C-C1ADE4910DAF}"/>
               </a:ext>
             </a:extLst>
           </p:cNvPr>
@@ -7210,46 +10576,782 @@
           <a:lstStyle/>
           <a:p>
             <a:r>
-              <a:rPr lang="de-AT" dirty="0"/>
-              <a:t>Wrap-Up &amp; </a:t>
-            </a:r>
-            <a:r>
-              <a:rPr lang="de-AT" dirty="0" err="1"/>
-              <a:t>Discussion</a:t>
-            </a:r>
-            <a:endParaRPr lang="de-AT" dirty="0"/>
-          </a:p>
-        </p:txBody>
-      </p:sp>
-      <p:sp>
-        <p:nvSpPr>
-          <p:cNvPr id="3" name="Inhaltsplatzhalter 2">
-            <a:extLst>
-              <a:ext uri="{FF2B5EF4-FFF2-40B4-BE49-F238E27FC236}">
-                <a16:creationId xmlns:a16="http://schemas.microsoft.com/office/drawing/2014/main" id="{F34A59FC-7C4F-B703-E613-487FC430C069}"/>
-              </a:ext>
-            </a:extLst>
-          </p:cNvPr>
-          <p:cNvSpPr>
-            <a:spLocks noGrp="1"/>
-          </p:cNvSpPr>
+              <a:rPr lang="en-US" dirty="0"/>
+              <a:t>Region-Based Clustering (k= </a:t>
+            </a:r>
+            <a:r>
+              <a:rPr lang="en-US" dirty="0" err="1"/>
+              <a:t>num_regions</a:t>
+            </a:r>
+            <a:r>
+              <a:rPr lang="en-US" dirty="0"/>
+              <a:t>)</a:t>
+            </a:r>
+          </a:p>
+        </p:txBody>
+      </p:sp>
+      <p:pic>
+        <p:nvPicPr>
+          <p:cNvPr id="4" name="Content Placeholder 3">
+            <a:extLst>
+              <a:ext uri="{FF2B5EF4-FFF2-40B4-BE49-F238E27FC236}">
+                <a16:creationId xmlns:a16="http://schemas.microsoft.com/office/drawing/2014/main" id="{A0321626-4BF1-0023-80B5-DC0950AB75EF}"/>
+              </a:ext>
+            </a:extLst>
+          </p:cNvPr>
+          <p:cNvPicPr>
+            <a:picLocks noGrp="1" noChangeAspect="1"/>
+          </p:cNvPicPr>
           <p:nvPr>
             <p:ph idx="1"/>
           </p:nvPr>
-        </p:nvSpPr>
-        <p:spPr/>
-        <p:txBody>
-          <a:bodyPr/>
-          <a:lstStyle/>
-          <a:p>
-            <a:endParaRPr lang="de-AT"/>
-          </a:p>
-        </p:txBody>
-      </p:sp>
+        </p:nvPicPr>
+        <p:blipFill>
+          <a:blip r:embed="rId2"/>
+          <a:stretch>
+            <a:fillRect/>
+          </a:stretch>
+        </p:blipFill>
+        <p:spPr>
+          <a:xfrm>
+            <a:off x="839347" y="2026234"/>
+            <a:ext cx="3848100" cy="828675"/>
+          </a:xfrm>
+        </p:spPr>
+      </p:pic>
+      <p:pic>
+        <p:nvPicPr>
+          <p:cNvPr id="5" name="Picture 4">
+            <a:extLst>
+              <a:ext uri="{FF2B5EF4-FFF2-40B4-BE49-F238E27FC236}">
+                <a16:creationId xmlns:a16="http://schemas.microsoft.com/office/drawing/2014/main" id="{7C8CDE57-1CC8-0B55-D559-C377E92D6750}"/>
+              </a:ext>
+            </a:extLst>
+          </p:cNvPr>
+          <p:cNvPicPr>
+            <a:picLocks noChangeAspect="1"/>
+          </p:cNvPicPr>
+          <p:nvPr/>
+        </p:nvPicPr>
+        <p:blipFill>
+          <a:blip r:embed="rId3"/>
+          <a:stretch>
+            <a:fillRect/>
+          </a:stretch>
+        </p:blipFill>
+        <p:spPr>
+          <a:xfrm>
+            <a:off x="5671563" y="1935697"/>
+            <a:ext cx="6182873" cy="3684339"/>
+          </a:xfrm>
+          <a:prstGeom prst="rect">
+            <a:avLst/>
+          </a:prstGeom>
+        </p:spPr>
+      </p:pic>
+      <p:graphicFrame>
+        <p:nvGraphicFramePr>
+          <p:cNvPr id="8" name="Table 7">
+            <a:extLst>
+              <a:ext uri="{FF2B5EF4-FFF2-40B4-BE49-F238E27FC236}">
+                <a16:creationId xmlns:a16="http://schemas.microsoft.com/office/drawing/2014/main" id="{13574529-2398-E2D2-13F7-E0C27A87C941}"/>
+              </a:ext>
+            </a:extLst>
+          </p:cNvPr>
+          <p:cNvGraphicFramePr>
+            <a:graphicFrameLocks noGrp="1"/>
+          </p:cNvGraphicFramePr>
+          <p:nvPr>
+            <p:extLst>
+              <p:ext uri="{D42A27DB-BD31-4B8C-83A1-F6EECF244321}">
+                <p14:modId xmlns:p14="http://schemas.microsoft.com/office/powerpoint/2010/main" val="2378797368"/>
+              </p:ext>
+            </p:extLst>
+          </p:nvPr>
+        </p:nvGraphicFramePr>
+        <p:xfrm>
+          <a:off x="890530" y="3295879"/>
+          <a:ext cx="3797158" cy="2103120"/>
+        </p:xfrm>
+        <a:graphic>
+          <a:graphicData uri="http://schemas.openxmlformats.org/drawingml/2006/table">
+            <a:tbl>
+              <a:tblPr firstRow="1" bandRow="1">
+                <a:tableStyleId>{E8034E78-7F5D-4C2E-B375-FC64B27BC917}</a:tableStyleId>
+              </a:tblPr>
+              <a:tblGrid>
+                <a:gridCol w="1898579">
+                  <a:extLst>
+                    <a:ext uri="{9D8B030D-6E8A-4147-A177-3AD203B41FA5}">
+                      <a16:colId xmlns:a16="http://schemas.microsoft.com/office/drawing/2014/main" val="2324616544"/>
+                    </a:ext>
+                  </a:extLst>
+                </a:gridCol>
+                <a:gridCol w="1898579">
+                  <a:extLst>
+                    <a:ext uri="{9D8B030D-6E8A-4147-A177-3AD203B41FA5}">
+                      <a16:colId xmlns:a16="http://schemas.microsoft.com/office/drawing/2014/main" val="2632908292"/>
+                    </a:ext>
+                  </a:extLst>
+                </a:gridCol>
+              </a:tblGrid>
+              <a:tr h="285713">
+                <a:tc>
+                  <a:txBody>
+                    <a:bodyPr/>
+                    <a:lstStyle/>
+                    <a:p>
+                      <a:r>
+                        <a:rPr lang="en-US" dirty="0"/>
+                        <a:t>Good Evaluation</a:t>
+                      </a:r>
+                    </a:p>
+                  </a:txBody>
+                  <a:tcPr/>
+                </a:tc>
+                <a:tc>
+                  <a:txBody>
+                    <a:bodyPr/>
+                    <a:lstStyle/>
+                    <a:p>
+                      <a:r>
+                        <a:rPr lang="en-US" dirty="0"/>
+                        <a:t>Bad Evaluation</a:t>
+                      </a:r>
+                    </a:p>
+                  </a:txBody>
+                  <a:tcPr/>
+                </a:tc>
+                <a:extLst>
+                  <a:ext uri="{0D108BD9-81ED-4DB2-BD59-A6C34878D82A}">
+                    <a16:rowId xmlns:a16="http://schemas.microsoft.com/office/drawing/2014/main" val="74632647"/>
+                  </a:ext>
+                </a:extLst>
+              </a:tr>
+              <a:tr h="285713">
+                <a:tc>
+                  <a:txBody>
+                    <a:bodyPr/>
+                    <a:lstStyle/>
+                    <a:p>
+                      <a:r>
+                        <a:rPr lang="en-US" dirty="0">
+                          <a:solidFill>
+                            <a:schemeClr val="tx1"/>
+                          </a:solidFill>
+                        </a:rPr>
+                        <a:t>Africa</a:t>
+                      </a:r>
+                    </a:p>
+                  </a:txBody>
+                  <a:tcPr/>
+                </a:tc>
+                <a:tc>
+                  <a:txBody>
+                    <a:bodyPr/>
+                    <a:lstStyle/>
+                    <a:p>
+                      <a:r>
+                        <a:rPr lang="en-US" dirty="0">
+                          <a:solidFill>
+                            <a:schemeClr val="tx1"/>
+                          </a:solidFill>
+                        </a:rPr>
+                        <a:t>Oceania</a:t>
+                      </a:r>
+                    </a:p>
+                  </a:txBody>
+                  <a:tcPr/>
+                </a:tc>
+                <a:extLst>
+                  <a:ext uri="{0D108BD9-81ED-4DB2-BD59-A6C34878D82A}">
+                    <a16:rowId xmlns:a16="http://schemas.microsoft.com/office/drawing/2014/main" val="1726293321"/>
+                  </a:ext>
+                </a:extLst>
+              </a:tr>
+              <a:tr h="285713">
+                <a:tc>
+                  <a:txBody>
+                    <a:bodyPr/>
+                    <a:lstStyle/>
+                    <a:p>
+                      <a:r>
+                        <a:rPr lang="en-US" dirty="0">
+                          <a:solidFill>
+                            <a:schemeClr val="tx1"/>
+                          </a:solidFill>
+                        </a:rPr>
+                        <a:t>Europe</a:t>
+                      </a:r>
+                    </a:p>
+                  </a:txBody>
+                  <a:tcPr/>
+                </a:tc>
+                <a:tc>
+                  <a:txBody>
+                    <a:bodyPr/>
+                    <a:lstStyle/>
+                    <a:p>
+                      <a:r>
+                        <a:rPr lang="en-US" dirty="0">
+                          <a:solidFill>
+                            <a:schemeClr val="tx1"/>
+                          </a:solidFill>
+                        </a:rPr>
+                        <a:t>North America</a:t>
+                      </a:r>
+                    </a:p>
+                  </a:txBody>
+                  <a:tcPr/>
+                </a:tc>
+                <a:extLst>
+                  <a:ext uri="{0D108BD9-81ED-4DB2-BD59-A6C34878D82A}">
+                    <a16:rowId xmlns:a16="http://schemas.microsoft.com/office/drawing/2014/main" val="1435513985"/>
+                  </a:ext>
+                </a:extLst>
+              </a:tr>
+              <a:tr h="285713">
+                <a:tc>
+                  <a:txBody>
+                    <a:bodyPr/>
+                    <a:lstStyle/>
+                    <a:p>
+                      <a:pPr lvl="0">
+                        <a:buNone/>
+                      </a:pPr>
+                      <a:r>
+                        <a:rPr lang="en-US" dirty="0">
+                          <a:solidFill>
+                            <a:schemeClr val="tx1"/>
+                          </a:solidFill>
+                        </a:rPr>
+                        <a:t>Asia</a:t>
+                      </a:r>
+                    </a:p>
+                  </a:txBody>
+                  <a:tcPr/>
+                </a:tc>
+                <a:tc>
+                  <a:txBody>
+                    <a:bodyPr/>
+                    <a:lstStyle/>
+                    <a:p>
+                      <a:pPr lvl="0">
+                        <a:buNone/>
+                      </a:pPr>
+                      <a:r>
+                        <a:rPr lang="en-US" dirty="0">
+                          <a:solidFill>
+                            <a:schemeClr val="tx1"/>
+                          </a:solidFill>
+                        </a:rPr>
+                        <a:t>Central America and Caribbean</a:t>
+                      </a:r>
+                    </a:p>
+                  </a:txBody>
+                  <a:tcPr/>
+                </a:tc>
+                <a:extLst>
+                  <a:ext uri="{0D108BD9-81ED-4DB2-BD59-A6C34878D82A}">
+                    <a16:rowId xmlns:a16="http://schemas.microsoft.com/office/drawing/2014/main" val="1954480702"/>
+                  </a:ext>
+                </a:extLst>
+              </a:tr>
+              <a:tr h="285713">
+                <a:tc>
+                  <a:txBody>
+                    <a:bodyPr/>
+                    <a:lstStyle/>
+                    <a:p>
+                      <a:endParaRPr lang="en-US"/>
+                    </a:p>
+                  </a:txBody>
+                  <a:tcPr/>
+                </a:tc>
+                <a:tc>
+                  <a:txBody>
+                    <a:bodyPr/>
+                    <a:lstStyle/>
+                    <a:p>
+                      <a:r>
+                        <a:rPr lang="en-US" dirty="0">
+                          <a:solidFill>
+                            <a:schemeClr val="tx1"/>
+                          </a:solidFill>
+                        </a:rPr>
+                        <a:t>Rest of Europe</a:t>
+                      </a:r>
+                    </a:p>
+                  </a:txBody>
+                  <a:tcPr/>
+                </a:tc>
+                <a:extLst>
+                  <a:ext uri="{0D108BD9-81ED-4DB2-BD59-A6C34878D82A}">
+                    <a16:rowId xmlns:a16="http://schemas.microsoft.com/office/drawing/2014/main" val="3909418691"/>
+                  </a:ext>
+                </a:extLst>
+              </a:tr>
+            </a:tbl>
+          </a:graphicData>
+        </a:graphic>
+      </p:graphicFrame>
     </p:spTree>
     <p:extLst>
       <p:ext uri="{BB962C8B-B14F-4D97-AF65-F5344CB8AC3E}">
-        <p14:creationId xmlns:p14="http://schemas.microsoft.com/office/powerpoint/2010/main" val="1028775870"/>
+        <p14:creationId xmlns:p14="http://schemas.microsoft.com/office/powerpoint/2010/main" val="1406922836"/>
+      </p:ext>
+    </p:extLst>
+  </p:cSld>
+  <p:clrMapOvr>
+    <a:masterClrMapping/>
+  </p:clrMapOvr>
+</p:sld>
+</file>
+
+<file path=ppt/slides/slide28.xml><?xml version="1.0" encoding="utf-8"?>
+<p:sld xmlns:a="http://schemas.openxmlformats.org/drawingml/2006/main" xmlns:r="http://schemas.openxmlformats.org/officeDocument/2006/relationships" xmlns:p="http://schemas.openxmlformats.org/presentationml/2006/main">
+  <p:cSld>
+    <p:spTree>
+      <p:nvGrpSpPr>
+        <p:cNvPr id="1" name=""/>
+        <p:cNvGrpSpPr/>
+        <p:nvPr/>
+      </p:nvGrpSpPr>
+      <p:grpSpPr>
+        <a:xfrm>
+          <a:off x="0" y="0"/>
+          <a:ext cx="0" cy="0"/>
+          <a:chOff x="0" y="0"/>
+          <a:chExt cx="0" cy="0"/>
+        </a:xfrm>
+      </p:grpSpPr>
+      <p:sp>
+        <p:nvSpPr>
+          <p:cNvPr id="2" name="Title 1">
+            <a:extLst>
+              <a:ext uri="{FF2B5EF4-FFF2-40B4-BE49-F238E27FC236}">
+                <a16:creationId xmlns:a16="http://schemas.microsoft.com/office/drawing/2014/main" id="{A096806A-A4FB-24B3-8210-1F29EDC2F111}"/>
+              </a:ext>
+            </a:extLst>
+          </p:cNvPr>
+          <p:cNvSpPr>
+            <a:spLocks noGrp="1"/>
+          </p:cNvSpPr>
+          <p:nvPr>
+            <p:ph type="title"/>
+          </p:nvPr>
+        </p:nvSpPr>
+        <p:spPr/>
+        <p:txBody>
+          <a:bodyPr/>
+          <a:lstStyle/>
+          <a:p>
+            <a:endParaRPr lang="en-US"/>
+          </a:p>
+        </p:txBody>
+      </p:sp>
+      <p:pic>
+        <p:nvPicPr>
+          <p:cNvPr id="4" name="Content Placeholder 3">
+            <a:extLst>
+              <a:ext uri="{FF2B5EF4-FFF2-40B4-BE49-F238E27FC236}">
+                <a16:creationId xmlns:a16="http://schemas.microsoft.com/office/drawing/2014/main" id="{82A70362-0B3B-9786-F2A7-EF8FD3376DD7}"/>
+              </a:ext>
+            </a:extLst>
+          </p:cNvPr>
+          <p:cNvPicPr>
+            <a:picLocks noGrp="1" noChangeAspect="1"/>
+          </p:cNvPicPr>
+          <p:nvPr>
+            <p:ph idx="1"/>
+          </p:nvPr>
+        </p:nvPicPr>
+        <p:blipFill>
+          <a:blip r:embed="rId2"/>
+          <a:stretch>
+            <a:fillRect/>
+          </a:stretch>
+        </p:blipFill>
+        <p:spPr>
+          <a:xfrm>
+            <a:off x="1056387" y="1715804"/>
+            <a:ext cx="10086473" cy="3418195"/>
+          </a:xfrm>
+        </p:spPr>
+      </p:pic>
+    </p:spTree>
+    <p:extLst>
+      <p:ext uri="{BB962C8B-B14F-4D97-AF65-F5344CB8AC3E}">
+        <p14:creationId xmlns:p14="http://schemas.microsoft.com/office/powerpoint/2010/main" val="3391360184"/>
+      </p:ext>
+    </p:extLst>
+  </p:cSld>
+  <p:clrMapOvr>
+    <a:masterClrMapping/>
+  </p:clrMapOvr>
+</p:sld>
+</file>
+
+<file path=ppt/slides/slide29.xml><?xml version="1.0" encoding="utf-8"?>
+<p:sld xmlns:a="http://schemas.openxmlformats.org/drawingml/2006/main" xmlns:r="http://schemas.openxmlformats.org/officeDocument/2006/relationships" xmlns:p="http://schemas.openxmlformats.org/presentationml/2006/main">
+  <p:cSld>
+    <p:spTree>
+      <p:nvGrpSpPr>
+        <p:cNvPr id="1" name=""/>
+        <p:cNvGrpSpPr/>
+        <p:nvPr/>
+      </p:nvGrpSpPr>
+      <p:grpSpPr>
+        <a:xfrm>
+          <a:off x="0" y="0"/>
+          <a:ext cx="0" cy="0"/>
+          <a:chOff x="0" y="0"/>
+          <a:chExt cx="0" cy="0"/>
+        </a:xfrm>
+      </p:grpSpPr>
+      <p:sp>
+        <p:nvSpPr>
+          <p:cNvPr id="2" name="Title 1">
+            <a:extLst>
+              <a:ext uri="{FF2B5EF4-FFF2-40B4-BE49-F238E27FC236}">
+                <a16:creationId xmlns:a16="http://schemas.microsoft.com/office/drawing/2014/main" id="{BC53D67B-4AEC-BB8E-69B5-AEBA8A942D67}"/>
+              </a:ext>
+            </a:extLst>
+          </p:cNvPr>
+          <p:cNvSpPr>
+            <a:spLocks noGrp="1"/>
+          </p:cNvSpPr>
+          <p:nvPr>
+            <p:ph type="title"/>
+          </p:nvPr>
+        </p:nvSpPr>
+        <p:spPr/>
+        <p:txBody>
+          <a:bodyPr/>
+          <a:lstStyle/>
+          <a:p>
+            <a:r>
+              <a:rPr lang="en-US" dirty="0" err="1"/>
+              <a:t>Hierachical</a:t>
+            </a:r>
+            <a:r>
+              <a:rPr lang="en-US" dirty="0"/>
+              <a:t> Clustering: No real gain</a:t>
+            </a:r>
+          </a:p>
+        </p:txBody>
+      </p:sp>
+      <p:pic>
+        <p:nvPicPr>
+          <p:cNvPr id="4" name="Content Placeholder 3">
+            <a:extLst>
+              <a:ext uri="{FF2B5EF4-FFF2-40B4-BE49-F238E27FC236}">
+                <a16:creationId xmlns:a16="http://schemas.microsoft.com/office/drawing/2014/main" id="{8B0FF803-0AD1-59C1-F3FE-7FCC9A8E68F9}"/>
+              </a:ext>
+            </a:extLst>
+          </p:cNvPr>
+          <p:cNvPicPr>
+            <a:picLocks noGrp="1" noChangeAspect="1"/>
+          </p:cNvPicPr>
+          <p:nvPr>
+            <p:ph idx="1"/>
+          </p:nvPr>
+        </p:nvPicPr>
+        <p:blipFill>
+          <a:blip r:embed="rId2"/>
+          <a:stretch>
+            <a:fillRect/>
+          </a:stretch>
+        </p:blipFill>
+        <p:spPr>
+          <a:xfrm>
+            <a:off x="5260554" y="2131487"/>
+            <a:ext cx="6096000" cy="3666169"/>
+          </a:xfrm>
+        </p:spPr>
+      </p:pic>
+      <p:pic>
+        <p:nvPicPr>
+          <p:cNvPr id="5" name="Picture 4">
+            <a:extLst>
+              <a:ext uri="{FF2B5EF4-FFF2-40B4-BE49-F238E27FC236}">
+                <a16:creationId xmlns:a16="http://schemas.microsoft.com/office/drawing/2014/main" id="{9FDEFCBA-C179-7249-3B7D-E50759638845}"/>
+              </a:ext>
+            </a:extLst>
+          </p:cNvPr>
+          <p:cNvPicPr>
+            <a:picLocks noChangeAspect="1"/>
+          </p:cNvPicPr>
+          <p:nvPr/>
+        </p:nvPicPr>
+        <p:blipFill>
+          <a:blip r:embed="rId3"/>
+          <a:stretch>
+            <a:fillRect/>
+          </a:stretch>
+        </p:blipFill>
+        <p:spPr>
+          <a:xfrm>
+            <a:off x="513259" y="2132624"/>
+            <a:ext cx="3857625" cy="866775"/>
+          </a:xfrm>
+          <a:prstGeom prst="rect">
+            <a:avLst/>
+          </a:prstGeom>
+        </p:spPr>
+      </p:pic>
+      <p:graphicFrame>
+        <p:nvGraphicFramePr>
+          <p:cNvPr id="8" name="Table 7">
+            <a:extLst>
+              <a:ext uri="{FF2B5EF4-FFF2-40B4-BE49-F238E27FC236}">
+                <a16:creationId xmlns:a16="http://schemas.microsoft.com/office/drawing/2014/main" id="{38D258A1-7E6F-1863-6E6C-477E3E99C36F}"/>
+              </a:ext>
+            </a:extLst>
+          </p:cNvPr>
+          <p:cNvGraphicFramePr>
+            <a:graphicFrameLocks noGrp="1"/>
+          </p:cNvGraphicFramePr>
+          <p:nvPr>
+            <p:extLst>
+              <p:ext uri="{D42A27DB-BD31-4B8C-83A1-F6EECF244321}">
+                <p14:modId xmlns:p14="http://schemas.microsoft.com/office/powerpoint/2010/main" val="1012107542"/>
+              </p:ext>
+            </p:extLst>
+          </p:nvPr>
+        </p:nvGraphicFramePr>
+        <p:xfrm>
+          <a:off x="569205" y="3718192"/>
+          <a:ext cx="3797157" cy="2103120"/>
+        </p:xfrm>
+        <a:graphic>
+          <a:graphicData uri="http://schemas.openxmlformats.org/drawingml/2006/table">
+            <a:tbl>
+              <a:tblPr firstRow="1" bandRow="1">
+                <a:tableStyleId>{E8034E78-7F5D-4C2E-B375-FC64B27BC917}</a:tableStyleId>
+              </a:tblPr>
+              <a:tblGrid>
+                <a:gridCol w="1945105">
+                  <a:extLst>
+                    <a:ext uri="{9D8B030D-6E8A-4147-A177-3AD203B41FA5}">
+                      <a16:colId xmlns:a16="http://schemas.microsoft.com/office/drawing/2014/main" val="2324616544"/>
+                    </a:ext>
+                  </a:extLst>
+                </a:gridCol>
+                <a:gridCol w="1852052">
+                  <a:extLst>
+                    <a:ext uri="{9D8B030D-6E8A-4147-A177-3AD203B41FA5}">
+                      <a16:colId xmlns:a16="http://schemas.microsoft.com/office/drawing/2014/main" val="2632908292"/>
+                    </a:ext>
+                  </a:extLst>
+                </a:gridCol>
+              </a:tblGrid>
+              <a:tr h="285713">
+                <a:tc>
+                  <a:txBody>
+                    <a:bodyPr/>
+                    <a:lstStyle/>
+                    <a:p>
+                      <a:r>
+                        <a:rPr lang="en-US" dirty="0"/>
+                        <a:t>Good Evaluation</a:t>
+                      </a:r>
+                    </a:p>
+                  </a:txBody>
+                  <a:tcPr/>
+                </a:tc>
+                <a:tc>
+                  <a:txBody>
+                    <a:bodyPr/>
+                    <a:lstStyle/>
+                    <a:p>
+                      <a:r>
+                        <a:rPr lang="en-US" dirty="0"/>
+                        <a:t>Bad Evaluation</a:t>
+                      </a:r>
+                    </a:p>
+                  </a:txBody>
+                  <a:tcPr/>
+                </a:tc>
+                <a:extLst>
+                  <a:ext uri="{0D108BD9-81ED-4DB2-BD59-A6C34878D82A}">
+                    <a16:rowId xmlns:a16="http://schemas.microsoft.com/office/drawing/2014/main" val="74632647"/>
+                  </a:ext>
+                </a:extLst>
+              </a:tr>
+              <a:tr h="285713">
+                <a:tc>
+                  <a:txBody>
+                    <a:bodyPr/>
+                    <a:lstStyle/>
+                    <a:p>
+                      <a:r>
+                        <a:rPr lang="en-US" dirty="0">
+                          <a:solidFill>
+                            <a:schemeClr val="tx1"/>
+                          </a:solidFill>
+                        </a:rPr>
+                        <a:t>Africa</a:t>
+                      </a:r>
+                    </a:p>
+                  </a:txBody>
+                  <a:tcPr/>
+                </a:tc>
+                <a:tc>
+                  <a:txBody>
+                    <a:bodyPr/>
+                    <a:lstStyle/>
+                    <a:p>
+                      <a:r>
+                        <a:rPr lang="en-US" dirty="0">
+                          <a:solidFill>
+                            <a:schemeClr val="tx1"/>
+                          </a:solidFill>
+                        </a:rPr>
+                        <a:t>Oceania</a:t>
+                      </a:r>
+                    </a:p>
+                  </a:txBody>
+                  <a:tcPr/>
+                </a:tc>
+                <a:extLst>
+                  <a:ext uri="{0D108BD9-81ED-4DB2-BD59-A6C34878D82A}">
+                    <a16:rowId xmlns:a16="http://schemas.microsoft.com/office/drawing/2014/main" val="1726293321"/>
+                  </a:ext>
+                </a:extLst>
+              </a:tr>
+              <a:tr h="285713">
+                <a:tc>
+                  <a:txBody>
+                    <a:bodyPr/>
+                    <a:lstStyle/>
+                    <a:p>
+                      <a:r>
+                        <a:rPr lang="en-US" dirty="0">
+                          <a:solidFill>
+                            <a:schemeClr val="tx1"/>
+                          </a:solidFill>
+                        </a:rPr>
+                        <a:t>Europe</a:t>
+                      </a:r>
+                    </a:p>
+                  </a:txBody>
+                  <a:tcPr/>
+                </a:tc>
+                <a:tc>
+                  <a:txBody>
+                    <a:bodyPr/>
+                    <a:lstStyle/>
+                    <a:p>
+                      <a:r>
+                        <a:rPr lang="en-US" dirty="0">
+                          <a:solidFill>
+                            <a:schemeClr val="tx1"/>
+                          </a:solidFill>
+                        </a:rPr>
+                        <a:t>North America</a:t>
+                      </a:r>
+                    </a:p>
+                  </a:txBody>
+                  <a:tcPr/>
+                </a:tc>
+                <a:extLst>
+                  <a:ext uri="{0D108BD9-81ED-4DB2-BD59-A6C34878D82A}">
+                    <a16:rowId xmlns:a16="http://schemas.microsoft.com/office/drawing/2014/main" val="1435513985"/>
+                  </a:ext>
+                </a:extLst>
+              </a:tr>
+              <a:tr h="285713">
+                <a:tc>
+                  <a:txBody>
+                    <a:bodyPr/>
+                    <a:lstStyle/>
+                    <a:p>
+                      <a:pPr lvl="0">
+                        <a:buNone/>
+                      </a:pPr>
+                      <a:r>
+                        <a:rPr lang="en-US" sz="1800" b="0" i="0" u="none" strike="noStrike" noProof="0" dirty="0">
+                          <a:solidFill>
+                            <a:schemeClr val="tx1"/>
+                          </a:solidFill>
+                          <a:latin typeface="Aptos"/>
+                        </a:rPr>
+                        <a:t>Central America and Caribbean</a:t>
+                      </a:r>
+                      <a:endParaRPr lang="en-US" dirty="0"/>
+                    </a:p>
+                  </a:txBody>
+                  <a:tcPr/>
+                </a:tc>
+                <a:tc>
+                  <a:txBody>
+                    <a:bodyPr/>
+                    <a:lstStyle/>
+                    <a:p>
+                      <a:pPr lvl="0">
+                        <a:buNone/>
+                      </a:pPr>
+                      <a:r>
+                        <a:rPr lang="en-US" dirty="0">
+                          <a:solidFill>
+                            <a:schemeClr val="tx1"/>
+                          </a:solidFill>
+                        </a:rPr>
+                        <a:t>South America</a:t>
+                      </a:r>
+                    </a:p>
+                  </a:txBody>
+                  <a:tcPr/>
+                </a:tc>
+                <a:extLst>
+                  <a:ext uri="{0D108BD9-81ED-4DB2-BD59-A6C34878D82A}">
+                    <a16:rowId xmlns:a16="http://schemas.microsoft.com/office/drawing/2014/main" val="1954480702"/>
+                  </a:ext>
+                </a:extLst>
+              </a:tr>
+              <a:tr h="285713">
+                <a:tc>
+                  <a:txBody>
+                    <a:bodyPr/>
+                    <a:lstStyle/>
+                    <a:p>
+                      <a:endParaRPr lang="en-US"/>
+                    </a:p>
+                  </a:txBody>
+                  <a:tcPr/>
+                </a:tc>
+                <a:tc>
+                  <a:txBody>
+                    <a:bodyPr/>
+                    <a:lstStyle/>
+                    <a:p>
+                      <a:r>
+                        <a:rPr lang="en-US" dirty="0">
+                          <a:solidFill>
+                            <a:schemeClr val="tx1"/>
+                          </a:solidFill>
+                        </a:rPr>
+                        <a:t>Rest of Europe</a:t>
+                      </a:r>
+                    </a:p>
+                  </a:txBody>
+                  <a:tcPr/>
+                </a:tc>
+                <a:extLst>
+                  <a:ext uri="{0D108BD9-81ED-4DB2-BD59-A6C34878D82A}">
+                    <a16:rowId xmlns:a16="http://schemas.microsoft.com/office/drawing/2014/main" val="3909418691"/>
+                  </a:ext>
+                </a:extLst>
+              </a:tr>
+            </a:tbl>
+          </a:graphicData>
+        </a:graphic>
+      </p:graphicFrame>
+    </p:spTree>
+    <p:extLst>
+      <p:ext uri="{BB962C8B-B14F-4D97-AF65-F5344CB8AC3E}">
+        <p14:creationId xmlns:p14="http://schemas.microsoft.com/office/powerpoint/2010/main" val="2257671119"/>
       </p:ext>
     </p:extLst>
   </p:cSld>
@@ -7342,6 +11444,183 @@
     <p:extLst>
       <p:ext uri="{BB962C8B-B14F-4D97-AF65-F5344CB8AC3E}">
         <p14:creationId xmlns:p14="http://schemas.microsoft.com/office/powerpoint/2010/main" val="3403661362"/>
+      </p:ext>
+    </p:extLst>
+  </p:cSld>
+  <p:clrMapOvr>
+    <a:masterClrMapping/>
+  </p:clrMapOvr>
+</p:sld>
+</file>
+
+<file path=ppt/slides/slide30.xml><?xml version="1.0" encoding="utf-8"?>
+<p:sld xmlns:a="http://schemas.openxmlformats.org/drawingml/2006/main" xmlns:r="http://schemas.openxmlformats.org/officeDocument/2006/relationships" xmlns:p="http://schemas.openxmlformats.org/presentationml/2006/main">
+  <p:cSld>
+    <p:spTree>
+      <p:nvGrpSpPr>
+        <p:cNvPr id="1" name=""/>
+        <p:cNvGrpSpPr/>
+        <p:nvPr/>
+      </p:nvGrpSpPr>
+      <p:grpSpPr>
+        <a:xfrm>
+          <a:off x="0" y="0"/>
+          <a:ext cx="0" cy="0"/>
+          <a:chOff x="0" y="0"/>
+          <a:chExt cx="0" cy="0"/>
+        </a:xfrm>
+      </p:grpSpPr>
+      <p:sp>
+        <p:nvSpPr>
+          <p:cNvPr id="2" name="Title 1">
+            <a:extLst>
+              <a:ext uri="{FF2B5EF4-FFF2-40B4-BE49-F238E27FC236}">
+                <a16:creationId xmlns:a16="http://schemas.microsoft.com/office/drawing/2014/main" id="{43334F11-7E87-6230-060B-AC0F3845884B}"/>
+              </a:ext>
+            </a:extLst>
+          </p:cNvPr>
+          <p:cNvSpPr>
+            <a:spLocks noGrp="1"/>
+          </p:cNvSpPr>
+          <p:nvPr>
+            <p:ph type="title"/>
+          </p:nvPr>
+        </p:nvSpPr>
+        <p:spPr/>
+        <p:txBody>
+          <a:bodyPr/>
+          <a:lstStyle/>
+          <a:p>
+            <a:r>
+              <a:rPr lang="en-US"/>
+              <a:t>Clustering with k=5</a:t>
+            </a:r>
+          </a:p>
+        </p:txBody>
+      </p:sp>
+      <p:pic>
+        <p:nvPicPr>
+          <p:cNvPr id="4" name="Content Placeholder 3">
+            <a:extLst>
+              <a:ext uri="{FF2B5EF4-FFF2-40B4-BE49-F238E27FC236}">
+                <a16:creationId xmlns:a16="http://schemas.microsoft.com/office/drawing/2014/main" id="{DD9B0759-9697-BF57-D708-FAACEE927EAB}"/>
+              </a:ext>
+            </a:extLst>
+          </p:cNvPr>
+          <p:cNvPicPr>
+            <a:picLocks noGrp="1" noChangeAspect="1"/>
+          </p:cNvPicPr>
+          <p:nvPr>
+            <p:ph idx="1"/>
+          </p:nvPr>
+        </p:nvPicPr>
+        <p:blipFill>
+          <a:blip r:embed="rId2"/>
+          <a:stretch>
+            <a:fillRect/>
+          </a:stretch>
+        </p:blipFill>
+        <p:spPr>
+          <a:xfrm>
+            <a:off x="615107" y="1320523"/>
+            <a:ext cx="4865784" cy="2598146"/>
+          </a:xfrm>
+        </p:spPr>
+      </p:pic>
+      <p:pic>
+        <p:nvPicPr>
+          <p:cNvPr id="5" name="Picture 4">
+            <a:extLst>
+              <a:ext uri="{FF2B5EF4-FFF2-40B4-BE49-F238E27FC236}">
+                <a16:creationId xmlns:a16="http://schemas.microsoft.com/office/drawing/2014/main" id="{FC79EBED-D8D6-FAFF-2B45-08D2BCF8E8F5}"/>
+              </a:ext>
+            </a:extLst>
+          </p:cNvPr>
+          <p:cNvPicPr>
+            <a:picLocks noChangeAspect="1"/>
+          </p:cNvPicPr>
+          <p:nvPr/>
+        </p:nvPicPr>
+        <p:blipFill>
+          <a:blip r:embed="rId3"/>
+          <a:stretch>
+            <a:fillRect/>
+          </a:stretch>
+        </p:blipFill>
+        <p:spPr>
+          <a:xfrm>
+            <a:off x="6021464" y="1323057"/>
+            <a:ext cx="5226013" cy="2596079"/>
+          </a:xfrm>
+          <a:prstGeom prst="rect">
+            <a:avLst/>
+          </a:prstGeom>
+        </p:spPr>
+      </p:pic>
+      <p:pic>
+        <p:nvPicPr>
+          <p:cNvPr id="6" name="Picture 5">
+            <a:extLst>
+              <a:ext uri="{FF2B5EF4-FFF2-40B4-BE49-F238E27FC236}">
+                <a16:creationId xmlns:a16="http://schemas.microsoft.com/office/drawing/2014/main" id="{26F349F3-F47B-A028-5BB6-2D4F3BC43DC2}"/>
+              </a:ext>
+            </a:extLst>
+          </p:cNvPr>
+          <p:cNvPicPr>
+            <a:picLocks noChangeAspect="1"/>
+          </p:cNvPicPr>
+          <p:nvPr/>
+        </p:nvPicPr>
+        <p:blipFill>
+          <a:blip r:embed="rId4"/>
+          <a:stretch>
+            <a:fillRect/>
+          </a:stretch>
+        </p:blipFill>
+        <p:spPr>
+          <a:xfrm>
+            <a:off x="202722" y="4200352"/>
+            <a:ext cx="5690557" cy="2450909"/>
+          </a:xfrm>
+          <a:prstGeom prst="rect">
+            <a:avLst/>
+          </a:prstGeom>
+        </p:spPr>
+      </p:pic>
+      <p:pic>
+        <p:nvPicPr>
+          <p:cNvPr id="7" name="Picture 6">
+            <a:extLst>
+              <a:ext uri="{FF2B5EF4-FFF2-40B4-BE49-F238E27FC236}">
+                <a16:creationId xmlns:a16="http://schemas.microsoft.com/office/drawing/2014/main" id="{B4E41731-2177-8936-0785-DBFBF6E19D45}"/>
+              </a:ext>
+            </a:extLst>
+          </p:cNvPr>
+          <p:cNvPicPr>
+            <a:picLocks noChangeAspect="1"/>
+          </p:cNvPicPr>
+          <p:nvPr/>
+        </p:nvPicPr>
+        <p:blipFill>
+          <a:blip r:embed="rId5"/>
+          <a:stretch>
+            <a:fillRect/>
+          </a:stretch>
+        </p:blipFill>
+        <p:spPr>
+          <a:xfrm>
+            <a:off x="6376930" y="4042100"/>
+            <a:ext cx="5240357" cy="2592981"/>
+          </a:xfrm>
+          <a:prstGeom prst="rect">
+            <a:avLst/>
+          </a:prstGeom>
+        </p:spPr>
+      </p:pic>
+    </p:spTree>
+    <p:extLst>
+      <p:ext uri="{BB962C8B-B14F-4D97-AF65-F5344CB8AC3E}">
+        <p14:creationId xmlns:p14="http://schemas.microsoft.com/office/powerpoint/2010/main" val="1798534807"/>
       </p:ext>
     </p:extLst>
   </p:cSld>
